--- a/lesson02.pptx
+++ b/lesson02.pptx
@@ -5,7 +5,7 @@
     <p:sldMasterId id="2147483648" r:id="rId1"/>
   </p:sldMasterIdLst>
   <p:notesMasterIdLst>
-    <p:notesMasterId r:id="rId43"/>
+    <p:notesMasterId r:id="rId40"/>
   </p:notesMasterIdLst>
   <p:sldIdLst>
     <p:sldId id="441" r:id="rId2"/>
@@ -28,27 +28,24 @@
     <p:sldId id="364" r:id="rId19"/>
     <p:sldId id="467" r:id="rId20"/>
     <p:sldId id="385" r:id="rId21"/>
-    <p:sldId id="532" r:id="rId22"/>
-    <p:sldId id="386" r:id="rId23"/>
-    <p:sldId id="575" r:id="rId24"/>
-    <p:sldId id="576" r:id="rId25"/>
-    <p:sldId id="577" r:id="rId26"/>
-    <p:sldId id="412" r:id="rId27"/>
-    <p:sldId id="583" r:id="rId28"/>
-    <p:sldId id="413" r:id="rId29"/>
-    <p:sldId id="578" r:id="rId30"/>
-    <p:sldId id="442" r:id="rId31"/>
-    <p:sldId id="379" r:id="rId32"/>
-    <p:sldId id="435" r:id="rId33"/>
-    <p:sldId id="446" r:id="rId34"/>
-    <p:sldId id="411" r:id="rId35"/>
-    <p:sldId id="449" r:id="rId36"/>
-    <p:sldId id="447" r:id="rId37"/>
-    <p:sldId id="448" r:id="rId38"/>
-    <p:sldId id="584" r:id="rId39"/>
-    <p:sldId id="434" r:id="rId40"/>
-    <p:sldId id="444" r:id="rId41"/>
-    <p:sldId id="445" r:id="rId42"/>
+    <p:sldId id="575" r:id="rId22"/>
+    <p:sldId id="576" r:id="rId23"/>
+    <p:sldId id="412" r:id="rId24"/>
+    <p:sldId id="583" r:id="rId25"/>
+    <p:sldId id="413" r:id="rId26"/>
+    <p:sldId id="578" r:id="rId27"/>
+    <p:sldId id="442" r:id="rId28"/>
+    <p:sldId id="379" r:id="rId29"/>
+    <p:sldId id="435" r:id="rId30"/>
+    <p:sldId id="446" r:id="rId31"/>
+    <p:sldId id="411" r:id="rId32"/>
+    <p:sldId id="449" r:id="rId33"/>
+    <p:sldId id="447" r:id="rId34"/>
+    <p:sldId id="448" r:id="rId35"/>
+    <p:sldId id="584" r:id="rId36"/>
+    <p:sldId id="434" r:id="rId37"/>
+    <p:sldId id="444" r:id="rId38"/>
+    <p:sldId id="445" r:id="rId39"/>
   </p:sldIdLst>
   <p:sldSz cx="12192000" cy="6858000"/>
   <p:notesSz cx="6858000" cy="9144000"/>
@@ -176,14 +173,6 @@
     </p:extLst>
   </p:cmAuthor>
 </p:cmAuthorLst>
-</file>
-
-<file path=ppt/revisionInfo.xml><?xml version="1.0" encoding="utf-8"?>
-<p1510:revInfo xmlns:a="http://schemas.openxmlformats.org/drawingml/2006/main" xmlns:r="http://schemas.openxmlformats.org/officeDocument/2006/relationships" xmlns:p1510="http://schemas.microsoft.com/office/powerpoint/2015/10/main">
-  <p1510:revLst>
-    <p1510:client id="{D9F6D599-7765-4AB8-BF9D-2E745D075EEF}" v="19" dt="2021-10-05T06:46:23.954"/>
-  </p1510:revLst>
-</p1510:revInfo>
 </file>
 
 <file path=ppt/changesInfos/changesInfo1.xml><?xml version="1.0" encoding="utf-8"?>
@@ -1103,6 +1092,96 @@
     </pc:docChg>
   </pc:docChgLst>
   <pc:docChgLst>
+    <pc:chgData name="Anatoliy Kigel" userId="7432c6c4687b0a9c" providerId="LiveId" clId="{F50BB690-9DE7-43D8-A7C8-9782F5FEB677}"/>
+    <pc:docChg chg="delSld modSld">
+      <pc:chgData name="Anatoliy Kigel" userId="7432c6c4687b0a9c" providerId="LiveId" clId="{F50BB690-9DE7-43D8-A7C8-9782F5FEB677}" dt="2021-10-09T18:26:37.077" v="12" actId="20577"/>
+      <pc:docMkLst>
+        <pc:docMk/>
+      </pc:docMkLst>
+      <pc:sldChg chg="modSp mod">
+        <pc:chgData name="Anatoliy Kigel" userId="7432c6c4687b0a9c" providerId="LiveId" clId="{F50BB690-9DE7-43D8-A7C8-9782F5FEB677}" dt="2021-10-09T18:26:04.980" v="7" actId="1035"/>
+        <pc:sldMkLst>
+          <pc:docMk/>
+          <pc:sldMk cId="2636876839" sldId="364"/>
+        </pc:sldMkLst>
+        <pc:spChg chg="mod">
+          <ac:chgData name="Anatoliy Kigel" userId="7432c6c4687b0a9c" providerId="LiveId" clId="{F50BB690-9DE7-43D8-A7C8-9782F5FEB677}" dt="2021-10-09T18:26:04.980" v="7" actId="1035"/>
+          <ac:spMkLst>
+            <pc:docMk/>
+            <pc:sldMk cId="2636876839" sldId="364"/>
+            <ac:spMk id="8" creationId="{00000000-0000-0000-0000-000000000000}"/>
+          </ac:spMkLst>
+        </pc:spChg>
+      </pc:sldChg>
+      <pc:sldChg chg="del">
+        <pc:chgData name="Anatoliy Kigel" userId="7432c6c4687b0a9c" providerId="LiveId" clId="{F50BB690-9DE7-43D8-A7C8-9782F5FEB677}" dt="2021-10-09T18:25:50.413" v="0" actId="47"/>
+        <pc:sldMkLst>
+          <pc:docMk/>
+          <pc:sldMk cId="366965302" sldId="386"/>
+        </pc:sldMkLst>
+      </pc:sldChg>
+      <pc:sldChg chg="modSp mod">
+        <pc:chgData name="Anatoliy Kigel" userId="7432c6c4687b0a9c" providerId="LiveId" clId="{F50BB690-9DE7-43D8-A7C8-9782F5FEB677}" dt="2021-10-09T18:26:33.721" v="10" actId="20577"/>
+        <pc:sldMkLst>
+          <pc:docMk/>
+          <pc:sldMk cId="3316522765" sldId="412"/>
+        </pc:sldMkLst>
+        <pc:spChg chg="mod">
+          <ac:chgData name="Anatoliy Kigel" userId="7432c6c4687b0a9c" providerId="LiveId" clId="{F50BB690-9DE7-43D8-A7C8-9782F5FEB677}" dt="2021-10-09T18:26:33.721" v="10" actId="20577"/>
+          <ac:spMkLst>
+            <pc:docMk/>
+            <pc:sldMk cId="3316522765" sldId="412"/>
+            <ac:spMk id="5" creationId="{00000000-0000-0000-0000-000000000000}"/>
+          </ac:spMkLst>
+        </pc:spChg>
+      </pc:sldChg>
+      <pc:sldChg chg="modSp mod">
+        <pc:chgData name="Anatoliy Kigel" userId="7432c6c4687b0a9c" providerId="LiveId" clId="{F50BB690-9DE7-43D8-A7C8-9782F5FEB677}" dt="2021-10-09T18:26:37.077" v="12" actId="20577"/>
+        <pc:sldMkLst>
+          <pc:docMk/>
+          <pc:sldMk cId="1919575107" sldId="442"/>
+        </pc:sldMkLst>
+        <pc:spChg chg="mod">
+          <ac:chgData name="Anatoliy Kigel" userId="7432c6c4687b0a9c" providerId="LiveId" clId="{F50BB690-9DE7-43D8-A7C8-9782F5FEB677}" dt="2021-10-09T18:26:37.077" v="12" actId="20577"/>
+          <ac:spMkLst>
+            <pc:docMk/>
+            <pc:sldMk cId="1919575107" sldId="442"/>
+            <ac:spMk id="5" creationId="{00000000-0000-0000-0000-000000000000}"/>
+          </ac:spMkLst>
+        </pc:spChg>
+      </pc:sldChg>
+      <pc:sldChg chg="del">
+        <pc:chgData name="Anatoliy Kigel" userId="7432c6c4687b0a9c" providerId="LiveId" clId="{F50BB690-9DE7-43D8-A7C8-9782F5FEB677}" dt="2021-10-09T18:25:50.413" v="0" actId="47"/>
+        <pc:sldMkLst>
+          <pc:docMk/>
+          <pc:sldMk cId="3833071631" sldId="532"/>
+        </pc:sldMkLst>
+      </pc:sldChg>
+      <pc:sldChg chg="modSp mod">
+        <pc:chgData name="Anatoliy Kigel" userId="7432c6c4687b0a9c" providerId="LiveId" clId="{F50BB690-9DE7-43D8-A7C8-9782F5FEB677}" dt="2021-10-09T18:25:54.534" v="3" actId="20577"/>
+        <pc:sldMkLst>
+          <pc:docMk/>
+          <pc:sldMk cId="3045335102" sldId="575"/>
+        </pc:sldMkLst>
+        <pc:spChg chg="mod">
+          <ac:chgData name="Anatoliy Kigel" userId="7432c6c4687b0a9c" providerId="LiveId" clId="{F50BB690-9DE7-43D8-A7C8-9782F5FEB677}" dt="2021-10-09T18:25:54.534" v="3" actId="20577"/>
+          <ac:spMkLst>
+            <pc:docMk/>
+            <pc:sldMk cId="3045335102" sldId="575"/>
+            <ac:spMk id="5" creationId="{00000000-0000-0000-0000-000000000000}"/>
+          </ac:spMkLst>
+        </pc:spChg>
+      </pc:sldChg>
+      <pc:sldChg chg="del">
+        <pc:chgData name="Anatoliy Kigel" userId="7432c6c4687b0a9c" providerId="LiveId" clId="{F50BB690-9DE7-43D8-A7C8-9782F5FEB677}" dt="2021-10-09T18:26:23.503" v="8" actId="47"/>
+        <pc:sldMkLst>
+          <pc:docMk/>
+          <pc:sldMk cId="2071329461" sldId="577"/>
+        </pc:sldMkLst>
+      </pc:sldChg>
+    </pc:docChg>
+  </pc:docChgLst>
+  <pc:docChgLst>
     <pc:chgData name="Anatoliy Kigel" userId="7432c6c4687b0a9c" providerId="LiveId" clId="{C65A2B38-87B5-439B-94D5-1925E67508A4}"/>
     <pc:docChg chg="custSel modSld">
       <pc:chgData name="Anatoliy Kigel" userId="7432c6c4687b0a9c" providerId="LiveId" clId="{C65A2B38-87B5-439B-94D5-1925E67508A4}" dt="2021-06-03T19:11:51.262" v="111" actId="403"/>
@@ -1274,7 +1353,7 @@
             <a:fld id="{85522811-C5C6-42D2-A409-F8556720C93F}" type="datetimeFigureOut">
               <a:rPr lang="uk-UA" smtClean="0"/>
               <a:pPr/>
-              <a:t>06.10.2021</a:t>
+              <a:t>09.10.2021</a:t>
             </a:fld>
             <a:endParaRPr lang="uk-UA"/>
           </a:p>
@@ -1814,7 +1893,7 @@
             <a:fld id="{E6FC6B0D-6115-4D7C-8040-9C8E2349BB6E}" type="datetime1">
               <a:rPr lang="uk-UA" smtClean="0"/>
               <a:pPr/>
-              <a:t>06.10.2021</a:t>
+              <a:t>09.10.2021</a:t>
             </a:fld>
             <a:endParaRPr lang="uk-UA"/>
           </a:p>
@@ -1981,7 +2060,7 @@
             <a:fld id="{996367BA-0A39-4DE2-BFC3-D5290044365E}" type="datetime1">
               <a:rPr lang="uk-UA" smtClean="0"/>
               <a:pPr/>
-              <a:t>06.10.2021</a:t>
+              <a:t>09.10.2021</a:t>
             </a:fld>
             <a:endParaRPr lang="uk-UA"/>
           </a:p>
@@ -2158,7 +2237,7 @@
             <a:fld id="{1BD6A67F-6C29-47DC-AF8A-FDB3C787DF70}" type="datetime1">
               <a:rPr lang="uk-UA" smtClean="0"/>
               <a:pPr/>
-              <a:t>06.10.2021</a:t>
+              <a:t>09.10.2021</a:t>
             </a:fld>
             <a:endParaRPr lang="uk-UA"/>
           </a:p>
@@ -2325,7 +2404,7 @@
             <a:fld id="{1657D9C5-7FF1-434F-B56E-9BAD559744E9}" type="datetime1">
               <a:rPr lang="uk-UA" smtClean="0"/>
               <a:pPr/>
-              <a:t>06.10.2021</a:t>
+              <a:t>09.10.2021</a:t>
             </a:fld>
             <a:endParaRPr lang="uk-UA"/>
           </a:p>
@@ -2568,7 +2647,7 @@
             <a:fld id="{2CEB0FC9-DE63-476B-A1A9-BE934D9049F8}" type="datetime1">
               <a:rPr lang="uk-UA" smtClean="0"/>
               <a:pPr/>
-              <a:t>06.10.2021</a:t>
+              <a:t>09.10.2021</a:t>
             </a:fld>
             <a:endParaRPr lang="uk-UA"/>
           </a:p>
@@ -2853,7 +2932,7 @@
             <a:fld id="{F964460F-86E2-4DF6-9D0F-12F5005CF375}" type="datetime1">
               <a:rPr lang="uk-UA" smtClean="0"/>
               <a:pPr/>
-              <a:t>06.10.2021</a:t>
+              <a:t>09.10.2021</a:t>
             </a:fld>
             <a:endParaRPr lang="uk-UA"/>
           </a:p>
@@ -3272,7 +3351,7 @@
             <a:fld id="{C521715E-DDCD-4267-B0A5-2918B6F6768A}" type="datetime1">
               <a:rPr lang="uk-UA" smtClean="0"/>
               <a:pPr/>
-              <a:t>06.10.2021</a:t>
+              <a:t>09.10.2021</a:t>
             </a:fld>
             <a:endParaRPr lang="uk-UA"/>
           </a:p>
@@ -3387,7 +3466,7 @@
             <a:fld id="{9289842C-EB2D-4EBB-A272-2F6A49D9794D}" type="datetime1">
               <a:rPr lang="uk-UA" smtClean="0"/>
               <a:pPr/>
-              <a:t>06.10.2021</a:t>
+              <a:t>09.10.2021</a:t>
             </a:fld>
             <a:endParaRPr lang="uk-UA"/>
           </a:p>
@@ -3479,7 +3558,7 @@
             <a:fld id="{D036F091-B700-4B52-99AC-85D0FD94D904}" type="datetime1">
               <a:rPr lang="uk-UA" smtClean="0"/>
               <a:pPr/>
-              <a:t>06.10.2021</a:t>
+              <a:t>09.10.2021</a:t>
             </a:fld>
             <a:endParaRPr lang="uk-UA"/>
           </a:p>
@@ -3753,7 +3832,7 @@
             <a:fld id="{B35DFABA-3811-4634-B803-2EAC4CD0063B}" type="datetime1">
               <a:rPr lang="uk-UA" smtClean="0"/>
               <a:pPr/>
-              <a:t>06.10.2021</a:t>
+              <a:t>09.10.2021</a:t>
             </a:fld>
             <a:endParaRPr lang="uk-UA"/>
           </a:p>
@@ -4003,7 +4082,7 @@
             <a:fld id="{8A9EA25E-F88E-463A-A119-D1E55A881002}" type="datetime1">
               <a:rPr lang="uk-UA" smtClean="0"/>
               <a:pPr/>
-              <a:t>06.10.2021</a:t>
+              <a:t>09.10.2021</a:t>
             </a:fld>
             <a:endParaRPr lang="uk-UA"/>
           </a:p>
@@ -4213,7 +4292,7 @@
             <a:fld id="{E708ED03-0080-49A2-B709-7DA4ACB3A1C3}" type="datetime1">
               <a:rPr lang="uk-UA" smtClean="0"/>
               <a:pPr/>
-              <a:t>06.10.2021</a:t>
+              <a:t>09.10.2021</a:t>
             </a:fld>
             <a:endParaRPr lang="uk-UA"/>
           </a:p>
@@ -7441,7 +7520,7 @@
         </p:nvSpPr>
         <p:spPr>
           <a:xfrm>
-            <a:off x="11759" y="6135687"/>
+            <a:off x="11759" y="5877272"/>
             <a:ext cx="12192000" cy="461665"/>
           </a:xfrm>
           <a:prstGeom prst="rect">
@@ -8259,20 +8338,34 @@
           <a:p>
             <a:pPr algn="ctr"/>
             <a:r>
+              <a:rPr lang="en-US" sz="8000" b="1" dirty="0"/>
+              <a:t>6</a:t>
+            </a:r>
+            <a:r>
               <a:rPr lang="ru-RU" sz="8000" b="1" dirty="0"/>
-              <a:t>6</a:t>
+              <a:t>. </a:t>
+            </a:r>
+            <a:r>
+              <a:rPr lang="en-US" sz="8000" b="1" dirty="0" err="1">
+                <a:solidFill>
+                  <a:schemeClr val="accent6">
+                    <a:lumMod val="75000"/>
+                  </a:schemeClr>
+                </a:solidFill>
+              </a:rPr>
+              <a:t>async</a:t>
             </a:r>
             <a:r>
               <a:rPr lang="en-US" sz="8000" b="1" dirty="0"/>
-              <a:t>. Promise</a:t>
-            </a:r>
-            <a:r>
-              <a:rPr lang="ru-RU" sz="8000" b="1" dirty="0"/>
-              <a:t> </a:t>
-            </a:r>
-            <a:r>
-              <a:rPr lang="en-US" sz="8000" b="1" dirty="0"/>
-              <a:t>API</a:t>
+              <a:t>/</a:t>
+            </a:r>
+            <a:r>
+              <a:rPr lang="en-US" sz="8000" b="1" dirty="0">
+                <a:solidFill>
+                  <a:srgbClr val="00B0F0"/>
+                </a:solidFill>
+              </a:rPr>
+              <a:t>await</a:t>
             </a:r>
           </a:p>
         </p:txBody>
@@ -8280,7 +8373,7 @@
     </p:spTree>
     <p:extLst>
       <p:ext uri="{BB962C8B-B14F-4D97-AF65-F5344CB8AC3E}">
-        <p14:creationId xmlns:p14="http://schemas.microsoft.com/office/powerpoint/2010/main" val="3833071631"/>
+        <p14:creationId xmlns:p14="http://schemas.microsoft.com/office/powerpoint/2010/main" val="3045335102"/>
       </p:ext>
     </p:extLst>
   </p:cSld>
@@ -8379,14 +8472,14 @@
       </p:sp>
       <p:sp>
         <p:nvSpPr>
-          <p:cNvPr id="5" name="TextBox 4"/>
+          <p:cNvPr id="4" name="TextBox 3"/>
           <p:cNvSpPr txBox="1"/>
           <p:nvPr/>
         </p:nvSpPr>
         <p:spPr>
           <a:xfrm>
-            <a:off x="0" y="188640"/>
-            <a:ext cx="12192000" cy="830997"/>
+            <a:off x="0" y="323945"/>
+            <a:ext cx="12192000" cy="584775"/>
           </a:xfrm>
           <a:prstGeom prst="rect">
             <a:avLst/>
@@ -8401,27 +8494,39 @@
           <a:p>
             <a:pPr algn="ctr"/>
             <a:r>
-              <a:rPr lang="en-US" sz="4800" b="1" dirty="0"/>
-              <a:t>Promise </a:t>
-            </a:r>
-            <a:r>
-              <a:rPr lang="it-IT" sz="4800" b="1" dirty="0"/>
-              <a:t>API</a:t>
-            </a:r>
-            <a:endParaRPr lang="ru-RU" sz="4800" b="1" dirty="0"/>
-          </a:p>
-        </p:txBody>
-      </p:sp>
-      <p:sp>
-        <p:nvSpPr>
-          <p:cNvPr id="2" name="TextBox 1"/>
+              <a:rPr lang="en-US" sz="3200" b="1" dirty="0" err="1"/>
+              <a:t>async</a:t>
+            </a:r>
+            <a:r>
+              <a:rPr lang="en-US" sz="3200" b="1" dirty="0"/>
+              <a:t>/await </a:t>
+            </a:r>
+            <a:r>
+              <a:rPr lang="ru-RU" sz="3200" b="1" dirty="0"/>
+              <a:t>– упрощение кода </a:t>
+            </a:r>
+            <a:r>
+              <a:rPr lang="en-US" sz="3200" b="1" dirty="0"/>
+              <a:t>Promise’</a:t>
+            </a:r>
+            <a:r>
+              <a:rPr lang="ru-RU" sz="3200" b="1" dirty="0" err="1"/>
+              <a:t>ов</a:t>
+            </a:r>
+            <a:endParaRPr lang="ru-RU" sz="3200" b="1" dirty="0"/>
+          </a:p>
+        </p:txBody>
+      </p:sp>
+      <p:sp>
+        <p:nvSpPr>
+          <p:cNvPr id="5" name="TextBox 4"/>
           <p:cNvSpPr txBox="1"/>
           <p:nvPr/>
         </p:nvSpPr>
         <p:spPr>
           <a:xfrm>
-            <a:off x="1415480" y="1124744"/>
-            <a:ext cx="9505056" cy="4524315"/>
+            <a:off x="7248128" y="1196752"/>
+            <a:ext cx="4608512" cy="4401205"/>
           </a:xfrm>
           <a:prstGeom prst="rect">
             <a:avLst/>
@@ -8435,274 +8540,95 @@
           <a:lstStyle/>
           <a:p>
             <a:r>
-              <a:rPr lang="ru-RU" sz="2400" dirty="0"/>
-              <a:t>Благодаря методу </a:t>
-            </a:r>
-            <a:r>
-              <a:rPr lang="en-US" sz="2400" b="1" dirty="0" err="1">
-                <a:solidFill>
-                  <a:schemeClr val="accent6">
-                    <a:lumMod val="75000"/>
-                  </a:schemeClr>
-                </a:solidFill>
-              </a:rPr>
-              <a:t>Promise.all</a:t>
-            </a:r>
-            <a:r>
-              <a:rPr lang="en-US" sz="2400" b="1" dirty="0">
-                <a:solidFill>
-                  <a:schemeClr val="accent6">
-                    <a:lumMod val="75000"/>
-                  </a:schemeClr>
-                </a:solidFill>
-              </a:rPr>
-              <a:t>()</a:t>
-            </a:r>
-            <a:r>
-              <a:rPr lang="en-US" sz="2400" dirty="0">
-                <a:solidFill>
-                  <a:schemeClr val="accent6">
-                    <a:lumMod val="75000"/>
-                  </a:schemeClr>
-                </a:solidFill>
-              </a:rPr>
+              <a:rPr lang="en-US" sz="2000" b="1" dirty="0" err="1"/>
+              <a:t>async</a:t>
+            </a:r>
+            <a:r>
+              <a:rPr lang="en-US" sz="2000" b="1" dirty="0"/>
+              <a:t>/await </a:t>
+            </a:r>
+            <a:r>
+              <a:rPr lang="en-US" sz="2000" dirty="0"/>
+              <a:t>– </a:t>
+            </a:r>
+            <a:r>
+              <a:rPr lang="ru-RU" sz="2000" dirty="0"/>
+              <a:t>надстройка над </a:t>
+            </a:r>
+            <a:r>
+              <a:rPr lang="en-US" sz="2000" b="1" dirty="0"/>
+              <a:t>Promise</a:t>
+            </a:r>
+            <a:r>
+              <a:rPr lang="en-US" sz="2000" dirty="0"/>
               <a:t> </a:t>
             </a:r>
             <a:r>
-              <a:rPr lang="ru-RU" sz="2400" dirty="0"/>
-              <a:t>есть возможность «подождать»</a:t>
-            </a:r>
-            <a:r>
-              <a:rPr lang="it-IT" sz="2400" dirty="0"/>
-              <a:t> </a:t>
-            </a:r>
-            <a:r>
-              <a:rPr lang="ru-RU" sz="2400" b="1" dirty="0"/>
-              <a:t>успешного</a:t>
-            </a:r>
-            <a:r>
-              <a:rPr lang="ru-RU" sz="2400" dirty="0"/>
-              <a:t> завершения всех </a:t>
-            </a:r>
-            <a:r>
-              <a:rPr lang="en-US" sz="2400" i="1" dirty="0"/>
+              <a:rPr lang="ru-RU" sz="2000" dirty="0"/>
+              <a:t>позволяющая писать код в полностью привычном синхронном стиле, при этом откладывая ожидания завершения операций до тех пор пока её результат действительно понадобиться</a:t>
+            </a:r>
+            <a:r>
+              <a:rPr lang="en-US" sz="2000" dirty="0"/>
+              <a:t>;</a:t>
+            </a:r>
+          </a:p>
+          <a:p>
+            <a:endParaRPr lang="ru-RU" sz="2000" dirty="0"/>
+          </a:p>
+          <a:p>
+            <a:r>
+              <a:rPr lang="en-US" sz="2000" b="1" dirty="0" err="1"/>
+              <a:t>async</a:t>
+            </a:r>
+            <a:r>
+              <a:rPr lang="en-US" sz="2000" dirty="0"/>
+              <a:t> – </a:t>
+            </a:r>
+            <a:r>
+              <a:rPr lang="ru-RU" sz="2000" dirty="0"/>
+              <a:t>отмечает функцию как асинхронную (результат такой функции оборачивается в </a:t>
+            </a:r>
+            <a:r>
+              <a:rPr lang="en-US" sz="2000" b="1" dirty="0"/>
               <a:t>Promise</a:t>
             </a:r>
             <a:r>
-              <a:rPr lang="en-US" sz="2400" dirty="0"/>
-              <a:t>’</a:t>
-            </a:r>
-            <a:r>
-              <a:rPr lang="ru-RU" sz="2400" dirty="0" err="1"/>
-              <a:t>ов</a:t>
-            </a:r>
-            <a:r>
-              <a:rPr lang="ru-RU" sz="2400" dirty="0"/>
-              <a:t>, для последующей обработки результатов;</a:t>
-            </a:r>
-          </a:p>
-          <a:p>
-            <a:endParaRPr lang="ru-RU" sz="2400" dirty="0"/>
-          </a:p>
-          <a:p>
-            <a:r>
-              <a:rPr lang="ru-RU" sz="2400" dirty="0"/>
-              <a:t>Метод </a:t>
-            </a:r>
-            <a:r>
-              <a:rPr lang="en-US" sz="2400" b="1" dirty="0" err="1">
-                <a:solidFill>
-                  <a:srgbClr val="7030A0"/>
-                </a:solidFill>
-              </a:rPr>
-              <a:t>Promise.allSettled</a:t>
-            </a:r>
-            <a:r>
-              <a:rPr lang="en-US" sz="2400" b="1" dirty="0">
-                <a:solidFill>
-                  <a:srgbClr val="7030A0"/>
-                </a:solidFill>
-              </a:rPr>
-              <a:t>() </a:t>
-            </a:r>
-            <a:r>
-              <a:rPr lang="ru-RU" sz="2400" dirty="0"/>
-              <a:t>– позволяет дождаться всех </a:t>
-            </a:r>
-            <a:r>
-              <a:rPr lang="en-US" sz="2400" i="1" dirty="0"/>
-              <a:t>Promise</a:t>
-            </a:r>
-            <a:r>
-              <a:rPr lang="en-US" sz="2400" dirty="0"/>
-              <a:t>’</a:t>
-            </a:r>
-            <a:r>
-              <a:rPr lang="ru-RU" sz="2400" dirty="0" err="1"/>
-              <a:t>ов</a:t>
-            </a:r>
-            <a:r>
-              <a:rPr lang="ru-RU" sz="2400" dirty="0"/>
-              <a:t>, </a:t>
-            </a:r>
-            <a:r>
-              <a:rPr lang="ru-RU" sz="2400" b="1" dirty="0"/>
-              <a:t>независимо</a:t>
-            </a:r>
-            <a:r>
-              <a:rPr lang="ru-RU" sz="2400" dirty="0"/>
-              <a:t> от результата;</a:t>
-            </a:r>
-          </a:p>
-          <a:p>
-            <a:r>
-              <a:rPr lang="ru-RU" sz="2400" dirty="0"/>
-              <a:t> </a:t>
-            </a:r>
-          </a:p>
-          <a:p>
-            <a:r>
-              <a:rPr lang="en-US" sz="2400" b="1" dirty="0" err="1">
-                <a:solidFill>
-                  <a:srgbClr val="00B0F0"/>
-                </a:solidFill>
-              </a:rPr>
-              <a:t>Promise.race</a:t>
-            </a:r>
-            <a:r>
-              <a:rPr lang="en-US" sz="2400" b="1" dirty="0">
-                <a:solidFill>
-                  <a:srgbClr val="00B0F0"/>
-                </a:solidFill>
-              </a:rPr>
-              <a:t>() </a:t>
-            </a:r>
-            <a:r>
-              <a:rPr lang="ru-RU" sz="2400" dirty="0"/>
-              <a:t>позволяет дождаться только первого завершенного </a:t>
-            </a:r>
-            <a:r>
-              <a:rPr lang="en-US" sz="2400" i="1" dirty="0"/>
-              <a:t>Promise</a:t>
-            </a:r>
-            <a:r>
-              <a:rPr lang="en-US" sz="2400" dirty="0"/>
-              <a:t>’</a:t>
-            </a:r>
-            <a:r>
-              <a:rPr lang="ru-RU" sz="2400" dirty="0"/>
-              <a:t>а</a:t>
-            </a:r>
-            <a:r>
-              <a:rPr lang="en-US" sz="2400" dirty="0"/>
-              <a:t> (</a:t>
-            </a:r>
-            <a:r>
-              <a:rPr lang="ru-RU" sz="2400" b="1" dirty="0"/>
-              <a:t>успешного</a:t>
-            </a:r>
-            <a:r>
-              <a:rPr lang="ru-RU" sz="2400" dirty="0"/>
-              <a:t> </a:t>
-            </a:r>
-            <a:r>
-              <a:rPr lang="ru-RU" sz="2400" b="1" dirty="0"/>
-              <a:t>или</a:t>
-            </a:r>
-            <a:r>
-              <a:rPr lang="ru-RU" sz="2400" dirty="0"/>
-              <a:t> </a:t>
-            </a:r>
-            <a:r>
-              <a:rPr lang="ru-RU" sz="2400" b="1" dirty="0"/>
-              <a:t>неуспешного</a:t>
-            </a:r>
-            <a:r>
-              <a:rPr lang="en-US" sz="2400" dirty="0"/>
+              <a:rPr lang="ru-RU" sz="2000" dirty="0"/>
               <a:t>)</a:t>
             </a:r>
             <a:r>
-              <a:rPr lang="ru-RU" sz="2400" dirty="0"/>
+              <a:rPr lang="en-US" sz="2000" dirty="0"/>
               <a:t>;</a:t>
             </a:r>
-            <a:endParaRPr lang="en-US" sz="2400" dirty="0"/>
-          </a:p>
-          <a:p>
-            <a:endParaRPr lang="ru-RU" sz="2400" dirty="0"/>
-          </a:p>
-          <a:p>
-            <a:r>
-              <a:rPr lang="en-US" sz="2400" b="1" dirty="0" err="1">
-                <a:solidFill>
-                  <a:srgbClr val="00B050"/>
-                </a:solidFill>
-              </a:rPr>
-              <a:t>Promise.any</a:t>
-            </a:r>
-            <a:r>
-              <a:rPr lang="en-US" sz="2400" b="1" dirty="0">
-                <a:solidFill>
-                  <a:srgbClr val="00B050"/>
-                </a:solidFill>
-              </a:rPr>
-              <a:t>() </a:t>
-            </a:r>
-            <a:r>
-              <a:rPr lang="en-US" sz="2400" dirty="0"/>
-              <a:t>– </a:t>
-            </a:r>
-            <a:r>
-              <a:rPr lang="ru-RU" sz="2400" dirty="0"/>
-              <a:t>возвращает первый </a:t>
-            </a:r>
-            <a:r>
-              <a:rPr lang="ru-RU" sz="2400" b="1" dirty="0"/>
-              <a:t>успешно</a:t>
-            </a:r>
-            <a:r>
-              <a:rPr lang="ru-RU" sz="2400" dirty="0"/>
-              <a:t> завершенный </a:t>
-            </a:r>
-            <a:r>
-              <a:rPr lang="en-US" sz="2400" i="1" dirty="0"/>
-              <a:t>Promise</a:t>
-            </a:r>
-            <a:r>
-              <a:rPr lang="en-US" sz="2400" dirty="0"/>
-              <a:t> </a:t>
-            </a:r>
-            <a:r>
-              <a:rPr lang="ru-RU" sz="2400" dirty="0"/>
-              <a:t>из переданной коллекции </a:t>
-            </a:r>
-            <a:r>
-              <a:rPr lang="en-US" sz="2400" i="1" dirty="0"/>
-              <a:t>Promise</a:t>
-            </a:r>
-            <a:r>
-              <a:rPr lang="en-US" sz="2400" dirty="0"/>
-              <a:t>’</a:t>
-            </a:r>
-            <a:r>
-              <a:rPr lang="ru-RU" sz="2400" dirty="0" err="1"/>
-              <a:t>ов</a:t>
-            </a:r>
-            <a:r>
-              <a:rPr lang="ru-RU" sz="2400" dirty="0"/>
-              <a:t>.  </a:t>
-            </a:r>
-          </a:p>
-        </p:txBody>
-      </p:sp>
-      <p:sp>
-        <p:nvSpPr>
-          <p:cNvPr id="7" name="TextBox 6"/>
+          </a:p>
+          <a:p>
+            <a:endParaRPr lang="en-US" sz="2000" dirty="0"/>
+          </a:p>
+          <a:p>
+            <a:r>
+              <a:rPr lang="en-US" sz="2000" b="1" dirty="0"/>
+              <a:t>await</a:t>
+            </a:r>
+            <a:r>
+              <a:rPr lang="en-US" sz="2000" dirty="0"/>
+              <a:t> – </a:t>
+            </a:r>
+            <a:r>
+              <a:rPr lang="ru-RU" sz="2000" dirty="0"/>
+              <a:t>при вызову асинхронных функций указывает, что не нужно ждать результата сейчас</a:t>
+            </a:r>
+          </a:p>
+        </p:txBody>
+      </p:sp>
+      <p:sp>
+        <p:nvSpPr>
+          <p:cNvPr id="8" name="TextBox 6"/>
           <p:cNvSpPr txBox="1"/>
           <p:nvPr/>
         </p:nvSpPr>
         <p:spPr>
           <a:xfrm>
-            <a:off x="0" y="5919663"/>
+            <a:off x="0" y="6021288"/>
             <a:ext cx="12192000" cy="461665"/>
           </a:xfrm>
           <a:prstGeom prst="rect">
@@ -8714,7 +8640,101 @@
           <a:bodyPr wrap="square" rtlCol="0">
             <a:spAutoFit/>
           </a:bodyPr>
-          <a:lstStyle/>
+          <a:lstStyle>
+            <a:defPPr>
+              <a:defRPr lang="uk-UA"/>
+            </a:defPPr>
+            <a:lvl1pPr marL="0" algn="l" defTabSz="914400" rtl="0" eaLnBrk="1" latinLnBrk="0" hangingPunct="1">
+              <a:defRPr sz="1800" kern="1200">
+                <a:solidFill>
+                  <a:schemeClr val="tx1"/>
+                </a:solidFill>
+                <a:latin typeface="+mn-lt"/>
+                <a:ea typeface="+mn-ea"/>
+                <a:cs typeface="+mn-cs"/>
+              </a:defRPr>
+            </a:lvl1pPr>
+            <a:lvl2pPr marL="457200" algn="l" defTabSz="914400" rtl="0" eaLnBrk="1" latinLnBrk="0" hangingPunct="1">
+              <a:defRPr sz="1800" kern="1200">
+                <a:solidFill>
+                  <a:schemeClr val="tx1"/>
+                </a:solidFill>
+                <a:latin typeface="+mn-lt"/>
+                <a:ea typeface="+mn-ea"/>
+                <a:cs typeface="+mn-cs"/>
+              </a:defRPr>
+            </a:lvl2pPr>
+            <a:lvl3pPr marL="914400" algn="l" defTabSz="914400" rtl="0" eaLnBrk="1" latinLnBrk="0" hangingPunct="1">
+              <a:defRPr sz="1800" kern="1200">
+                <a:solidFill>
+                  <a:schemeClr val="tx1"/>
+                </a:solidFill>
+                <a:latin typeface="+mn-lt"/>
+                <a:ea typeface="+mn-ea"/>
+                <a:cs typeface="+mn-cs"/>
+              </a:defRPr>
+            </a:lvl3pPr>
+            <a:lvl4pPr marL="1371600" algn="l" defTabSz="914400" rtl="0" eaLnBrk="1" latinLnBrk="0" hangingPunct="1">
+              <a:defRPr sz="1800" kern="1200">
+                <a:solidFill>
+                  <a:schemeClr val="tx1"/>
+                </a:solidFill>
+                <a:latin typeface="+mn-lt"/>
+                <a:ea typeface="+mn-ea"/>
+                <a:cs typeface="+mn-cs"/>
+              </a:defRPr>
+            </a:lvl4pPr>
+            <a:lvl5pPr marL="1828800" algn="l" defTabSz="914400" rtl="0" eaLnBrk="1" latinLnBrk="0" hangingPunct="1">
+              <a:defRPr sz="1800" kern="1200">
+                <a:solidFill>
+                  <a:schemeClr val="tx1"/>
+                </a:solidFill>
+                <a:latin typeface="+mn-lt"/>
+                <a:ea typeface="+mn-ea"/>
+                <a:cs typeface="+mn-cs"/>
+              </a:defRPr>
+            </a:lvl5pPr>
+            <a:lvl6pPr marL="2286000" algn="l" defTabSz="914400" rtl="0" eaLnBrk="1" latinLnBrk="0" hangingPunct="1">
+              <a:defRPr sz="1800" kern="1200">
+                <a:solidFill>
+                  <a:schemeClr val="tx1"/>
+                </a:solidFill>
+                <a:latin typeface="+mn-lt"/>
+                <a:ea typeface="+mn-ea"/>
+                <a:cs typeface="+mn-cs"/>
+              </a:defRPr>
+            </a:lvl6pPr>
+            <a:lvl7pPr marL="2743200" algn="l" defTabSz="914400" rtl="0" eaLnBrk="1" latinLnBrk="0" hangingPunct="1">
+              <a:defRPr sz="1800" kern="1200">
+                <a:solidFill>
+                  <a:schemeClr val="tx1"/>
+                </a:solidFill>
+                <a:latin typeface="+mn-lt"/>
+                <a:ea typeface="+mn-ea"/>
+                <a:cs typeface="+mn-cs"/>
+              </a:defRPr>
+            </a:lvl7pPr>
+            <a:lvl8pPr marL="3200400" algn="l" defTabSz="914400" rtl="0" eaLnBrk="1" latinLnBrk="0" hangingPunct="1">
+              <a:defRPr sz="1800" kern="1200">
+                <a:solidFill>
+                  <a:schemeClr val="tx1"/>
+                </a:solidFill>
+                <a:latin typeface="+mn-lt"/>
+                <a:ea typeface="+mn-ea"/>
+                <a:cs typeface="+mn-cs"/>
+              </a:defRPr>
+            </a:lvl8pPr>
+            <a:lvl9pPr marL="3657600" algn="l" defTabSz="914400" rtl="0" eaLnBrk="1" latinLnBrk="0" hangingPunct="1">
+              <a:defRPr sz="1800" kern="1200">
+                <a:solidFill>
+                  <a:schemeClr val="tx1"/>
+                </a:solidFill>
+                <a:latin typeface="+mn-lt"/>
+                <a:ea typeface="+mn-ea"/>
+                <a:cs typeface="+mn-cs"/>
+              </a:defRPr>
+            </a:lvl9pPr>
+          </a:lstStyle>
           <a:p>
             <a:pPr algn="ctr"/>
             <a:r>
@@ -8729,16 +8749,50 @@
               <a:rPr lang="en-US" sz="2400" b="1" dirty="0">
                 <a:hlinkClick r:id="rId2"/>
               </a:rPr>
-              <a:t>https://learn.javascript.ru/promise-api</a:t>
+              <a:t>https://learn.javascript.ru/async-await</a:t>
             </a:r>
             <a:endParaRPr lang="ru-RU" sz="2400" b="1" dirty="0"/>
           </a:p>
         </p:txBody>
       </p:sp>
+      <p:pic>
+        <p:nvPicPr>
+          <p:cNvPr id="2" name="Рисунок 1"/>
+          <p:cNvPicPr>
+            <a:picLocks noChangeAspect="1"/>
+          </p:cNvPicPr>
+          <p:nvPr/>
+        </p:nvPicPr>
+        <p:blipFill>
+          <a:blip r:embed="rId3"/>
+          <a:stretch>
+            <a:fillRect/>
+          </a:stretch>
+        </p:blipFill>
+        <p:spPr>
+          <a:xfrm>
+            <a:off x="551384" y="1628800"/>
+            <a:ext cx="6443352" cy="3542127"/>
+          </a:xfrm>
+          <a:prstGeom prst="rect">
+            <a:avLst/>
+          </a:prstGeom>
+          <a:ln>
+            <a:noFill/>
+          </a:ln>
+          <a:effectLst>
+            <a:outerShdw blurRad="292100" dist="139700" dir="2700000" algn="tl" rotWithShape="0">
+              <a:srgbClr val="333333">
+                <a:alpha val="65000"/>
+              </a:srgbClr>
+            </a:outerShdw>
+          </a:effectLst>
+        </p:spPr>
+      </p:pic>
     </p:spTree>
     <p:extLst>
       <p:ext uri="{BB962C8B-B14F-4D97-AF65-F5344CB8AC3E}">
-        <p14:creationId xmlns:p14="http://schemas.microsoft.com/office/powerpoint/2010/main" val="366965302"/>
+        <p14:creationId xmlns:p14="http://schemas.microsoft.com/office/powerpoint/2010/main" val="1451308632"/>
       </p:ext>
     </p:extLst>
   </p:cSld>
@@ -8807,38 +8861,55 @@
           <a:p>
             <a:pPr algn="ctr"/>
             <a:r>
-              <a:rPr lang="ru-RU" sz="8000" b="1" dirty="0"/>
-              <a:t>7. </a:t>
-            </a:r>
-            <a:r>
-              <a:rPr lang="en-US" sz="8000" b="1" dirty="0" err="1">
+              <a:rPr lang="en-US" sz="7200" b="1" dirty="0"/>
+              <a:t>7. fetch() </a:t>
+            </a:r>
+            <a:endParaRPr lang="ru-RU" sz="7200" b="1" dirty="0"/>
+          </a:p>
+          <a:p>
+            <a:pPr algn="ctr"/>
+            <a:r>
+              <a:rPr lang="en-US" sz="4400" b="1" dirty="0">
+                <a:solidFill>
+                  <a:srgbClr val="FFFF00"/>
+                </a:solidFill>
+              </a:rPr>
+              <a:t>AJAX</a:t>
+            </a:r>
+            <a:r>
+              <a:rPr lang="en-US" sz="4400" b="1" dirty="0"/>
+              <a:t> </a:t>
+            </a:r>
+            <a:r>
+              <a:rPr lang="ru-RU" sz="4400" b="1" dirty="0"/>
+              <a:t>на </a:t>
+            </a:r>
+            <a:r>
+              <a:rPr lang="en-US" sz="4400" b="1" dirty="0">
                 <a:solidFill>
                   <a:schemeClr val="accent6">
                     <a:lumMod val="75000"/>
                   </a:schemeClr>
                 </a:solidFill>
               </a:rPr>
-              <a:t>async</a:t>
-            </a:r>
-            <a:r>
-              <a:rPr lang="en-US" sz="8000" b="1" dirty="0"/>
-              <a:t>/</a:t>
-            </a:r>
-            <a:r>
-              <a:rPr lang="en-US" sz="8000" b="1" dirty="0">
-                <a:solidFill>
-                  <a:srgbClr val="00B0F0"/>
-                </a:solidFill>
-              </a:rPr>
-              <a:t>await</a:t>
-            </a:r>
+              <a:t>Promise</a:t>
+            </a:r>
+            <a:r>
+              <a:rPr lang="en-US" sz="4400" b="1" dirty="0"/>
+              <a:t>’</a:t>
+            </a:r>
+            <a:r>
+              <a:rPr lang="ru-RU" sz="4400" b="1" dirty="0"/>
+              <a:t>ах</a:t>
+            </a:r>
+            <a:endParaRPr lang="uk-UA" sz="4400" b="1" dirty="0"/>
           </a:p>
         </p:txBody>
       </p:sp>
     </p:spTree>
     <p:extLst>
       <p:ext uri="{BB962C8B-B14F-4D97-AF65-F5344CB8AC3E}">
-        <p14:creationId xmlns:p14="http://schemas.microsoft.com/office/powerpoint/2010/main" val="3045335102"/>
+        <p14:creationId xmlns:p14="http://schemas.microsoft.com/office/powerpoint/2010/main" val="3316522765"/>
       </p:ext>
     </p:extLst>
   </p:cSld>
@@ -8867,943 +8938,6 @@
       </p:grpSpPr>
       <p:sp>
         <p:nvSpPr>
-          <p:cNvPr id="6" name="Номер слайда 36"/>
-          <p:cNvSpPr txBox="1">
-            <a:spLocks/>
-          </p:cNvSpPr>
-          <p:nvPr/>
-        </p:nvSpPr>
-        <p:spPr>
-          <a:xfrm>
-            <a:off x="11208568" y="6165304"/>
-            <a:ext cx="648072" cy="432048"/>
-          </a:xfrm>
-          <a:prstGeom prst="roundRect">
-            <a:avLst/>
-          </a:prstGeom>
-          <a:ln w="25400" cap="flat" cmpd="sng" algn="ctr">
-            <a:solidFill>
-              <a:schemeClr val="tx2">
-                <a:lumMod val="60000"/>
-                <a:lumOff val="40000"/>
-              </a:schemeClr>
-            </a:solidFill>
-            <a:prstDash val="solid"/>
-          </a:ln>
-        </p:spPr>
-        <p:style>
-          <a:lnRef idx="2">
-            <a:schemeClr val="accent1"/>
-          </a:lnRef>
-          <a:fillRef idx="1">
-            <a:schemeClr val="lt1"/>
-          </a:fillRef>
-          <a:effectRef idx="0">
-            <a:schemeClr val="accent1"/>
-          </a:effectRef>
-          <a:fontRef idx="minor">
-            <a:schemeClr val="dk1"/>
-          </a:fontRef>
-        </p:style>
-        <p:txBody>
-          <a:bodyPr vert="horz" lIns="91440" tIns="45720" rIns="91440" bIns="45720" rtlCol="0" anchor="ctr"/>
-          <a:lstStyle/>
-          <a:p>
-            <a:pPr algn="ctr">
-              <a:defRPr/>
-            </a:pPr>
-            <a:fld id="{6389AA22-90B4-448C-8B6B-C699140D38B9}" type="slidenum">
-              <a:rPr lang="uk-UA" sz="2400" b="1">
-                <a:solidFill>
-                  <a:schemeClr val="bg1">
-                    <a:lumMod val="50000"/>
-                  </a:schemeClr>
-                </a:solidFill>
-              </a:rPr>
-              <a:pPr algn="ctr">
-                <a:defRPr/>
-              </a:pPr>
-              <a:t>24</a:t>
-            </a:fld>
-            <a:endParaRPr lang="uk-UA" sz="2400" b="1" dirty="0">
-              <a:solidFill>
-                <a:schemeClr val="bg1">
-                  <a:lumMod val="50000"/>
-                </a:schemeClr>
-              </a:solidFill>
-            </a:endParaRPr>
-          </a:p>
-        </p:txBody>
-      </p:sp>
-      <p:sp>
-        <p:nvSpPr>
-          <p:cNvPr id="4" name="TextBox 3"/>
-          <p:cNvSpPr txBox="1"/>
-          <p:nvPr/>
-        </p:nvSpPr>
-        <p:spPr>
-          <a:xfrm>
-            <a:off x="0" y="323945"/>
-            <a:ext cx="12192000" cy="584775"/>
-          </a:xfrm>
-          <a:prstGeom prst="rect">
-            <a:avLst/>
-          </a:prstGeom>
-          <a:noFill/>
-        </p:spPr>
-        <p:txBody>
-          <a:bodyPr wrap="square" rtlCol="0">
-            <a:spAutoFit/>
-          </a:bodyPr>
-          <a:lstStyle/>
-          <a:p>
-            <a:pPr algn="ctr"/>
-            <a:r>
-              <a:rPr lang="en-US" sz="3200" b="1" dirty="0" err="1"/>
-              <a:t>async</a:t>
-            </a:r>
-            <a:r>
-              <a:rPr lang="en-US" sz="3200" b="1" dirty="0"/>
-              <a:t>/await </a:t>
-            </a:r>
-            <a:r>
-              <a:rPr lang="ru-RU" sz="3200" b="1" dirty="0"/>
-              <a:t>– упрощение кода </a:t>
-            </a:r>
-            <a:r>
-              <a:rPr lang="en-US" sz="3200" b="1" dirty="0"/>
-              <a:t>Promise’</a:t>
-            </a:r>
-            <a:r>
-              <a:rPr lang="ru-RU" sz="3200" b="1" dirty="0" err="1"/>
-              <a:t>ов</a:t>
-            </a:r>
-            <a:endParaRPr lang="ru-RU" sz="3200" b="1" dirty="0"/>
-          </a:p>
-        </p:txBody>
-      </p:sp>
-      <p:sp>
-        <p:nvSpPr>
-          <p:cNvPr id="5" name="TextBox 4"/>
-          <p:cNvSpPr txBox="1"/>
-          <p:nvPr/>
-        </p:nvSpPr>
-        <p:spPr>
-          <a:xfrm>
-            <a:off x="7248128" y="1196752"/>
-            <a:ext cx="4608512" cy="4401205"/>
-          </a:xfrm>
-          <a:prstGeom prst="rect">
-            <a:avLst/>
-          </a:prstGeom>
-          <a:noFill/>
-        </p:spPr>
-        <p:txBody>
-          <a:bodyPr wrap="square" rtlCol="0">
-            <a:spAutoFit/>
-          </a:bodyPr>
-          <a:lstStyle/>
-          <a:p>
-            <a:r>
-              <a:rPr lang="en-US" sz="2000" b="1" dirty="0" err="1"/>
-              <a:t>async</a:t>
-            </a:r>
-            <a:r>
-              <a:rPr lang="en-US" sz="2000" b="1" dirty="0"/>
-              <a:t>/await </a:t>
-            </a:r>
-            <a:r>
-              <a:rPr lang="en-US" sz="2000" dirty="0"/>
-              <a:t>– </a:t>
-            </a:r>
-            <a:r>
-              <a:rPr lang="ru-RU" sz="2000" dirty="0"/>
-              <a:t>надстройка над </a:t>
-            </a:r>
-            <a:r>
-              <a:rPr lang="en-US" sz="2000" b="1" dirty="0"/>
-              <a:t>Promise</a:t>
-            </a:r>
-            <a:r>
-              <a:rPr lang="en-US" sz="2000" dirty="0"/>
-              <a:t> </a:t>
-            </a:r>
-            <a:r>
-              <a:rPr lang="ru-RU" sz="2000" dirty="0"/>
-              <a:t>позволяющая писать код в полностью привычном синхронном стиле, при этом откладывая ожидания завершения операций до тех пор пока её результат действительно понадобиться</a:t>
-            </a:r>
-            <a:r>
-              <a:rPr lang="en-US" sz="2000" dirty="0"/>
-              <a:t>;</a:t>
-            </a:r>
-          </a:p>
-          <a:p>
-            <a:endParaRPr lang="ru-RU" sz="2000" dirty="0"/>
-          </a:p>
-          <a:p>
-            <a:r>
-              <a:rPr lang="en-US" sz="2000" b="1" dirty="0" err="1"/>
-              <a:t>async</a:t>
-            </a:r>
-            <a:r>
-              <a:rPr lang="en-US" sz="2000" dirty="0"/>
-              <a:t> – </a:t>
-            </a:r>
-            <a:r>
-              <a:rPr lang="ru-RU" sz="2000" dirty="0"/>
-              <a:t>отмечает функцию как асинхронную (результат такой функции оборачивается в </a:t>
-            </a:r>
-            <a:r>
-              <a:rPr lang="en-US" sz="2000" b="1" dirty="0"/>
-              <a:t>Promise</a:t>
-            </a:r>
-            <a:r>
-              <a:rPr lang="ru-RU" sz="2000" dirty="0"/>
-              <a:t>)</a:t>
-            </a:r>
-            <a:r>
-              <a:rPr lang="en-US" sz="2000" dirty="0"/>
-              <a:t>;</a:t>
-            </a:r>
-          </a:p>
-          <a:p>
-            <a:endParaRPr lang="en-US" sz="2000" dirty="0"/>
-          </a:p>
-          <a:p>
-            <a:r>
-              <a:rPr lang="en-US" sz="2000" b="1" dirty="0"/>
-              <a:t>await</a:t>
-            </a:r>
-            <a:r>
-              <a:rPr lang="en-US" sz="2000" dirty="0"/>
-              <a:t> – </a:t>
-            </a:r>
-            <a:r>
-              <a:rPr lang="ru-RU" sz="2000" dirty="0"/>
-              <a:t>при вызову асинхронных функций указывает, что не нужно ждать результата сейчас</a:t>
-            </a:r>
-          </a:p>
-        </p:txBody>
-      </p:sp>
-      <p:sp>
-        <p:nvSpPr>
-          <p:cNvPr id="8" name="TextBox 6"/>
-          <p:cNvSpPr txBox="1"/>
-          <p:nvPr/>
-        </p:nvSpPr>
-        <p:spPr>
-          <a:xfrm>
-            <a:off x="0" y="6021288"/>
-            <a:ext cx="12192000" cy="461665"/>
-          </a:xfrm>
-          <a:prstGeom prst="rect">
-            <a:avLst/>
-          </a:prstGeom>
-          <a:noFill/>
-        </p:spPr>
-        <p:txBody>
-          <a:bodyPr wrap="square" rtlCol="0">
-            <a:spAutoFit/>
-          </a:bodyPr>
-          <a:lstStyle>
-            <a:defPPr>
-              <a:defRPr lang="uk-UA"/>
-            </a:defPPr>
-            <a:lvl1pPr marL="0" algn="l" defTabSz="914400" rtl="0" eaLnBrk="1" latinLnBrk="0" hangingPunct="1">
-              <a:defRPr sz="1800" kern="1200">
-                <a:solidFill>
-                  <a:schemeClr val="tx1"/>
-                </a:solidFill>
-                <a:latin typeface="+mn-lt"/>
-                <a:ea typeface="+mn-ea"/>
-                <a:cs typeface="+mn-cs"/>
-              </a:defRPr>
-            </a:lvl1pPr>
-            <a:lvl2pPr marL="457200" algn="l" defTabSz="914400" rtl="0" eaLnBrk="1" latinLnBrk="0" hangingPunct="1">
-              <a:defRPr sz="1800" kern="1200">
-                <a:solidFill>
-                  <a:schemeClr val="tx1"/>
-                </a:solidFill>
-                <a:latin typeface="+mn-lt"/>
-                <a:ea typeface="+mn-ea"/>
-                <a:cs typeface="+mn-cs"/>
-              </a:defRPr>
-            </a:lvl2pPr>
-            <a:lvl3pPr marL="914400" algn="l" defTabSz="914400" rtl="0" eaLnBrk="1" latinLnBrk="0" hangingPunct="1">
-              <a:defRPr sz="1800" kern="1200">
-                <a:solidFill>
-                  <a:schemeClr val="tx1"/>
-                </a:solidFill>
-                <a:latin typeface="+mn-lt"/>
-                <a:ea typeface="+mn-ea"/>
-                <a:cs typeface="+mn-cs"/>
-              </a:defRPr>
-            </a:lvl3pPr>
-            <a:lvl4pPr marL="1371600" algn="l" defTabSz="914400" rtl="0" eaLnBrk="1" latinLnBrk="0" hangingPunct="1">
-              <a:defRPr sz="1800" kern="1200">
-                <a:solidFill>
-                  <a:schemeClr val="tx1"/>
-                </a:solidFill>
-                <a:latin typeface="+mn-lt"/>
-                <a:ea typeface="+mn-ea"/>
-                <a:cs typeface="+mn-cs"/>
-              </a:defRPr>
-            </a:lvl4pPr>
-            <a:lvl5pPr marL="1828800" algn="l" defTabSz="914400" rtl="0" eaLnBrk="1" latinLnBrk="0" hangingPunct="1">
-              <a:defRPr sz="1800" kern="1200">
-                <a:solidFill>
-                  <a:schemeClr val="tx1"/>
-                </a:solidFill>
-                <a:latin typeface="+mn-lt"/>
-                <a:ea typeface="+mn-ea"/>
-                <a:cs typeface="+mn-cs"/>
-              </a:defRPr>
-            </a:lvl5pPr>
-            <a:lvl6pPr marL="2286000" algn="l" defTabSz="914400" rtl="0" eaLnBrk="1" latinLnBrk="0" hangingPunct="1">
-              <a:defRPr sz="1800" kern="1200">
-                <a:solidFill>
-                  <a:schemeClr val="tx1"/>
-                </a:solidFill>
-                <a:latin typeface="+mn-lt"/>
-                <a:ea typeface="+mn-ea"/>
-                <a:cs typeface="+mn-cs"/>
-              </a:defRPr>
-            </a:lvl6pPr>
-            <a:lvl7pPr marL="2743200" algn="l" defTabSz="914400" rtl="0" eaLnBrk="1" latinLnBrk="0" hangingPunct="1">
-              <a:defRPr sz="1800" kern="1200">
-                <a:solidFill>
-                  <a:schemeClr val="tx1"/>
-                </a:solidFill>
-                <a:latin typeface="+mn-lt"/>
-                <a:ea typeface="+mn-ea"/>
-                <a:cs typeface="+mn-cs"/>
-              </a:defRPr>
-            </a:lvl7pPr>
-            <a:lvl8pPr marL="3200400" algn="l" defTabSz="914400" rtl="0" eaLnBrk="1" latinLnBrk="0" hangingPunct="1">
-              <a:defRPr sz="1800" kern="1200">
-                <a:solidFill>
-                  <a:schemeClr val="tx1"/>
-                </a:solidFill>
-                <a:latin typeface="+mn-lt"/>
-                <a:ea typeface="+mn-ea"/>
-                <a:cs typeface="+mn-cs"/>
-              </a:defRPr>
-            </a:lvl8pPr>
-            <a:lvl9pPr marL="3657600" algn="l" defTabSz="914400" rtl="0" eaLnBrk="1" latinLnBrk="0" hangingPunct="1">
-              <a:defRPr sz="1800" kern="1200">
-                <a:solidFill>
-                  <a:schemeClr val="tx1"/>
-                </a:solidFill>
-                <a:latin typeface="+mn-lt"/>
-                <a:ea typeface="+mn-ea"/>
-                <a:cs typeface="+mn-cs"/>
-              </a:defRPr>
-            </a:lvl9pPr>
-          </a:lstStyle>
-          <a:p>
-            <a:pPr algn="ctr"/>
-            <a:r>
-              <a:rPr lang="ru-RU" sz="2400" b="1" dirty="0"/>
-              <a:t>Подробнее:</a:t>
-            </a:r>
-            <a:r>
-              <a:rPr lang="en-US" sz="2400" b="1" dirty="0"/>
-              <a:t> </a:t>
-            </a:r>
-            <a:r>
-              <a:rPr lang="en-US" sz="2400" b="1" dirty="0">
-                <a:hlinkClick r:id="rId2"/>
-              </a:rPr>
-              <a:t>https://learn.javascript.ru/async-await</a:t>
-            </a:r>
-            <a:endParaRPr lang="ru-RU" sz="2400" b="1" dirty="0"/>
-          </a:p>
-        </p:txBody>
-      </p:sp>
-      <p:pic>
-        <p:nvPicPr>
-          <p:cNvPr id="2" name="Рисунок 1"/>
-          <p:cNvPicPr>
-            <a:picLocks noChangeAspect="1"/>
-          </p:cNvPicPr>
-          <p:nvPr/>
-        </p:nvPicPr>
-        <p:blipFill>
-          <a:blip r:embed="rId3"/>
-          <a:stretch>
-            <a:fillRect/>
-          </a:stretch>
-        </p:blipFill>
-        <p:spPr>
-          <a:xfrm>
-            <a:off x="551384" y="1628800"/>
-            <a:ext cx="6443352" cy="3542127"/>
-          </a:xfrm>
-          <a:prstGeom prst="rect">
-            <a:avLst/>
-          </a:prstGeom>
-          <a:ln>
-            <a:noFill/>
-          </a:ln>
-          <a:effectLst>
-            <a:outerShdw blurRad="292100" dist="139700" dir="2700000" algn="tl" rotWithShape="0">
-              <a:srgbClr val="333333">
-                <a:alpha val="65000"/>
-              </a:srgbClr>
-            </a:outerShdw>
-          </a:effectLst>
-        </p:spPr>
-      </p:pic>
-    </p:spTree>
-    <p:extLst>
-      <p:ext uri="{BB962C8B-B14F-4D97-AF65-F5344CB8AC3E}">
-        <p14:creationId xmlns:p14="http://schemas.microsoft.com/office/powerpoint/2010/main" val="1451308632"/>
-      </p:ext>
-    </p:extLst>
-  </p:cSld>
-  <p:clrMapOvr>
-    <a:masterClrMapping/>
-  </p:clrMapOvr>
-</p:sld>
-</file>
-
-<file path=ppt/slides/slide25.xml><?xml version="1.0" encoding="utf-8"?>
-<p:sld xmlns:a="http://schemas.openxmlformats.org/drawingml/2006/main" xmlns:r="http://schemas.openxmlformats.org/officeDocument/2006/relationships" xmlns:p="http://schemas.openxmlformats.org/presentationml/2006/main">
-  <p:cSld>
-    <p:spTree>
-      <p:nvGrpSpPr>
-        <p:cNvPr id="1" name=""/>
-        <p:cNvGrpSpPr/>
-        <p:nvPr/>
-      </p:nvGrpSpPr>
-      <p:grpSpPr>
-        <a:xfrm>
-          <a:off x="0" y="0"/>
-          <a:ext cx="0" cy="0"/>
-          <a:chOff x="0" y="0"/>
-          <a:chExt cx="0" cy="0"/>
-        </a:xfrm>
-      </p:grpSpPr>
-      <p:sp>
-        <p:nvSpPr>
-          <p:cNvPr id="6" name="Номер слайда 36"/>
-          <p:cNvSpPr txBox="1">
-            <a:spLocks/>
-          </p:cNvSpPr>
-          <p:nvPr/>
-        </p:nvSpPr>
-        <p:spPr>
-          <a:xfrm>
-            <a:off x="11208568" y="6165304"/>
-            <a:ext cx="648072" cy="432048"/>
-          </a:xfrm>
-          <a:prstGeom prst="roundRect">
-            <a:avLst/>
-          </a:prstGeom>
-          <a:ln w="25400" cap="flat" cmpd="sng" algn="ctr">
-            <a:solidFill>
-              <a:schemeClr val="tx2">
-                <a:lumMod val="60000"/>
-                <a:lumOff val="40000"/>
-              </a:schemeClr>
-            </a:solidFill>
-            <a:prstDash val="solid"/>
-          </a:ln>
-        </p:spPr>
-        <p:style>
-          <a:lnRef idx="2">
-            <a:schemeClr val="accent1"/>
-          </a:lnRef>
-          <a:fillRef idx="1">
-            <a:schemeClr val="lt1"/>
-          </a:fillRef>
-          <a:effectRef idx="0">
-            <a:schemeClr val="accent1"/>
-          </a:effectRef>
-          <a:fontRef idx="minor">
-            <a:schemeClr val="dk1"/>
-          </a:fontRef>
-        </p:style>
-        <p:txBody>
-          <a:bodyPr vert="horz" lIns="91440" tIns="45720" rIns="91440" bIns="45720" rtlCol="0" anchor="ctr"/>
-          <a:lstStyle/>
-          <a:p>
-            <a:pPr algn="ctr">
-              <a:defRPr/>
-            </a:pPr>
-            <a:fld id="{6389AA22-90B4-448C-8B6B-C699140D38B9}" type="slidenum">
-              <a:rPr lang="uk-UA" sz="2400" b="1">
-                <a:solidFill>
-                  <a:schemeClr val="bg1">
-                    <a:lumMod val="50000"/>
-                  </a:schemeClr>
-                </a:solidFill>
-              </a:rPr>
-              <a:pPr algn="ctr">
-                <a:defRPr/>
-              </a:pPr>
-              <a:t>25</a:t>
-            </a:fld>
-            <a:endParaRPr lang="uk-UA" sz="2400" b="1" dirty="0">
-              <a:solidFill>
-                <a:schemeClr val="bg1">
-                  <a:lumMod val="50000"/>
-                </a:schemeClr>
-              </a:solidFill>
-            </a:endParaRPr>
-          </a:p>
-        </p:txBody>
-      </p:sp>
-      <p:sp>
-        <p:nvSpPr>
-          <p:cNvPr id="4" name="TextBox 3"/>
-          <p:cNvSpPr txBox="1"/>
-          <p:nvPr/>
-        </p:nvSpPr>
-        <p:spPr>
-          <a:xfrm>
-            <a:off x="0" y="200834"/>
-            <a:ext cx="12192000" cy="707886"/>
-          </a:xfrm>
-          <a:prstGeom prst="rect">
-            <a:avLst/>
-          </a:prstGeom>
-          <a:noFill/>
-        </p:spPr>
-        <p:txBody>
-          <a:bodyPr wrap="square" rtlCol="0">
-            <a:spAutoFit/>
-          </a:bodyPr>
-          <a:lstStyle/>
-          <a:p>
-            <a:pPr algn="ctr"/>
-            <a:r>
-              <a:rPr lang="ru-RU" sz="4000" b="1" dirty="0"/>
-              <a:t>Цикл </a:t>
-            </a:r>
-            <a:r>
-              <a:rPr lang="en-US" sz="4000" b="1" dirty="0"/>
-              <a:t>for-await-of</a:t>
-            </a:r>
-            <a:endParaRPr lang="ru-RU" sz="4000" b="1" dirty="0"/>
-          </a:p>
-        </p:txBody>
-      </p:sp>
-      <p:sp>
-        <p:nvSpPr>
-          <p:cNvPr id="5" name="TextBox 4"/>
-          <p:cNvSpPr txBox="1"/>
-          <p:nvPr/>
-        </p:nvSpPr>
-        <p:spPr>
-          <a:xfrm>
-            <a:off x="1366331" y="3963822"/>
-            <a:ext cx="10153128" cy="1569660"/>
-          </a:xfrm>
-          <a:prstGeom prst="rect">
-            <a:avLst/>
-          </a:prstGeom>
-          <a:noFill/>
-        </p:spPr>
-        <p:txBody>
-          <a:bodyPr wrap="square" rtlCol="0">
-            <a:spAutoFit/>
-          </a:bodyPr>
-          <a:lstStyle/>
-          <a:p>
-            <a:r>
-              <a:rPr lang="ru-RU" sz="2400" dirty="0"/>
-              <a:t>Цикл </a:t>
-            </a:r>
-            <a:r>
-              <a:rPr lang="en-US" sz="2400" dirty="0"/>
-              <a:t> </a:t>
-            </a:r>
-            <a:r>
-              <a:rPr lang="en-US" sz="2400" b="1" dirty="0"/>
-              <a:t>for-await-of </a:t>
-            </a:r>
-            <a:r>
-              <a:rPr lang="ru-RU" sz="2400" dirty="0"/>
-              <a:t>позволяет перебрать итерируемую (перебираемую, массив или </a:t>
-            </a:r>
-            <a:r>
-              <a:rPr lang="ru-RU" sz="2400" dirty="0" err="1"/>
-              <a:t>псевдомассив</a:t>
-            </a:r>
-            <a:r>
-              <a:rPr lang="ru-RU" sz="2400" dirty="0"/>
-              <a:t>) состоящий из объектов типа </a:t>
-            </a:r>
-            <a:r>
-              <a:rPr lang="en-US" sz="2400" b="1" dirty="0"/>
-              <a:t>Promise</a:t>
-            </a:r>
-            <a:r>
-              <a:rPr lang="en-US" sz="2400" dirty="0"/>
-              <a:t>. </a:t>
-            </a:r>
-            <a:r>
-              <a:rPr lang="ru-RU" sz="2400" dirty="0"/>
-              <a:t>Цикл будет ожидать когда разрешится каждый из </a:t>
-            </a:r>
-            <a:r>
-              <a:rPr lang="en-US" sz="2400" b="1" dirty="0" err="1"/>
-              <a:t>Promis</a:t>
-            </a:r>
-            <a:r>
-              <a:rPr lang="en-US" sz="2400" b="1" dirty="0"/>
-              <a:t>’</a:t>
-            </a:r>
-            <a:r>
-              <a:rPr lang="ru-RU" sz="2400" b="1" dirty="0" err="1"/>
-              <a:t>ов</a:t>
-            </a:r>
-            <a:r>
-              <a:rPr lang="ru-RU" sz="2400" b="1" dirty="0"/>
-              <a:t> </a:t>
-            </a:r>
-            <a:r>
-              <a:rPr lang="ru-RU" sz="2400" dirty="0"/>
-              <a:t>и только тогда начинать выполнение каждого шага цикла.</a:t>
-            </a:r>
-          </a:p>
-        </p:txBody>
-      </p:sp>
-      <p:sp>
-        <p:nvSpPr>
-          <p:cNvPr id="8" name="TextBox 6"/>
-          <p:cNvSpPr txBox="1"/>
-          <p:nvPr/>
-        </p:nvSpPr>
-        <p:spPr>
-          <a:xfrm>
-            <a:off x="0" y="5661248"/>
-            <a:ext cx="12192000" cy="369332"/>
-          </a:xfrm>
-          <a:prstGeom prst="rect">
-            <a:avLst/>
-          </a:prstGeom>
-          <a:noFill/>
-        </p:spPr>
-        <p:txBody>
-          <a:bodyPr wrap="square" rtlCol="0">
-            <a:spAutoFit/>
-          </a:bodyPr>
-          <a:lstStyle>
-            <a:defPPr>
-              <a:defRPr lang="uk-UA"/>
-            </a:defPPr>
-            <a:lvl1pPr marL="0" algn="l" defTabSz="914400" rtl="0" eaLnBrk="1" latinLnBrk="0" hangingPunct="1">
-              <a:defRPr sz="1800" kern="1200">
-                <a:solidFill>
-                  <a:schemeClr val="tx1"/>
-                </a:solidFill>
-                <a:latin typeface="+mn-lt"/>
-                <a:ea typeface="+mn-ea"/>
-                <a:cs typeface="+mn-cs"/>
-              </a:defRPr>
-            </a:lvl1pPr>
-            <a:lvl2pPr marL="457200" algn="l" defTabSz="914400" rtl="0" eaLnBrk="1" latinLnBrk="0" hangingPunct="1">
-              <a:defRPr sz="1800" kern="1200">
-                <a:solidFill>
-                  <a:schemeClr val="tx1"/>
-                </a:solidFill>
-                <a:latin typeface="+mn-lt"/>
-                <a:ea typeface="+mn-ea"/>
-                <a:cs typeface="+mn-cs"/>
-              </a:defRPr>
-            </a:lvl2pPr>
-            <a:lvl3pPr marL="914400" algn="l" defTabSz="914400" rtl="0" eaLnBrk="1" latinLnBrk="0" hangingPunct="1">
-              <a:defRPr sz="1800" kern="1200">
-                <a:solidFill>
-                  <a:schemeClr val="tx1"/>
-                </a:solidFill>
-                <a:latin typeface="+mn-lt"/>
-                <a:ea typeface="+mn-ea"/>
-                <a:cs typeface="+mn-cs"/>
-              </a:defRPr>
-            </a:lvl3pPr>
-            <a:lvl4pPr marL="1371600" algn="l" defTabSz="914400" rtl="0" eaLnBrk="1" latinLnBrk="0" hangingPunct="1">
-              <a:defRPr sz="1800" kern="1200">
-                <a:solidFill>
-                  <a:schemeClr val="tx1"/>
-                </a:solidFill>
-                <a:latin typeface="+mn-lt"/>
-                <a:ea typeface="+mn-ea"/>
-                <a:cs typeface="+mn-cs"/>
-              </a:defRPr>
-            </a:lvl4pPr>
-            <a:lvl5pPr marL="1828800" algn="l" defTabSz="914400" rtl="0" eaLnBrk="1" latinLnBrk="0" hangingPunct="1">
-              <a:defRPr sz="1800" kern="1200">
-                <a:solidFill>
-                  <a:schemeClr val="tx1"/>
-                </a:solidFill>
-                <a:latin typeface="+mn-lt"/>
-                <a:ea typeface="+mn-ea"/>
-                <a:cs typeface="+mn-cs"/>
-              </a:defRPr>
-            </a:lvl5pPr>
-            <a:lvl6pPr marL="2286000" algn="l" defTabSz="914400" rtl="0" eaLnBrk="1" latinLnBrk="0" hangingPunct="1">
-              <a:defRPr sz="1800" kern="1200">
-                <a:solidFill>
-                  <a:schemeClr val="tx1"/>
-                </a:solidFill>
-                <a:latin typeface="+mn-lt"/>
-                <a:ea typeface="+mn-ea"/>
-                <a:cs typeface="+mn-cs"/>
-              </a:defRPr>
-            </a:lvl6pPr>
-            <a:lvl7pPr marL="2743200" algn="l" defTabSz="914400" rtl="0" eaLnBrk="1" latinLnBrk="0" hangingPunct="1">
-              <a:defRPr sz="1800" kern="1200">
-                <a:solidFill>
-                  <a:schemeClr val="tx1"/>
-                </a:solidFill>
-                <a:latin typeface="+mn-lt"/>
-                <a:ea typeface="+mn-ea"/>
-                <a:cs typeface="+mn-cs"/>
-              </a:defRPr>
-            </a:lvl7pPr>
-            <a:lvl8pPr marL="3200400" algn="l" defTabSz="914400" rtl="0" eaLnBrk="1" latinLnBrk="0" hangingPunct="1">
-              <a:defRPr sz="1800" kern="1200">
-                <a:solidFill>
-                  <a:schemeClr val="tx1"/>
-                </a:solidFill>
-                <a:latin typeface="+mn-lt"/>
-                <a:ea typeface="+mn-ea"/>
-                <a:cs typeface="+mn-cs"/>
-              </a:defRPr>
-            </a:lvl8pPr>
-            <a:lvl9pPr marL="3657600" algn="l" defTabSz="914400" rtl="0" eaLnBrk="1" latinLnBrk="0" hangingPunct="1">
-              <a:defRPr sz="1800" kern="1200">
-                <a:solidFill>
-                  <a:schemeClr val="tx1"/>
-                </a:solidFill>
-                <a:latin typeface="+mn-lt"/>
-                <a:ea typeface="+mn-ea"/>
-                <a:cs typeface="+mn-cs"/>
-              </a:defRPr>
-            </a:lvl9pPr>
-          </a:lstStyle>
-          <a:p>
-            <a:pPr algn="ctr"/>
-            <a:r>
-              <a:rPr lang="ru-RU" b="1" dirty="0"/>
-              <a:t>Подробнее:</a:t>
-            </a:r>
-            <a:r>
-              <a:rPr lang="en-US" b="1" dirty="0"/>
-              <a:t> </a:t>
-            </a:r>
-            <a:r>
-              <a:rPr lang="en-US" b="1" dirty="0">
-                <a:hlinkClick r:id="rId2"/>
-              </a:rPr>
-              <a:t>https://developer.mozilla.org/</a:t>
-            </a:r>
-            <a:r>
-              <a:rPr lang="en-US" b="1" dirty="0" err="1">
-                <a:hlinkClick r:id="rId2"/>
-              </a:rPr>
-              <a:t>ru</a:t>
-            </a:r>
-            <a:r>
-              <a:rPr lang="en-US" b="1" dirty="0">
-                <a:hlinkClick r:id="rId2"/>
-              </a:rPr>
-              <a:t>/docs/Web/JavaScript/Reference/Statements/for-await...of</a:t>
-            </a:r>
-            <a:endParaRPr lang="ru-RU" b="1" dirty="0"/>
-          </a:p>
-        </p:txBody>
-      </p:sp>
-      <p:pic>
-        <p:nvPicPr>
-          <p:cNvPr id="3" name="Рисунок 2"/>
-          <p:cNvPicPr>
-            <a:picLocks noChangeAspect="1"/>
-          </p:cNvPicPr>
-          <p:nvPr/>
-        </p:nvPicPr>
-        <p:blipFill>
-          <a:blip r:embed="rId3"/>
-          <a:stretch>
-            <a:fillRect/>
-          </a:stretch>
-        </p:blipFill>
-        <p:spPr>
-          <a:xfrm>
-            <a:off x="660" y="1109549"/>
-            <a:ext cx="12191340" cy="2612430"/>
-          </a:xfrm>
-          <a:prstGeom prst="rect">
-            <a:avLst/>
-          </a:prstGeom>
-          <a:ln>
-            <a:noFill/>
-          </a:ln>
-          <a:effectLst>
-            <a:outerShdw blurRad="292100" dist="139700" dir="2700000" algn="tl" rotWithShape="0">
-              <a:srgbClr val="333333">
-                <a:alpha val="65000"/>
-              </a:srgbClr>
-            </a:outerShdw>
-          </a:effectLst>
-        </p:spPr>
-      </p:pic>
-    </p:spTree>
-    <p:extLst>
-      <p:ext uri="{BB962C8B-B14F-4D97-AF65-F5344CB8AC3E}">
-        <p14:creationId xmlns:p14="http://schemas.microsoft.com/office/powerpoint/2010/main" val="2071329461"/>
-      </p:ext>
-    </p:extLst>
-  </p:cSld>
-  <p:clrMapOvr>
-    <a:masterClrMapping/>
-  </p:clrMapOvr>
-</p:sld>
-</file>
-
-<file path=ppt/slides/slide26.xml><?xml version="1.0" encoding="utf-8"?>
-<p:sld xmlns:a="http://schemas.openxmlformats.org/drawingml/2006/main" xmlns:r="http://schemas.openxmlformats.org/officeDocument/2006/relationships" xmlns:p="http://schemas.openxmlformats.org/presentationml/2006/main">
-  <p:cSld>
-    <p:spTree>
-      <p:nvGrpSpPr>
-        <p:cNvPr id="1" name=""/>
-        <p:cNvGrpSpPr/>
-        <p:nvPr/>
-      </p:nvGrpSpPr>
-      <p:grpSpPr>
-        <a:xfrm>
-          <a:off x="0" y="0"/>
-          <a:ext cx="0" cy="0"/>
-          <a:chOff x="0" y="0"/>
-          <a:chExt cx="0" cy="0"/>
-        </a:xfrm>
-      </p:grpSpPr>
-      <p:sp>
-        <p:nvSpPr>
-          <p:cNvPr id="5" name="Прямоугольник 4"/>
-          <p:cNvSpPr/>
-          <p:nvPr/>
-        </p:nvSpPr>
-        <p:spPr>
-          <a:xfrm>
-            <a:off x="0" y="0"/>
-            <a:ext cx="12192000" cy="6858000"/>
-          </a:xfrm>
-          <a:prstGeom prst="rect">
-            <a:avLst/>
-          </a:prstGeom>
-          <a:solidFill>
-            <a:schemeClr val="tx2">
-              <a:lumMod val="75000"/>
-            </a:schemeClr>
-          </a:solidFill>
-        </p:spPr>
-        <p:style>
-          <a:lnRef idx="2">
-            <a:schemeClr val="accent1">
-              <a:shade val="50000"/>
-            </a:schemeClr>
-          </a:lnRef>
-          <a:fillRef idx="1">
-            <a:schemeClr val="accent1"/>
-          </a:fillRef>
-          <a:effectRef idx="0">
-            <a:schemeClr val="accent1"/>
-          </a:effectRef>
-          <a:fontRef idx="minor">
-            <a:schemeClr val="lt1"/>
-          </a:fontRef>
-        </p:style>
-        <p:txBody>
-          <a:bodyPr rtlCol="0" anchor="ctr"/>
-          <a:lstStyle/>
-          <a:p>
-            <a:pPr algn="ctr"/>
-            <a:r>
-              <a:rPr lang="ru-RU" sz="7200" b="1" dirty="0"/>
-              <a:t>8</a:t>
-            </a:r>
-            <a:r>
-              <a:rPr lang="en-US" sz="7200" b="1" dirty="0"/>
-              <a:t>. fetch() </a:t>
-            </a:r>
-            <a:endParaRPr lang="ru-RU" sz="7200" b="1" dirty="0"/>
-          </a:p>
-          <a:p>
-            <a:pPr algn="ctr"/>
-            <a:r>
-              <a:rPr lang="en-US" sz="4400" b="1" dirty="0">
-                <a:solidFill>
-                  <a:srgbClr val="FFFF00"/>
-                </a:solidFill>
-              </a:rPr>
-              <a:t>AJAX</a:t>
-            </a:r>
-            <a:r>
-              <a:rPr lang="en-US" sz="4400" b="1" dirty="0"/>
-              <a:t> </a:t>
-            </a:r>
-            <a:r>
-              <a:rPr lang="ru-RU" sz="4400" b="1" dirty="0"/>
-              <a:t>на </a:t>
-            </a:r>
-            <a:r>
-              <a:rPr lang="en-US" sz="4400" b="1" dirty="0">
-                <a:solidFill>
-                  <a:schemeClr val="accent6">
-                    <a:lumMod val="75000"/>
-                  </a:schemeClr>
-                </a:solidFill>
-              </a:rPr>
-              <a:t>Promise</a:t>
-            </a:r>
-            <a:r>
-              <a:rPr lang="en-US" sz="4400" b="1" dirty="0"/>
-              <a:t>’</a:t>
-            </a:r>
-            <a:r>
-              <a:rPr lang="ru-RU" sz="4400" b="1" dirty="0"/>
-              <a:t>ах</a:t>
-            </a:r>
-            <a:endParaRPr lang="uk-UA" sz="4400" b="1" dirty="0"/>
-          </a:p>
-        </p:txBody>
-      </p:sp>
-    </p:spTree>
-    <p:extLst>
-      <p:ext uri="{BB962C8B-B14F-4D97-AF65-F5344CB8AC3E}">
-        <p14:creationId xmlns:p14="http://schemas.microsoft.com/office/powerpoint/2010/main" val="3316522765"/>
-      </p:ext>
-    </p:extLst>
-  </p:cSld>
-  <p:clrMapOvr>
-    <a:masterClrMapping/>
-  </p:clrMapOvr>
-</p:sld>
-</file>
-
-<file path=ppt/slides/slide27.xml><?xml version="1.0" encoding="utf-8"?>
-<p:sld xmlns:a="http://schemas.openxmlformats.org/drawingml/2006/main" xmlns:r="http://schemas.openxmlformats.org/officeDocument/2006/relationships" xmlns:p="http://schemas.openxmlformats.org/presentationml/2006/main">
-  <p:cSld>
-    <p:spTree>
-      <p:nvGrpSpPr>
-        <p:cNvPr id="1" name=""/>
-        <p:cNvGrpSpPr/>
-        <p:nvPr/>
-      </p:nvGrpSpPr>
-      <p:grpSpPr>
-        <a:xfrm>
-          <a:off x="0" y="0"/>
-          <a:ext cx="0" cy="0"/>
-          <a:chOff x="0" y="0"/>
-          <a:chExt cx="0" cy="0"/>
-        </a:xfrm>
-      </p:grpSpPr>
-      <p:sp>
-        <p:nvSpPr>
           <p:cNvPr id="3" name="Прямоугольник 2"/>
           <p:cNvSpPr/>
           <p:nvPr/>
@@ -10020,7 +9154,7 @@
               <a:pPr algn="ctr">
                 <a:defRPr/>
               </a:pPr>
-              <a:t>27</a:t>
+              <a:t>24</a:t>
             </a:fld>
             <a:endParaRPr lang="uk-UA" sz="2400" b="1" dirty="0">
               <a:solidFill>
@@ -10181,6 +9315,748 @@
 </p:sld>
 </file>
 
+<file path=ppt/slides/slide25.xml><?xml version="1.0" encoding="utf-8"?>
+<p:sld xmlns:a="http://schemas.openxmlformats.org/drawingml/2006/main" xmlns:r="http://schemas.openxmlformats.org/officeDocument/2006/relationships" xmlns:p="http://schemas.openxmlformats.org/presentationml/2006/main">
+  <p:cSld>
+    <p:spTree>
+      <p:nvGrpSpPr>
+        <p:cNvPr id="1" name=""/>
+        <p:cNvGrpSpPr/>
+        <p:nvPr/>
+      </p:nvGrpSpPr>
+      <p:grpSpPr>
+        <a:xfrm>
+          <a:off x="0" y="0"/>
+          <a:ext cx="0" cy="0"/>
+          <a:chOff x="0" y="0"/>
+          <a:chExt cx="0" cy="0"/>
+        </a:xfrm>
+      </p:grpSpPr>
+      <p:sp>
+        <p:nvSpPr>
+          <p:cNvPr id="6" name="Номер слайда 36"/>
+          <p:cNvSpPr txBox="1">
+            <a:spLocks/>
+          </p:cNvSpPr>
+          <p:nvPr/>
+        </p:nvSpPr>
+        <p:spPr>
+          <a:xfrm>
+            <a:off x="11208568" y="6194921"/>
+            <a:ext cx="648072" cy="432048"/>
+          </a:xfrm>
+          <a:prstGeom prst="roundRect">
+            <a:avLst/>
+          </a:prstGeom>
+          <a:ln w="25400" cap="flat" cmpd="sng" algn="ctr">
+            <a:solidFill>
+              <a:schemeClr val="tx2">
+                <a:lumMod val="60000"/>
+                <a:lumOff val="40000"/>
+              </a:schemeClr>
+            </a:solidFill>
+            <a:prstDash val="solid"/>
+          </a:ln>
+        </p:spPr>
+        <p:style>
+          <a:lnRef idx="2">
+            <a:schemeClr val="accent1"/>
+          </a:lnRef>
+          <a:fillRef idx="1">
+            <a:schemeClr val="lt1"/>
+          </a:fillRef>
+          <a:effectRef idx="0">
+            <a:schemeClr val="accent1"/>
+          </a:effectRef>
+          <a:fontRef idx="minor">
+            <a:schemeClr val="dk1"/>
+          </a:fontRef>
+        </p:style>
+        <p:txBody>
+          <a:bodyPr vert="horz" lIns="91440" tIns="45720" rIns="91440" bIns="45720" rtlCol="0" anchor="ctr"/>
+          <a:lstStyle/>
+          <a:p>
+            <a:pPr algn="ctr">
+              <a:defRPr/>
+            </a:pPr>
+            <a:fld id="{6389AA22-90B4-448C-8B6B-C699140D38B9}" type="slidenum">
+              <a:rPr lang="uk-UA" sz="2400" b="1">
+                <a:solidFill>
+                  <a:schemeClr val="bg1">
+                    <a:lumMod val="50000"/>
+                  </a:schemeClr>
+                </a:solidFill>
+              </a:rPr>
+              <a:pPr algn="ctr">
+                <a:defRPr/>
+              </a:pPr>
+              <a:t>25</a:t>
+            </a:fld>
+            <a:endParaRPr lang="uk-UA" sz="2400" b="1" dirty="0">
+              <a:solidFill>
+                <a:schemeClr val="bg1">
+                  <a:lumMod val="50000"/>
+                </a:schemeClr>
+              </a:solidFill>
+            </a:endParaRPr>
+          </a:p>
+        </p:txBody>
+      </p:sp>
+      <p:sp>
+        <p:nvSpPr>
+          <p:cNvPr id="4" name="TextBox 3"/>
+          <p:cNvSpPr txBox="1"/>
+          <p:nvPr/>
+        </p:nvSpPr>
+        <p:spPr>
+          <a:xfrm>
+            <a:off x="0" y="332656"/>
+            <a:ext cx="12192000" cy="584775"/>
+          </a:xfrm>
+          <a:prstGeom prst="rect">
+            <a:avLst/>
+          </a:prstGeom>
+          <a:noFill/>
+        </p:spPr>
+        <p:txBody>
+          <a:bodyPr wrap="square" rtlCol="0">
+            <a:spAutoFit/>
+          </a:bodyPr>
+          <a:lstStyle/>
+          <a:p>
+            <a:pPr algn="ctr"/>
+            <a:r>
+              <a:rPr lang="en-US" sz="3200" b="1" dirty="0">
+                <a:solidFill>
+                  <a:srgbClr val="0070C0"/>
+                </a:solidFill>
+              </a:rPr>
+              <a:t>fetch</a:t>
+            </a:r>
+            <a:r>
+              <a:rPr lang="ru-RU" sz="3200" b="1" dirty="0">
+                <a:solidFill>
+                  <a:srgbClr val="0070C0"/>
+                </a:solidFill>
+              </a:rPr>
+              <a:t>()</a:t>
+            </a:r>
+            <a:r>
+              <a:rPr lang="en-US" sz="3200" b="1" dirty="0">
+                <a:solidFill>
+                  <a:srgbClr val="0070C0"/>
+                </a:solidFill>
+              </a:rPr>
+              <a:t> </a:t>
+            </a:r>
+            <a:r>
+              <a:rPr lang="en-US" sz="3200" b="1" dirty="0"/>
+              <a:t>– Promise</a:t>
+            </a:r>
+            <a:r>
+              <a:rPr lang="ru-RU" sz="3200" b="1" dirty="0"/>
+              <a:t> «обёртка» для выполнения </a:t>
+            </a:r>
+            <a:r>
+              <a:rPr lang="en-US" sz="3200" b="1" dirty="0"/>
+              <a:t>AJAX-</a:t>
+            </a:r>
+            <a:r>
+              <a:rPr lang="ru-RU" sz="3200" b="1" dirty="0"/>
+              <a:t>запросов</a:t>
+            </a:r>
+            <a:endParaRPr lang="ru-RU" sz="3200" b="1" dirty="0">
+              <a:solidFill>
+                <a:srgbClr val="00B050"/>
+              </a:solidFill>
+            </a:endParaRPr>
+          </a:p>
+        </p:txBody>
+      </p:sp>
+      <p:sp>
+        <p:nvSpPr>
+          <p:cNvPr id="7" name="TextBox 6"/>
+          <p:cNvSpPr txBox="1"/>
+          <p:nvPr/>
+        </p:nvSpPr>
+        <p:spPr>
+          <a:xfrm>
+            <a:off x="0" y="6135687"/>
+            <a:ext cx="12192000" cy="461665"/>
+          </a:xfrm>
+          <a:prstGeom prst="rect">
+            <a:avLst/>
+          </a:prstGeom>
+          <a:noFill/>
+        </p:spPr>
+        <p:txBody>
+          <a:bodyPr wrap="square" rtlCol="0">
+            <a:spAutoFit/>
+          </a:bodyPr>
+          <a:lstStyle/>
+          <a:p>
+            <a:pPr algn="ctr"/>
+            <a:r>
+              <a:rPr lang="ru-RU" sz="2400" b="1" dirty="0"/>
+              <a:t>Подробнее:</a:t>
+            </a:r>
+            <a:r>
+              <a:rPr lang="en-US" sz="2400" b="1" dirty="0"/>
+              <a:t> </a:t>
+            </a:r>
+            <a:r>
+              <a:rPr lang="ru-RU" sz="2400" b="1" dirty="0">
+                <a:hlinkClick r:id="rId2"/>
+              </a:rPr>
+              <a:t>https://learn.javascript.ru/fetch</a:t>
+            </a:r>
+            <a:r>
+              <a:rPr lang="en-US" sz="2400" b="1" dirty="0">
+                <a:hlinkClick r:id="rId2"/>
+              </a:rPr>
+              <a:t>/</a:t>
+            </a:r>
+            <a:r>
+              <a:rPr lang="en-US" sz="2400" b="1" dirty="0"/>
+              <a:t> </a:t>
+            </a:r>
+            <a:endParaRPr lang="ru-RU" sz="2400" b="1" dirty="0"/>
+          </a:p>
+        </p:txBody>
+      </p:sp>
+      <p:pic>
+        <p:nvPicPr>
+          <p:cNvPr id="3" name="Рисунок 2"/>
+          <p:cNvPicPr>
+            <a:picLocks noChangeAspect="1"/>
+          </p:cNvPicPr>
+          <p:nvPr/>
+        </p:nvPicPr>
+        <p:blipFill>
+          <a:blip r:embed="rId3"/>
+          <a:stretch>
+            <a:fillRect/>
+          </a:stretch>
+        </p:blipFill>
+        <p:spPr>
+          <a:xfrm>
+            <a:off x="0" y="1268760"/>
+            <a:ext cx="12192000" cy="3029172"/>
+          </a:xfrm>
+          <a:prstGeom prst="rect">
+            <a:avLst/>
+          </a:prstGeom>
+          <a:ln>
+            <a:noFill/>
+          </a:ln>
+          <a:effectLst>
+            <a:outerShdw blurRad="292100" dist="139700" dir="2700000" algn="tl" rotWithShape="0">
+              <a:srgbClr val="333333">
+                <a:alpha val="65000"/>
+              </a:srgbClr>
+            </a:outerShdw>
+          </a:effectLst>
+        </p:spPr>
+      </p:pic>
+      <p:sp>
+        <p:nvSpPr>
+          <p:cNvPr id="11" name="TextBox 10"/>
+          <p:cNvSpPr txBox="1"/>
+          <p:nvPr/>
+        </p:nvSpPr>
+        <p:spPr>
+          <a:xfrm>
+            <a:off x="2011288" y="4747283"/>
+            <a:ext cx="9192344" cy="1200329"/>
+          </a:xfrm>
+          <a:prstGeom prst="rect">
+            <a:avLst/>
+          </a:prstGeom>
+          <a:noFill/>
+        </p:spPr>
+        <p:txBody>
+          <a:bodyPr wrap="square" rtlCol="0">
+            <a:spAutoFit/>
+          </a:bodyPr>
+          <a:lstStyle/>
+          <a:p>
+            <a:r>
+              <a:rPr lang="ru-RU" sz="2400" dirty="0"/>
+              <a:t>Функция </a:t>
+            </a:r>
+            <a:r>
+              <a:rPr lang="en-US" sz="2400" b="1" dirty="0"/>
+              <a:t>fetch() </a:t>
+            </a:r>
+            <a:r>
+              <a:rPr lang="en-US" sz="2400" dirty="0"/>
+              <a:t>– </a:t>
+            </a:r>
+            <a:r>
+              <a:rPr lang="ru-RU" sz="2400" dirty="0"/>
+              <a:t>выполняет </a:t>
+            </a:r>
+            <a:r>
+              <a:rPr lang="en-US" sz="2400" dirty="0"/>
+              <a:t>AJAX</a:t>
+            </a:r>
+            <a:r>
+              <a:rPr lang="ru-RU" sz="2400" dirty="0"/>
+              <a:t>-запросы, возвращая </a:t>
+            </a:r>
+            <a:r>
+              <a:rPr lang="en-US" sz="2400" b="1" dirty="0"/>
+              <a:t>Promise</a:t>
+            </a:r>
+            <a:r>
+              <a:rPr lang="ru-RU" sz="2400" dirty="0"/>
+              <a:t>, который завершится с поступлением ответа на запрос или завершится с ошибкой, если запрос будет неудачный.</a:t>
+            </a:r>
+          </a:p>
+        </p:txBody>
+      </p:sp>
+    </p:spTree>
+    <p:extLst>
+      <p:ext uri="{BB962C8B-B14F-4D97-AF65-F5344CB8AC3E}">
+        <p14:creationId xmlns:p14="http://schemas.microsoft.com/office/powerpoint/2010/main" val="509433131"/>
+      </p:ext>
+    </p:extLst>
+  </p:cSld>
+  <p:clrMapOvr>
+    <a:masterClrMapping/>
+  </p:clrMapOvr>
+</p:sld>
+</file>
+
+<file path=ppt/slides/slide26.xml><?xml version="1.0" encoding="utf-8"?>
+<p:sld xmlns:a="http://schemas.openxmlformats.org/drawingml/2006/main" xmlns:r="http://schemas.openxmlformats.org/officeDocument/2006/relationships" xmlns:p="http://schemas.openxmlformats.org/presentationml/2006/main">
+  <p:cSld>
+    <p:spTree>
+      <p:nvGrpSpPr>
+        <p:cNvPr id="1" name=""/>
+        <p:cNvGrpSpPr/>
+        <p:nvPr/>
+      </p:nvGrpSpPr>
+      <p:grpSpPr>
+        <a:xfrm>
+          <a:off x="0" y="0"/>
+          <a:ext cx="0" cy="0"/>
+          <a:chOff x="0" y="0"/>
+          <a:chExt cx="0" cy="0"/>
+        </a:xfrm>
+      </p:grpSpPr>
+      <p:sp>
+        <p:nvSpPr>
+          <p:cNvPr id="13" name="Номер слайда 36"/>
+          <p:cNvSpPr txBox="1">
+            <a:spLocks/>
+          </p:cNvSpPr>
+          <p:nvPr/>
+        </p:nvSpPr>
+        <p:spPr>
+          <a:xfrm>
+            <a:off x="11280576" y="6165304"/>
+            <a:ext cx="648072" cy="432048"/>
+          </a:xfrm>
+          <a:prstGeom prst="roundRect">
+            <a:avLst/>
+          </a:prstGeom>
+          <a:ln w="25400" cap="flat" cmpd="sng" algn="ctr">
+            <a:solidFill>
+              <a:schemeClr val="tx2">
+                <a:lumMod val="60000"/>
+                <a:lumOff val="40000"/>
+              </a:schemeClr>
+            </a:solidFill>
+            <a:prstDash val="solid"/>
+          </a:ln>
+        </p:spPr>
+        <p:style>
+          <a:lnRef idx="2">
+            <a:schemeClr val="accent1"/>
+          </a:lnRef>
+          <a:fillRef idx="1">
+            <a:schemeClr val="lt1"/>
+          </a:fillRef>
+          <a:effectRef idx="0">
+            <a:schemeClr val="accent1"/>
+          </a:effectRef>
+          <a:fontRef idx="minor">
+            <a:schemeClr val="dk1"/>
+          </a:fontRef>
+        </p:style>
+        <p:txBody>
+          <a:bodyPr vert="horz" lIns="91440" tIns="45720" rIns="91440" bIns="45720" rtlCol="0" anchor="ctr"/>
+          <a:lstStyle>
+            <a:defPPr>
+              <a:defRPr lang="uk-UA"/>
+            </a:defPPr>
+            <a:lvl1pPr marL="0" algn="l" defTabSz="914400" rtl="0" eaLnBrk="1" latinLnBrk="0" hangingPunct="1">
+              <a:defRPr sz="1800" kern="1200">
+                <a:solidFill>
+                  <a:schemeClr val="dk1"/>
+                </a:solidFill>
+                <a:latin typeface="+mn-lt"/>
+                <a:ea typeface="+mn-ea"/>
+                <a:cs typeface="+mn-cs"/>
+              </a:defRPr>
+            </a:lvl1pPr>
+            <a:lvl2pPr marL="457200" algn="l" defTabSz="914400" rtl="0" eaLnBrk="1" latinLnBrk="0" hangingPunct="1">
+              <a:defRPr sz="1800" kern="1200">
+                <a:solidFill>
+                  <a:schemeClr val="dk1"/>
+                </a:solidFill>
+                <a:latin typeface="+mn-lt"/>
+                <a:ea typeface="+mn-ea"/>
+                <a:cs typeface="+mn-cs"/>
+              </a:defRPr>
+            </a:lvl2pPr>
+            <a:lvl3pPr marL="914400" algn="l" defTabSz="914400" rtl="0" eaLnBrk="1" latinLnBrk="0" hangingPunct="1">
+              <a:defRPr sz="1800" kern="1200">
+                <a:solidFill>
+                  <a:schemeClr val="dk1"/>
+                </a:solidFill>
+                <a:latin typeface="+mn-lt"/>
+                <a:ea typeface="+mn-ea"/>
+                <a:cs typeface="+mn-cs"/>
+              </a:defRPr>
+            </a:lvl3pPr>
+            <a:lvl4pPr marL="1371600" algn="l" defTabSz="914400" rtl="0" eaLnBrk="1" latinLnBrk="0" hangingPunct="1">
+              <a:defRPr sz="1800" kern="1200">
+                <a:solidFill>
+                  <a:schemeClr val="dk1"/>
+                </a:solidFill>
+                <a:latin typeface="+mn-lt"/>
+                <a:ea typeface="+mn-ea"/>
+                <a:cs typeface="+mn-cs"/>
+              </a:defRPr>
+            </a:lvl4pPr>
+            <a:lvl5pPr marL="1828800" algn="l" defTabSz="914400" rtl="0" eaLnBrk="1" latinLnBrk="0" hangingPunct="1">
+              <a:defRPr sz="1800" kern="1200">
+                <a:solidFill>
+                  <a:schemeClr val="dk1"/>
+                </a:solidFill>
+                <a:latin typeface="+mn-lt"/>
+                <a:ea typeface="+mn-ea"/>
+                <a:cs typeface="+mn-cs"/>
+              </a:defRPr>
+            </a:lvl5pPr>
+            <a:lvl6pPr marL="2286000" algn="l" defTabSz="914400" rtl="0" eaLnBrk="1" latinLnBrk="0" hangingPunct="1">
+              <a:defRPr sz="1800" kern="1200">
+                <a:solidFill>
+                  <a:schemeClr val="dk1"/>
+                </a:solidFill>
+                <a:latin typeface="+mn-lt"/>
+                <a:ea typeface="+mn-ea"/>
+                <a:cs typeface="+mn-cs"/>
+              </a:defRPr>
+            </a:lvl6pPr>
+            <a:lvl7pPr marL="2743200" algn="l" defTabSz="914400" rtl="0" eaLnBrk="1" latinLnBrk="0" hangingPunct="1">
+              <a:defRPr sz="1800" kern="1200">
+                <a:solidFill>
+                  <a:schemeClr val="dk1"/>
+                </a:solidFill>
+                <a:latin typeface="+mn-lt"/>
+                <a:ea typeface="+mn-ea"/>
+                <a:cs typeface="+mn-cs"/>
+              </a:defRPr>
+            </a:lvl7pPr>
+            <a:lvl8pPr marL="3200400" algn="l" defTabSz="914400" rtl="0" eaLnBrk="1" latinLnBrk="0" hangingPunct="1">
+              <a:defRPr sz="1800" kern="1200">
+                <a:solidFill>
+                  <a:schemeClr val="dk1"/>
+                </a:solidFill>
+                <a:latin typeface="+mn-lt"/>
+                <a:ea typeface="+mn-ea"/>
+                <a:cs typeface="+mn-cs"/>
+              </a:defRPr>
+            </a:lvl8pPr>
+            <a:lvl9pPr marL="3657600" algn="l" defTabSz="914400" rtl="0" eaLnBrk="1" latinLnBrk="0" hangingPunct="1">
+              <a:defRPr sz="1800" kern="1200">
+                <a:solidFill>
+                  <a:schemeClr val="dk1"/>
+                </a:solidFill>
+                <a:latin typeface="+mn-lt"/>
+                <a:ea typeface="+mn-ea"/>
+                <a:cs typeface="+mn-cs"/>
+              </a:defRPr>
+            </a:lvl9pPr>
+          </a:lstStyle>
+          <a:p>
+            <a:pPr algn="ctr">
+              <a:defRPr/>
+            </a:pPr>
+            <a:fld id="{6389AA22-90B4-448C-8B6B-C699140D38B9}" type="slidenum">
+              <a:rPr lang="uk-UA" sz="2400" b="1">
+                <a:solidFill>
+                  <a:schemeClr val="bg1">
+                    <a:lumMod val="50000"/>
+                  </a:schemeClr>
+                </a:solidFill>
+              </a:rPr>
+              <a:pPr algn="ctr">
+                <a:defRPr/>
+              </a:pPr>
+              <a:t>26</a:t>
+            </a:fld>
+            <a:endParaRPr lang="uk-UA" sz="2400" b="1" dirty="0">
+              <a:solidFill>
+                <a:schemeClr val="bg1">
+                  <a:lumMod val="50000"/>
+                </a:schemeClr>
+              </a:solidFill>
+            </a:endParaRPr>
+          </a:p>
+        </p:txBody>
+      </p:sp>
+      <p:sp>
+        <p:nvSpPr>
+          <p:cNvPr id="4" name="TextBox 3"/>
+          <p:cNvSpPr txBox="1"/>
+          <p:nvPr/>
+        </p:nvSpPr>
+        <p:spPr>
+          <a:xfrm>
+            <a:off x="0" y="332656"/>
+            <a:ext cx="12192000" cy="646331"/>
+          </a:xfrm>
+          <a:prstGeom prst="rect">
+            <a:avLst/>
+          </a:prstGeom>
+          <a:noFill/>
+        </p:spPr>
+        <p:txBody>
+          <a:bodyPr wrap="square" rtlCol="0">
+            <a:spAutoFit/>
+          </a:bodyPr>
+          <a:lstStyle/>
+          <a:p>
+            <a:pPr algn="ctr"/>
+            <a:r>
+              <a:rPr lang="en-US" sz="3600" b="1" dirty="0"/>
+              <a:t>API </a:t>
+            </a:r>
+            <a:r>
+              <a:rPr lang="ru-RU" sz="3600" b="1" dirty="0"/>
+              <a:t>Национального Банка Украины</a:t>
+            </a:r>
+          </a:p>
+        </p:txBody>
+      </p:sp>
+      <p:sp>
+        <p:nvSpPr>
+          <p:cNvPr id="2" name="TextBox 1"/>
+          <p:cNvSpPr txBox="1"/>
+          <p:nvPr/>
+        </p:nvSpPr>
+        <p:spPr>
+          <a:xfrm>
+            <a:off x="0" y="5703639"/>
+            <a:ext cx="12192000" cy="461665"/>
+          </a:xfrm>
+          <a:prstGeom prst="rect">
+            <a:avLst/>
+          </a:prstGeom>
+          <a:noFill/>
+        </p:spPr>
+        <p:txBody>
+          <a:bodyPr wrap="square" rtlCol="0">
+            <a:spAutoFit/>
+          </a:bodyPr>
+          <a:lstStyle/>
+          <a:p>
+            <a:pPr algn="ctr"/>
+            <a:r>
+              <a:rPr lang="en-US" sz="2400" b="1" dirty="0">
+                <a:hlinkClick r:id="rId2"/>
+              </a:rPr>
+              <a:t>https://bank.gov.ua/ua/open-data/api-dev</a:t>
+            </a:r>
+            <a:endParaRPr lang="en-US" sz="2400" b="1" dirty="0"/>
+          </a:p>
+        </p:txBody>
+      </p:sp>
+      <p:pic>
+        <p:nvPicPr>
+          <p:cNvPr id="3" name="Picture 2" descr="ÐÐ¾Ð²âÑÐ·Ð°Ð½Ðµ Ð·Ð¾Ð±ÑÐ°Ð¶ÐµÐ½Ð½Ñ"/>
+          <p:cNvPicPr>
+            <a:picLocks noChangeAspect="1" noChangeArrowheads="1"/>
+          </p:cNvPicPr>
+          <p:nvPr/>
+        </p:nvPicPr>
+        <p:blipFill>
+          <a:blip r:embed="rId3">
+            <a:extLst>
+              <a:ext uri="{28A0092B-C50C-407E-A947-70E740481C1C}">
+                <a14:useLocalDpi xmlns:a14="http://schemas.microsoft.com/office/drawing/2010/main" val="0"/>
+              </a:ext>
+            </a:extLst>
+          </a:blip>
+          <a:srcRect/>
+          <a:stretch>
+            <a:fillRect/>
+          </a:stretch>
+        </p:blipFill>
+        <p:spPr bwMode="auto">
+          <a:xfrm>
+            <a:off x="3661926" y="1171038"/>
+            <a:ext cx="4868147" cy="3456384"/>
+          </a:xfrm>
+          <a:prstGeom prst="rect">
+            <a:avLst/>
+          </a:prstGeom>
+          <a:noFill/>
+          <a:extLst>
+            <a:ext uri="{909E8E84-426E-40DD-AFC4-6F175D3DCCD1}">
+              <a14:hiddenFill xmlns:a14="http://schemas.microsoft.com/office/drawing/2010/main">
+                <a:solidFill>
+                  <a:srgbClr val="FFFFFF"/>
+                </a:solidFill>
+              </a14:hiddenFill>
+            </a:ext>
+          </a:extLst>
+        </p:spPr>
+      </p:pic>
+      <p:sp>
+        <p:nvSpPr>
+          <p:cNvPr id="5" name="Прямоугольник 4"/>
+          <p:cNvSpPr/>
+          <p:nvPr/>
+        </p:nvSpPr>
+        <p:spPr>
+          <a:xfrm>
+            <a:off x="0" y="4941168"/>
+            <a:ext cx="12192000" cy="461665"/>
+          </a:xfrm>
+          <a:prstGeom prst="rect">
+            <a:avLst/>
+          </a:prstGeom>
+        </p:spPr>
+        <p:txBody>
+          <a:bodyPr wrap="square">
+            <a:spAutoFit/>
+          </a:bodyPr>
+          <a:lstStyle/>
+          <a:p>
+            <a:pPr algn="ctr"/>
+            <a:r>
+              <a:rPr lang="ru-RU" sz="2400" dirty="0"/>
+              <a:t>Валютные </a:t>
+            </a:r>
+            <a:r>
+              <a:rPr lang="en-US" sz="2400" dirty="0"/>
+              <a:t>API, </a:t>
+            </a:r>
+            <a:r>
+              <a:rPr lang="ru-RU" sz="2400" dirty="0"/>
+              <a:t>информация о финансовом рынке и банковском секторе</a:t>
+            </a:r>
+          </a:p>
+        </p:txBody>
+      </p:sp>
+    </p:spTree>
+    <p:extLst>
+      <p:ext uri="{BB962C8B-B14F-4D97-AF65-F5344CB8AC3E}">
+        <p14:creationId xmlns:p14="http://schemas.microsoft.com/office/powerpoint/2010/main" val="2827328487"/>
+      </p:ext>
+    </p:extLst>
+  </p:cSld>
+  <p:clrMapOvr>
+    <a:masterClrMapping/>
+  </p:clrMapOvr>
+</p:sld>
+</file>
+
+<file path=ppt/slides/slide27.xml><?xml version="1.0" encoding="utf-8"?>
+<p:sld xmlns:a="http://schemas.openxmlformats.org/drawingml/2006/main" xmlns:r="http://schemas.openxmlformats.org/officeDocument/2006/relationships" xmlns:p="http://schemas.openxmlformats.org/presentationml/2006/main">
+  <p:cSld>
+    <p:spTree>
+      <p:nvGrpSpPr>
+        <p:cNvPr id="1" name=""/>
+        <p:cNvGrpSpPr/>
+        <p:nvPr/>
+      </p:nvGrpSpPr>
+      <p:grpSpPr>
+        <a:xfrm>
+          <a:off x="0" y="0"/>
+          <a:ext cx="0" cy="0"/>
+          <a:chOff x="0" y="0"/>
+          <a:chExt cx="0" cy="0"/>
+        </a:xfrm>
+      </p:grpSpPr>
+      <p:sp>
+        <p:nvSpPr>
+          <p:cNvPr id="5" name="Прямоугольник 4"/>
+          <p:cNvSpPr/>
+          <p:nvPr/>
+        </p:nvSpPr>
+        <p:spPr>
+          <a:xfrm>
+            <a:off x="0" y="0"/>
+            <a:ext cx="12192000" cy="6858000"/>
+          </a:xfrm>
+          <a:prstGeom prst="rect">
+            <a:avLst/>
+          </a:prstGeom>
+          <a:solidFill>
+            <a:schemeClr val="tx2">
+              <a:lumMod val="75000"/>
+            </a:schemeClr>
+          </a:solidFill>
+        </p:spPr>
+        <p:style>
+          <a:lnRef idx="2">
+            <a:schemeClr val="accent1">
+              <a:shade val="50000"/>
+            </a:schemeClr>
+          </a:lnRef>
+          <a:fillRef idx="1">
+            <a:schemeClr val="accent1"/>
+          </a:fillRef>
+          <a:effectRef idx="0">
+            <a:schemeClr val="accent1"/>
+          </a:effectRef>
+          <a:fontRef idx="minor">
+            <a:schemeClr val="lt1"/>
+          </a:fontRef>
+        </p:style>
+        <p:txBody>
+          <a:bodyPr rtlCol="0" anchor="ctr"/>
+          <a:lstStyle/>
+          <a:p>
+            <a:pPr algn="ctr"/>
+            <a:r>
+              <a:rPr lang="en-US" sz="6000" b="1" dirty="0"/>
+              <a:t>8</a:t>
+            </a:r>
+            <a:r>
+              <a:rPr lang="ru-RU" sz="6000" b="1" dirty="0"/>
+              <a:t>. Перебирающие </a:t>
+            </a:r>
+            <a:br>
+              <a:rPr lang="ru-RU" sz="6000" b="1" dirty="0"/>
+            </a:br>
+            <a:r>
+              <a:rPr lang="ru-RU" sz="6000" b="1" dirty="0"/>
+              <a:t>методы массивов</a:t>
+            </a:r>
+            <a:endParaRPr lang="uk-UA" sz="6000" b="1" dirty="0"/>
+          </a:p>
+        </p:txBody>
+      </p:sp>
+    </p:spTree>
+    <p:extLst>
+      <p:ext uri="{BB962C8B-B14F-4D97-AF65-F5344CB8AC3E}">
+        <p14:creationId xmlns:p14="http://schemas.microsoft.com/office/powerpoint/2010/main" val="1919575107"/>
+      </p:ext>
+    </p:extLst>
+  </p:cSld>
+  <p:clrMapOvr>
+    <a:masterClrMapping/>
+  </p:clrMapOvr>
+</p:sld>
+</file>
+
 <file path=ppt/slides/slide28.xml><?xml version="1.0" encoding="utf-8"?>
 <p:sld xmlns:a="http://schemas.openxmlformats.org/drawingml/2006/main" xmlns:r="http://schemas.openxmlformats.org/officeDocument/2006/relationships" xmlns:p="http://schemas.openxmlformats.org/presentationml/2006/main">
   <p:cSld>
@@ -10208,7 +10084,7 @@
         </p:nvSpPr>
         <p:spPr>
           <a:xfrm>
-            <a:off x="11208568" y="6194921"/>
+            <a:off x="11208568" y="6205374"/>
             <a:ext cx="648072" cy="432048"/>
           </a:xfrm>
           <a:prstGeom prst="roundRect">
@@ -10270,14 +10146,52 @@
       </p:sp>
       <p:sp>
         <p:nvSpPr>
-          <p:cNvPr id="4" name="TextBox 3"/>
+          <p:cNvPr id="3" name="Заголовок 4"/>
+          <p:cNvSpPr>
+            <a:spLocks noGrp="1"/>
+          </p:cNvSpPr>
+          <p:nvPr>
+            <p:ph type="title"/>
+          </p:nvPr>
+        </p:nvSpPr>
+        <p:spPr>
+          <a:xfrm>
+            <a:off x="0" y="260648"/>
+            <a:ext cx="12192000" cy="648072"/>
+          </a:xfrm>
+        </p:spPr>
+        <p:txBody>
+          <a:bodyPr>
+            <a:normAutofit fontScale="90000"/>
+          </a:bodyPr>
+          <a:lstStyle/>
+          <a:p>
+            <a:r>
+              <a:rPr lang="ru-RU" sz="4000" b="1" dirty="0"/>
+              <a:t>Метод </a:t>
+            </a:r>
+            <a:r>
+              <a:rPr lang="en-US" sz="4000" b="1" dirty="0"/>
+              <a:t>.sort()</a:t>
+            </a:r>
+            <a:r>
+              <a:rPr lang="ru-RU" sz="4000" b="1" dirty="0"/>
+              <a:t> и функция-компаратор</a:t>
+            </a:r>
+            <a:endParaRPr lang="uk-UA" sz="4000" b="1" dirty="0"/>
+          </a:p>
+        </p:txBody>
+      </p:sp>
+      <p:sp>
+        <p:nvSpPr>
+          <p:cNvPr id="5" name="TextBox 4"/>
           <p:cNvSpPr txBox="1"/>
           <p:nvPr/>
         </p:nvSpPr>
         <p:spPr>
           <a:xfrm>
-            <a:off x="0" y="332656"/>
-            <a:ext cx="12192000" cy="584775"/>
+            <a:off x="7248128" y="1484784"/>
+            <a:ext cx="4680520" cy="4154984"/>
           </a:xfrm>
           <a:prstGeom prst="rect">
             <a:avLst/>
@@ -10290,64 +10204,42 @@
           </a:bodyPr>
           <a:lstStyle/>
           <a:p>
-            <a:pPr algn="ctr"/>
-            <a:r>
-              <a:rPr lang="en-US" sz="3200" b="1" dirty="0">
-                <a:solidFill>
-                  <a:srgbClr val="0070C0"/>
-                </a:solidFill>
-              </a:rPr>
-              <a:t>fetch</a:t>
-            </a:r>
-            <a:r>
-              <a:rPr lang="ru-RU" sz="3200" b="1" dirty="0">
-                <a:solidFill>
-                  <a:srgbClr val="0070C0"/>
-                </a:solidFill>
-              </a:rPr>
-              <a:t>()</a:t>
-            </a:r>
-            <a:r>
-              <a:rPr lang="en-US" sz="3200" b="1" dirty="0">
-                <a:solidFill>
-                  <a:srgbClr val="0070C0"/>
-                </a:solidFill>
-              </a:rPr>
+            <a:r>
+              <a:rPr lang="ru-RU" sz="2400" dirty="0"/>
+              <a:t>Методу </a:t>
+            </a:r>
+            <a:r>
+              <a:rPr lang="en-US" sz="2400" b="1" dirty="0"/>
+              <a:t>.sort()</a:t>
+            </a:r>
+            <a:r>
+              <a:rPr lang="ru-RU" sz="2400" b="1" dirty="0"/>
               <a:t> </a:t>
             </a:r>
             <a:r>
-              <a:rPr lang="en-US" sz="3200" b="1" dirty="0"/>
-              <a:t>– Promise</a:t>
-            </a:r>
-            <a:r>
-              <a:rPr lang="ru-RU" sz="3200" b="1" dirty="0"/>
-              <a:t> «обёртка» для выполнения </a:t>
-            </a:r>
-            <a:r>
-              <a:rPr lang="en-US" sz="3200" b="1" dirty="0"/>
-              <a:t>AJAX-</a:t>
-            </a:r>
-            <a:r>
-              <a:rPr lang="ru-RU" sz="3200" b="1" dirty="0"/>
-              <a:t>запросов</a:t>
-            </a:r>
-            <a:endParaRPr lang="ru-RU" sz="3200" b="1" dirty="0">
-              <a:solidFill>
-                <a:srgbClr val="00B050"/>
-              </a:solidFill>
-            </a:endParaRPr>
-          </a:p>
-        </p:txBody>
-      </p:sp>
-      <p:sp>
-        <p:nvSpPr>
-          <p:cNvPr id="7" name="TextBox 6"/>
+              <a:rPr lang="ru-RU" sz="2400" dirty="0"/>
+              <a:t>массивов можно передать функцию (т.н. функцию-компаратор) которая «подскажет» браузеру как сравнивать два элемента между собой.</a:t>
+            </a:r>
+            <a:r>
+              <a:rPr lang="en-US" sz="2400" dirty="0"/>
+              <a:t> </a:t>
+            </a:r>
+            <a:r>
+              <a:rPr lang="ru-RU" sz="2400" dirty="0"/>
+              <a:t>Функция принимает 2 элемента и должна вернуть 0 если они равны, отрицательное число если второй элемент больше или положительное если первый элемент больше.</a:t>
+            </a:r>
+          </a:p>
+        </p:txBody>
+      </p:sp>
+      <p:sp>
+        <p:nvSpPr>
+          <p:cNvPr id="8" name="TextBox 7"/>
           <p:cNvSpPr txBox="1"/>
           <p:nvPr/>
         </p:nvSpPr>
         <p:spPr>
           <a:xfrm>
-            <a:off x="0" y="6135687"/>
+            <a:off x="0" y="6093296"/>
             <a:ext cx="12192000" cy="461665"/>
           </a:xfrm>
           <a:prstGeom prst="rect">
@@ -10371,28 +10263,18 @@
               <a:t> </a:t>
             </a:r>
             <a:r>
-              <a:rPr lang="ru-RU" sz="2400" b="1" dirty="0">
-                <a:hlinkClick r:id="rId2"/>
-              </a:rPr>
-              <a:t>https://learn.javascript.ru/fetch</a:t>
-            </a:r>
-            <a:r>
               <a:rPr lang="en-US" sz="2400" b="1" dirty="0">
                 <a:hlinkClick r:id="rId2"/>
               </a:rPr>
-              <a:t>/</a:t>
-            </a:r>
-            <a:r>
-              <a:rPr lang="en-US" sz="2400" b="1" dirty="0"/>
-              <a:t> </a:t>
-            </a:r>
-            <a:endParaRPr lang="ru-RU" sz="2400" b="1" dirty="0"/>
+              <a:t>https://learn.javascript.ru/array-methods</a:t>
+            </a:r>
+            <a:endParaRPr lang="en-US" sz="2400" b="1" dirty="0"/>
           </a:p>
         </p:txBody>
       </p:sp>
       <p:pic>
         <p:nvPicPr>
-          <p:cNvPr id="3" name="Рисунок 2"/>
+          <p:cNvPr id="2" name="Рисунок 1"/>
           <p:cNvPicPr>
             <a:picLocks noChangeAspect="1"/>
           </p:cNvPicPr>
@@ -10406,8 +10288,8 @@
         </p:blipFill>
         <p:spPr>
           <a:xfrm>
-            <a:off x="0" y="1268760"/>
-            <a:ext cx="12192000" cy="3029172"/>
+            <a:off x="335360" y="1129121"/>
+            <a:ext cx="6681037" cy="4748151"/>
           </a:xfrm>
           <a:prstGeom prst="rect">
             <a:avLst/>
@@ -10424,67 +10306,10 @@
           </a:effectLst>
         </p:spPr>
       </p:pic>
-      <p:sp>
-        <p:nvSpPr>
-          <p:cNvPr id="11" name="TextBox 10"/>
-          <p:cNvSpPr txBox="1"/>
-          <p:nvPr/>
-        </p:nvSpPr>
-        <p:spPr>
-          <a:xfrm>
-            <a:off x="2011288" y="4747283"/>
-            <a:ext cx="9192344" cy="1200329"/>
-          </a:xfrm>
-          <a:prstGeom prst="rect">
-            <a:avLst/>
-          </a:prstGeom>
-          <a:noFill/>
-        </p:spPr>
-        <p:txBody>
-          <a:bodyPr wrap="square" rtlCol="0">
-            <a:spAutoFit/>
-          </a:bodyPr>
-          <a:lstStyle/>
-          <a:p>
-            <a:r>
-              <a:rPr lang="ru-RU" sz="2400" dirty="0"/>
-              <a:t>Функция </a:t>
-            </a:r>
-            <a:r>
-              <a:rPr lang="en-US" sz="2400" b="1" dirty="0"/>
-              <a:t>fetch() </a:t>
-            </a:r>
-            <a:r>
-              <a:rPr lang="en-US" sz="2400" dirty="0"/>
-              <a:t>– </a:t>
-            </a:r>
-            <a:r>
-              <a:rPr lang="ru-RU" sz="2400" dirty="0"/>
-              <a:t>выполняет </a:t>
-            </a:r>
-            <a:r>
-              <a:rPr lang="en-US" sz="2400" dirty="0"/>
-              <a:t>AJAX</a:t>
-            </a:r>
-            <a:r>
-              <a:rPr lang="ru-RU" sz="2400" dirty="0"/>
-              <a:t>-запросы, возвращая </a:t>
-            </a:r>
-            <a:r>
-              <a:rPr lang="en-US" sz="2400" b="1" dirty="0"/>
-              <a:t>Promise</a:t>
-            </a:r>
-            <a:r>
-              <a:rPr lang="ru-RU" sz="2400" dirty="0"/>
-              <a:t>, который завершится с поступлением ответа на запрос или завершится с ошибкой, если запрос будет неудачный.</a:t>
-            </a:r>
-          </a:p>
-        </p:txBody>
-      </p:sp>
     </p:spTree>
     <p:extLst>
       <p:ext uri="{BB962C8B-B14F-4D97-AF65-F5344CB8AC3E}">
-        <p14:creationId xmlns:p14="http://schemas.microsoft.com/office/powerpoint/2010/main" val="509433131"/>
+        <p14:creationId xmlns:p14="http://schemas.microsoft.com/office/powerpoint/2010/main" val="2169155448"/>
       </p:ext>
     </p:extLst>
   </p:cSld>
@@ -10513,7 +10338,41 @@
       </p:grpSpPr>
       <p:sp>
         <p:nvSpPr>
-          <p:cNvPr id="13" name="Номер слайда 36"/>
+          <p:cNvPr id="3" name="Заголовок 4"/>
+          <p:cNvSpPr>
+            <a:spLocks noGrp="1"/>
+          </p:cNvSpPr>
+          <p:nvPr>
+            <p:ph type="title"/>
+          </p:nvPr>
+        </p:nvSpPr>
+        <p:spPr>
+          <a:xfrm>
+            <a:off x="0" y="404664"/>
+            <a:ext cx="12192000" cy="864096"/>
+          </a:xfrm>
+        </p:spPr>
+        <p:txBody>
+          <a:bodyPr>
+            <a:normAutofit/>
+          </a:bodyPr>
+          <a:lstStyle/>
+          <a:p>
+            <a:r>
+              <a:rPr lang="ru-RU" sz="3200" b="1" dirty="0" err="1"/>
+              <a:t>Полезнейщие</a:t>
+            </a:r>
+            <a:r>
+              <a:rPr lang="ru-RU" sz="3200" b="1" dirty="0"/>
+              <a:t> методы преобразования массивов</a:t>
+            </a:r>
+            <a:endParaRPr lang="uk-UA" sz="3200" b="1" dirty="0"/>
+          </a:p>
+        </p:txBody>
+      </p:sp>
+      <p:sp>
+        <p:nvSpPr>
+          <p:cNvPr id="6" name="Номер слайда 36"/>
           <p:cNvSpPr txBox="1">
             <a:spLocks/>
           </p:cNvSpPr>
@@ -10521,7 +10380,7 @@
         </p:nvSpPr>
         <p:spPr>
           <a:xfrm>
-            <a:off x="11280576" y="6165304"/>
+            <a:off x="11064552" y="6165305"/>
             <a:ext cx="648072" cy="432048"/>
           </a:xfrm>
           <a:prstGeom prst="roundRect">
@@ -10553,101 +10412,7 @@
         </p:style>
         <p:txBody>
           <a:bodyPr vert="horz" lIns="91440" tIns="45720" rIns="91440" bIns="45720" rtlCol="0" anchor="ctr"/>
-          <a:lstStyle>
-            <a:defPPr>
-              <a:defRPr lang="uk-UA"/>
-            </a:defPPr>
-            <a:lvl1pPr marL="0" algn="l" defTabSz="914400" rtl="0" eaLnBrk="1" latinLnBrk="0" hangingPunct="1">
-              <a:defRPr sz="1800" kern="1200">
-                <a:solidFill>
-                  <a:schemeClr val="dk1"/>
-                </a:solidFill>
-                <a:latin typeface="+mn-lt"/>
-                <a:ea typeface="+mn-ea"/>
-                <a:cs typeface="+mn-cs"/>
-              </a:defRPr>
-            </a:lvl1pPr>
-            <a:lvl2pPr marL="457200" algn="l" defTabSz="914400" rtl="0" eaLnBrk="1" latinLnBrk="0" hangingPunct="1">
-              <a:defRPr sz="1800" kern="1200">
-                <a:solidFill>
-                  <a:schemeClr val="dk1"/>
-                </a:solidFill>
-                <a:latin typeface="+mn-lt"/>
-                <a:ea typeface="+mn-ea"/>
-                <a:cs typeface="+mn-cs"/>
-              </a:defRPr>
-            </a:lvl2pPr>
-            <a:lvl3pPr marL="914400" algn="l" defTabSz="914400" rtl="0" eaLnBrk="1" latinLnBrk="0" hangingPunct="1">
-              <a:defRPr sz="1800" kern="1200">
-                <a:solidFill>
-                  <a:schemeClr val="dk1"/>
-                </a:solidFill>
-                <a:latin typeface="+mn-lt"/>
-                <a:ea typeface="+mn-ea"/>
-                <a:cs typeface="+mn-cs"/>
-              </a:defRPr>
-            </a:lvl3pPr>
-            <a:lvl4pPr marL="1371600" algn="l" defTabSz="914400" rtl="0" eaLnBrk="1" latinLnBrk="0" hangingPunct="1">
-              <a:defRPr sz="1800" kern="1200">
-                <a:solidFill>
-                  <a:schemeClr val="dk1"/>
-                </a:solidFill>
-                <a:latin typeface="+mn-lt"/>
-                <a:ea typeface="+mn-ea"/>
-                <a:cs typeface="+mn-cs"/>
-              </a:defRPr>
-            </a:lvl4pPr>
-            <a:lvl5pPr marL="1828800" algn="l" defTabSz="914400" rtl="0" eaLnBrk="1" latinLnBrk="0" hangingPunct="1">
-              <a:defRPr sz="1800" kern="1200">
-                <a:solidFill>
-                  <a:schemeClr val="dk1"/>
-                </a:solidFill>
-                <a:latin typeface="+mn-lt"/>
-                <a:ea typeface="+mn-ea"/>
-                <a:cs typeface="+mn-cs"/>
-              </a:defRPr>
-            </a:lvl5pPr>
-            <a:lvl6pPr marL="2286000" algn="l" defTabSz="914400" rtl="0" eaLnBrk="1" latinLnBrk="0" hangingPunct="1">
-              <a:defRPr sz="1800" kern="1200">
-                <a:solidFill>
-                  <a:schemeClr val="dk1"/>
-                </a:solidFill>
-                <a:latin typeface="+mn-lt"/>
-                <a:ea typeface="+mn-ea"/>
-                <a:cs typeface="+mn-cs"/>
-              </a:defRPr>
-            </a:lvl6pPr>
-            <a:lvl7pPr marL="2743200" algn="l" defTabSz="914400" rtl="0" eaLnBrk="1" latinLnBrk="0" hangingPunct="1">
-              <a:defRPr sz="1800" kern="1200">
-                <a:solidFill>
-                  <a:schemeClr val="dk1"/>
-                </a:solidFill>
-                <a:latin typeface="+mn-lt"/>
-                <a:ea typeface="+mn-ea"/>
-                <a:cs typeface="+mn-cs"/>
-              </a:defRPr>
-            </a:lvl7pPr>
-            <a:lvl8pPr marL="3200400" algn="l" defTabSz="914400" rtl="0" eaLnBrk="1" latinLnBrk="0" hangingPunct="1">
-              <a:defRPr sz="1800" kern="1200">
-                <a:solidFill>
-                  <a:schemeClr val="dk1"/>
-                </a:solidFill>
-                <a:latin typeface="+mn-lt"/>
-                <a:ea typeface="+mn-ea"/>
-                <a:cs typeface="+mn-cs"/>
-              </a:defRPr>
-            </a:lvl8pPr>
-            <a:lvl9pPr marL="3657600" algn="l" defTabSz="914400" rtl="0" eaLnBrk="1" latinLnBrk="0" hangingPunct="1">
-              <a:defRPr sz="1800" kern="1200">
-                <a:solidFill>
-                  <a:schemeClr val="dk1"/>
-                </a:solidFill>
-                <a:latin typeface="+mn-lt"/>
-                <a:ea typeface="+mn-ea"/>
-                <a:cs typeface="+mn-cs"/>
-              </a:defRPr>
-            </a:lvl9pPr>
-          </a:lstStyle>
+          <a:lstStyle/>
           <a:p>
             <a:pPr algn="ctr">
               <a:defRPr/>
@@ -10677,14 +10442,14 @@
       </p:sp>
       <p:sp>
         <p:nvSpPr>
-          <p:cNvPr id="4" name="TextBox 3"/>
+          <p:cNvPr id="9" name="TextBox 8"/>
           <p:cNvSpPr txBox="1"/>
           <p:nvPr/>
         </p:nvSpPr>
         <p:spPr>
           <a:xfrm>
-            <a:off x="0" y="332656"/>
-            <a:ext cx="12192000" cy="646331"/>
+            <a:off x="0" y="6053226"/>
+            <a:ext cx="12192000" cy="400110"/>
           </a:xfrm>
           <a:prstGeom prst="rect">
             <a:avLst/>
@@ -10699,26 +10464,29 @@
           <a:p>
             <a:pPr algn="ctr"/>
             <a:r>
-              <a:rPr lang="en-US" sz="3600" b="1" dirty="0"/>
-              <a:t>API </a:t>
-            </a:r>
-            <a:r>
-              <a:rPr lang="ru-RU" sz="3600" b="1" dirty="0"/>
-              <a:t>Национального Банка Украины</a:t>
-            </a:r>
-          </a:p>
-        </p:txBody>
-      </p:sp>
-      <p:sp>
-        <p:nvSpPr>
-          <p:cNvPr id="2" name="TextBox 1"/>
+              <a:rPr lang="ru-RU" sz="2000" b="1" dirty="0"/>
+              <a:t>Подробнее: </a:t>
+            </a:r>
+            <a:r>
+              <a:rPr lang="en-US" sz="2000" b="1" dirty="0">
+                <a:hlinkClick r:id="rId2"/>
+              </a:rPr>
+              <a:t>https://learn.javascript.ru/array-methods#preobrazovanie-massiva</a:t>
+            </a:r>
+            <a:endParaRPr lang="en-US" sz="2000" b="1" dirty="0"/>
+          </a:p>
+        </p:txBody>
+      </p:sp>
+      <p:sp>
+        <p:nvSpPr>
+          <p:cNvPr id="5" name="TextBox 4"/>
           <p:cNvSpPr txBox="1"/>
           <p:nvPr/>
         </p:nvSpPr>
         <p:spPr>
           <a:xfrm>
-            <a:off x="0" y="5703639"/>
-            <a:ext cx="12192000" cy="461665"/>
+            <a:off x="335360" y="1556792"/>
+            <a:ext cx="4296048" cy="3785652"/>
           </a:xfrm>
           <a:prstGeom prst="rect">
             <a:avLst/>
@@ -10726,73 +10494,110 @@
           <a:noFill/>
         </p:spPr>
         <p:txBody>
-          <a:bodyPr wrap="square" rtlCol="0">
+          <a:bodyPr wrap="none" rtlCol="0">
             <a:spAutoFit/>
           </a:bodyPr>
           <a:lstStyle/>
           <a:p>
-            <a:pPr algn="ctr"/>
-            <a:r>
-              <a:rPr lang="en-US" sz="2400" b="1" dirty="0">
-                <a:hlinkClick r:id="rId2"/>
+            <a:r>
+              <a:rPr lang="it-IT" sz="8000" b="1" dirty="0">
+                <a:solidFill>
+                  <a:schemeClr val="accent6">
+                    <a:lumMod val="75000"/>
+                  </a:schemeClr>
+                </a:solidFill>
               </a:rPr>
-              <a:t>https://bank.gov.ua/ua/open-data/api-dev</a:t>
-            </a:r>
-            <a:endParaRPr lang="en-US" sz="2400" b="1" dirty="0"/>
-          </a:p>
-        </p:txBody>
-      </p:sp>
-      <p:pic>
-        <p:nvPicPr>
-          <p:cNvPr id="3" name="Picture 2" descr="ÐÐ¾Ð²âÑÐ·Ð°Ð½Ðµ Ð·Ð¾Ð±ÑÐ°Ð¶ÐµÐ½Ð½Ñ"/>
-          <p:cNvPicPr>
-            <a:picLocks noChangeAspect="1" noChangeArrowheads="1"/>
-          </p:cNvPicPr>
+              <a:t>.filter();</a:t>
+            </a:r>
+          </a:p>
+          <a:p>
+            <a:r>
+              <a:rPr lang="it-IT" sz="8000" b="1" dirty="0">
+                <a:solidFill>
+                  <a:srgbClr val="00B050"/>
+                </a:solidFill>
+              </a:rPr>
+              <a:t>.map();</a:t>
+            </a:r>
+          </a:p>
+          <a:p>
+            <a:r>
+              <a:rPr lang="it-IT" sz="8000" b="1" dirty="0">
+                <a:solidFill>
+                  <a:srgbClr val="7030A0"/>
+                </a:solidFill>
+              </a:rPr>
+              <a:t>.reduce(</a:t>
+            </a:r>
+            <a:r>
+              <a:rPr lang="en-US" sz="8000" b="1" dirty="0">
+                <a:solidFill>
+                  <a:srgbClr val="7030A0"/>
+                </a:solidFill>
+              </a:rPr>
+              <a:t>);</a:t>
+            </a:r>
+            <a:endParaRPr lang="ru-RU" sz="8000" b="1" dirty="0">
+              <a:solidFill>
+                <a:srgbClr val="7030A0"/>
+              </a:solidFill>
+            </a:endParaRPr>
+          </a:p>
+        </p:txBody>
+      </p:sp>
+      <p:sp>
+        <p:nvSpPr>
+          <p:cNvPr id="10" name="TextBox 9"/>
+          <p:cNvSpPr txBox="1"/>
           <p:nvPr/>
-        </p:nvPicPr>
-        <p:blipFill>
-          <a:blip r:embed="rId3">
-            <a:extLst>
-              <a:ext uri="{28A0092B-C50C-407E-A947-70E740481C1C}">
-                <a14:useLocalDpi xmlns:a14="http://schemas.microsoft.com/office/drawing/2010/main" val="0"/>
-              </a:ext>
-            </a:extLst>
-          </a:blip>
-          <a:srcRect/>
-          <a:stretch>
-            <a:fillRect/>
-          </a:stretch>
-        </p:blipFill>
-        <p:spPr bwMode="auto">
-          <a:xfrm>
-            <a:off x="3661926" y="1171038"/>
-            <a:ext cx="4868147" cy="3456384"/>
+        </p:nvSpPr>
+        <p:spPr>
+          <a:xfrm>
+            <a:off x="4703416" y="1412776"/>
+            <a:ext cx="6361136" cy="923330"/>
           </a:xfrm>
           <a:prstGeom prst="rect">
             <a:avLst/>
           </a:prstGeom>
           <a:noFill/>
-          <a:extLst>
-            <a:ext uri="{909E8E84-426E-40DD-AFC4-6F175D3DCCD1}">
-              <a14:hiddenFill xmlns:a14="http://schemas.microsoft.com/office/drawing/2010/main">
-                <a:solidFill>
-                  <a:srgbClr val="FFFFFF"/>
-                </a:solidFill>
-              </a14:hiddenFill>
-            </a:ext>
-          </a:extLst>
-        </p:spPr>
-      </p:pic>
-      <p:sp>
-        <p:nvSpPr>
-          <p:cNvPr id="5" name="Прямоугольник 4"/>
+        </p:spPr>
+        <p:txBody>
+          <a:bodyPr wrap="square" rtlCol="0">
+            <a:spAutoFit/>
+          </a:bodyPr>
+          <a:lstStyle/>
+          <a:p>
+            <a:r>
+              <a:rPr lang="ru-RU" dirty="0"/>
+              <a:t>Метод </a:t>
+            </a:r>
+            <a:r>
+              <a:rPr lang="en-US" b="1" dirty="0">
+                <a:solidFill>
+                  <a:schemeClr val="accent6">
+                    <a:lumMod val="75000"/>
+                  </a:schemeClr>
+                </a:solidFill>
+              </a:rPr>
+              <a:t>.filter() </a:t>
+            </a:r>
+            <a:r>
+              <a:rPr lang="ru-RU" dirty="0"/>
+              <a:t>формирует новый массив занося в него элементы из старого, но только те которые «одобрит» функция переданная методу в качестве параметра.</a:t>
+            </a:r>
+          </a:p>
+        </p:txBody>
+      </p:sp>
+      <p:sp>
+        <p:nvSpPr>
+          <p:cNvPr id="7" name="Прямоугольник 6"/>
           <p:cNvSpPr/>
           <p:nvPr/>
         </p:nvSpPr>
         <p:spPr>
           <a:xfrm>
-            <a:off x="0" y="4941168"/>
-            <a:ext cx="12192000" cy="461665"/>
+            <a:off x="4655840" y="2636912"/>
+            <a:ext cx="6984776" cy="1200329"/>
           </a:xfrm>
           <a:prstGeom prst="rect">
             <a:avLst/>
@@ -10804,18 +10609,94 @@
           </a:bodyPr>
           <a:lstStyle/>
           <a:p>
-            <a:pPr algn="ctr"/>
-            <a:r>
-              <a:rPr lang="ru-RU" sz="2400" dirty="0"/>
-              <a:t>Валютные </a:t>
-            </a:r>
-            <a:r>
-              <a:rPr lang="en-US" sz="2400" dirty="0"/>
-              <a:t>API, </a:t>
-            </a:r>
-            <a:r>
-              <a:rPr lang="ru-RU" sz="2400" dirty="0"/>
-              <a:t>информация о финансовом рынке и банковском секторе</a:t>
+            <a:r>
+              <a:rPr lang="ru-RU" dirty="0"/>
+              <a:t>Метод </a:t>
+            </a:r>
+            <a:r>
+              <a:rPr lang="en-US" b="1" dirty="0">
+                <a:solidFill>
+                  <a:srgbClr val="00B050"/>
+                </a:solidFill>
+              </a:rPr>
+              <a:t>.map() </a:t>
+            </a:r>
+            <a:r>
+              <a:rPr lang="ru-RU" dirty="0"/>
+              <a:t>формирует новый массив занося в него элементы из старого, но предварительно пропуская каждый элемент через функцию переданную методу в качестве параметра. Эта функция может любым образом преобразовать элемент. </a:t>
+            </a:r>
+          </a:p>
+        </p:txBody>
+      </p:sp>
+      <p:sp>
+        <p:nvSpPr>
+          <p:cNvPr id="12" name="TextBox 11"/>
+          <p:cNvSpPr txBox="1"/>
+          <p:nvPr/>
+        </p:nvSpPr>
+        <p:spPr>
+          <a:xfrm>
+            <a:off x="4655840" y="4098558"/>
+            <a:ext cx="7848871" cy="1754326"/>
+          </a:xfrm>
+          <a:prstGeom prst="rect">
+            <a:avLst/>
+          </a:prstGeom>
+          <a:noFill/>
+        </p:spPr>
+        <p:txBody>
+          <a:bodyPr wrap="square" rtlCol="0">
+            <a:spAutoFit/>
+          </a:bodyPr>
+          <a:lstStyle/>
+          <a:p>
+            <a:r>
+              <a:rPr lang="ru-RU" dirty="0"/>
+              <a:t>Метод </a:t>
+            </a:r>
+            <a:r>
+              <a:rPr lang="en-US" b="1" dirty="0">
+                <a:solidFill>
+                  <a:srgbClr val="7030A0"/>
+                </a:solidFill>
+              </a:rPr>
+              <a:t>.reduce()</a:t>
+            </a:r>
+            <a:r>
+              <a:rPr lang="ru-RU" b="1" dirty="0">
+                <a:solidFill>
+                  <a:srgbClr val="7030A0"/>
+                </a:solidFill>
+              </a:rPr>
+              <a:t> </a:t>
+            </a:r>
+            <a:r>
+              <a:rPr lang="ru-RU" dirty="0"/>
+              <a:t>позволяет хранить при переборе элементов какое-либо промежуточное значение, оно передаётся в первом параметре функции (передаваемой методу). При каждом вызову то что возвращает функция становится этим самым «промежуточным» значением для следующего вызова функции. В результате</a:t>
+            </a:r>
+            <a:r>
+              <a:rPr lang="en-US" dirty="0"/>
+              <a:t> </a:t>
+            </a:r>
+            <a:r>
+              <a:rPr lang="en-US" b="1" dirty="0">
+                <a:solidFill>
+                  <a:srgbClr val="7030A0"/>
+                </a:solidFill>
+              </a:rPr>
+              <a:t>.reduce()</a:t>
+            </a:r>
+            <a:r>
+              <a:rPr lang="ru-RU" b="1" dirty="0">
+                <a:solidFill>
+                  <a:srgbClr val="7030A0"/>
+                </a:solidFill>
+              </a:rPr>
+              <a:t> </a:t>
+            </a:r>
+            <a:r>
+              <a:rPr lang="ru-RU" dirty="0"/>
+              <a:t>возвращает самое последнее «промежуточное значение» </a:t>
             </a:r>
           </a:p>
         </p:txBody>
@@ -10823,7 +10704,7 @@
     </p:spTree>
     <p:extLst>
       <p:ext uri="{BB962C8B-B14F-4D97-AF65-F5344CB8AC3E}">
-        <p14:creationId xmlns:p14="http://schemas.microsoft.com/office/powerpoint/2010/main" val="2827328487"/>
+        <p14:creationId xmlns:p14="http://schemas.microsoft.com/office/powerpoint/2010/main" val="3392204688"/>
       </p:ext>
     </p:extLst>
   </p:cSld>
@@ -11212,9 +11093,7 @@
             <a:avLst/>
           </a:prstGeom>
           <a:solidFill>
-            <a:schemeClr val="tx2">
-              <a:lumMod val="75000"/>
-            </a:schemeClr>
+            <a:srgbClr val="002060"/>
           </a:solidFill>
         </p:spPr>
         <p:style>
@@ -11240,14 +11119,7 @@
             <a:pPr algn="ctr"/>
             <a:r>
               <a:rPr lang="ru-RU" sz="6000" b="1" dirty="0"/>
-              <a:t>9. Перебирающие </a:t>
-            </a:r>
-            <a:br>
-              <a:rPr lang="ru-RU" sz="6000" b="1" dirty="0"/>
-            </a:br>
-            <a:r>
-              <a:rPr lang="ru-RU" sz="6000" b="1" dirty="0"/>
-              <a:t>методы массивов</a:t>
+              <a:t>Будет полезным</a:t>
             </a:r>
             <a:endParaRPr lang="uk-UA" sz="6000" b="1" dirty="0"/>
           </a:p>
@@ -11256,7 +11128,7 @@
     </p:spTree>
     <p:extLst>
       <p:ext uri="{BB962C8B-B14F-4D97-AF65-F5344CB8AC3E}">
-        <p14:creationId xmlns:p14="http://schemas.microsoft.com/office/powerpoint/2010/main" val="1919575107"/>
+        <p14:creationId xmlns:p14="http://schemas.microsoft.com/office/powerpoint/2010/main" val="2310763663"/>
       </p:ext>
     </p:extLst>
   </p:cSld>
@@ -11293,7 +11165,7 @@
         </p:nvSpPr>
         <p:spPr>
           <a:xfrm>
-            <a:off x="11208568" y="6205374"/>
+            <a:off x="11208568" y="6165304"/>
             <a:ext cx="648072" cy="432048"/>
           </a:xfrm>
           <a:prstGeom prst="roundRect">
@@ -11365,29 +11237,20 @@
         </p:nvSpPr>
         <p:spPr>
           <a:xfrm>
-            <a:off x="0" y="260648"/>
-            <a:ext cx="12192000" cy="648072"/>
+            <a:off x="0" y="557808"/>
+            <a:ext cx="12192000" cy="710952"/>
           </a:xfrm>
         </p:spPr>
         <p:txBody>
           <a:bodyPr>
-            <a:normAutofit fontScale="90000"/>
+            <a:normAutofit/>
           </a:bodyPr>
           <a:lstStyle/>
           <a:p>
             <a:r>
               <a:rPr lang="ru-RU" sz="4000" b="1" dirty="0"/>
-              <a:t>Метод </a:t>
-            </a:r>
-            <a:r>
-              <a:rPr lang="en-US" sz="4000" b="1" dirty="0"/>
-              <a:t>.sort()</a:t>
-            </a:r>
-            <a:r>
-              <a:rPr lang="ru-RU" sz="4000" b="1" dirty="0"/>
-              <a:t> и функция-компаратор</a:t>
-            </a:r>
-            <a:endParaRPr lang="uk-UA" sz="4000" b="1" dirty="0"/>
+              <a:t>Перебирающие методы</a:t>
+            </a:r>
           </a:p>
         </p:txBody>
       </p:sp>
@@ -11399,8 +11262,8 @@
         </p:nvSpPr>
         <p:spPr>
           <a:xfrm>
-            <a:off x="7248128" y="1484784"/>
-            <a:ext cx="4680520" cy="4154984"/>
+            <a:off x="1713802" y="2636912"/>
+            <a:ext cx="9505056" cy="1754326"/>
           </a:xfrm>
           <a:prstGeom prst="rect">
             <a:avLst/>
@@ -11414,42 +11277,102 @@
           <a:lstStyle/>
           <a:p>
             <a:r>
-              <a:rPr lang="ru-RU" sz="2400" dirty="0"/>
-              <a:t>Методу </a:t>
-            </a:r>
-            <a:r>
-              <a:rPr lang="en-US" sz="2400" b="1" dirty="0"/>
-              <a:t>.sort()</a:t>
-            </a:r>
-            <a:r>
-              <a:rPr lang="ru-RU" sz="2400" b="1" dirty="0"/>
+              <a:rPr lang="ru-RU" sz="3600" dirty="0"/>
+              <a:t>В </a:t>
+            </a:r>
+            <a:r>
+              <a:rPr lang="en-US" sz="3600" b="1" dirty="0"/>
+              <a:t>JavaScript </a:t>
+            </a:r>
+            <a:r>
+              <a:rPr lang="ru-RU" sz="3600" dirty="0"/>
+              <a:t>есть еще ряд методов массивов, а именно: </a:t>
+            </a:r>
+            <a:r>
+              <a:rPr lang="en-US" sz="3600" b="1" dirty="0">
+                <a:solidFill>
+                  <a:srgbClr val="0070C0"/>
+                </a:solidFill>
+              </a:rPr>
+              <a:t>.every()</a:t>
+            </a:r>
+            <a:r>
+              <a:rPr lang="ru-RU" sz="3600" b="1" dirty="0"/>
+              <a:t>,</a:t>
+            </a:r>
+            <a:r>
+              <a:rPr lang="en-US" sz="3600" b="1" dirty="0"/>
               <a:t> </a:t>
             </a:r>
             <a:r>
-              <a:rPr lang="ru-RU" sz="2400" dirty="0"/>
-              <a:t>массивов можно передать функцию (т.н. функцию-компаратор) которая «подскажет» браузеру как сравнивать два элемента между собой.</a:t>
-            </a:r>
-            <a:r>
-              <a:rPr lang="en-US" sz="2400" dirty="0"/>
-              <a:t> </a:t>
-            </a:r>
-            <a:r>
-              <a:rPr lang="ru-RU" sz="2400" dirty="0"/>
-              <a:t>Функция принимает 2 элемента и должна вернуть 0 если они равны, отрицательное число если второй элемент больше или положительное если первый элемент больше.</a:t>
-            </a:r>
-          </a:p>
-        </p:txBody>
-      </p:sp>
-      <p:sp>
-        <p:nvSpPr>
-          <p:cNvPr id="8" name="TextBox 7"/>
+              <a:rPr lang="en-US" sz="3600" b="1" dirty="0">
+                <a:solidFill>
+                  <a:srgbClr val="00B050"/>
+                </a:solidFill>
+              </a:rPr>
+              <a:t>.some()</a:t>
+            </a:r>
+            <a:r>
+              <a:rPr lang="ru-RU" sz="3600" b="1" dirty="0"/>
+              <a:t>, </a:t>
+            </a:r>
+            <a:r>
+              <a:rPr lang="en-US" sz="3600" b="1" dirty="0">
+                <a:solidFill>
+                  <a:schemeClr val="accent6"/>
+                </a:solidFill>
+              </a:rPr>
+              <a:t>.find()</a:t>
+            </a:r>
+            <a:r>
+              <a:rPr lang="en-US" sz="3600" b="1" dirty="0"/>
+              <a:t>, </a:t>
+            </a:r>
+            <a:r>
+              <a:rPr lang="en-US" sz="3600" b="1" dirty="0">
+                <a:solidFill>
+                  <a:srgbClr val="7030A0"/>
+                </a:solidFill>
+              </a:rPr>
+              <a:t>.</a:t>
+            </a:r>
+            <a:r>
+              <a:rPr lang="en-US" sz="3600" b="1" dirty="0" err="1">
+                <a:solidFill>
+                  <a:srgbClr val="7030A0"/>
+                </a:solidFill>
+              </a:rPr>
+              <a:t>findIndex</a:t>
+            </a:r>
+            <a:r>
+              <a:rPr lang="en-US" sz="3600" b="1" dirty="0">
+                <a:solidFill>
+                  <a:srgbClr val="7030A0"/>
+                </a:solidFill>
+              </a:rPr>
+              <a:t>() </a:t>
+            </a:r>
+            <a:r>
+              <a:rPr lang="ru-RU" sz="3600" dirty="0"/>
+              <a:t>узнайте чем они могут быть полезны</a:t>
+            </a:r>
+            <a:r>
+              <a:rPr lang="ru-RU" sz="3600" i="1" dirty="0"/>
+              <a:t>. </a:t>
+            </a:r>
+          </a:p>
+        </p:txBody>
+      </p:sp>
+      <p:sp>
+        <p:nvSpPr>
+          <p:cNvPr id="7" name="TextBox 6"/>
           <p:cNvSpPr txBox="1"/>
           <p:nvPr/>
         </p:nvSpPr>
         <p:spPr>
           <a:xfrm>
-            <a:off x="0" y="6093296"/>
-            <a:ext cx="12192000" cy="461665"/>
+            <a:off x="3935761" y="1628800"/>
+            <a:ext cx="184731" cy="369332"/>
           </a:xfrm>
           <a:prstGeom prst="rect">
             <a:avLst/>
@@ -11457,68 +11380,19 @@
           <a:noFill/>
         </p:spPr>
         <p:txBody>
-          <a:bodyPr wrap="square" rtlCol="0">
+          <a:bodyPr wrap="none" rtlCol="0">
             <a:spAutoFit/>
           </a:bodyPr>
           <a:lstStyle/>
           <a:p>
-            <a:pPr algn="ctr"/>
-            <a:r>
-              <a:rPr lang="ru-RU" sz="2400" b="1" dirty="0"/>
-              <a:t>Подробнее:</a:t>
-            </a:r>
-            <a:r>
-              <a:rPr lang="en-US" sz="2400" b="1" dirty="0"/>
-              <a:t> </a:t>
-            </a:r>
-            <a:r>
-              <a:rPr lang="en-US" sz="2400" b="1" dirty="0">
-                <a:hlinkClick r:id="rId2"/>
-              </a:rPr>
-              <a:t>https://learn.javascript.ru/array-methods</a:t>
-            </a:r>
-            <a:endParaRPr lang="en-US" sz="2400" b="1" dirty="0"/>
-          </a:p>
-        </p:txBody>
-      </p:sp>
-      <p:pic>
-        <p:nvPicPr>
-          <p:cNvPr id="2" name="Рисунок 1"/>
-          <p:cNvPicPr>
-            <a:picLocks noChangeAspect="1"/>
-          </p:cNvPicPr>
-          <p:nvPr/>
-        </p:nvPicPr>
-        <p:blipFill>
-          <a:blip r:embed="rId3"/>
-          <a:stretch>
-            <a:fillRect/>
-          </a:stretch>
-        </p:blipFill>
-        <p:spPr>
-          <a:xfrm>
-            <a:off x="335360" y="1129121"/>
-            <a:ext cx="6681037" cy="4748151"/>
-          </a:xfrm>
-          <a:prstGeom prst="rect">
-            <a:avLst/>
-          </a:prstGeom>
-          <a:ln>
-            <a:noFill/>
-          </a:ln>
-          <a:effectLst>
-            <a:outerShdw blurRad="292100" dist="139700" dir="2700000" algn="tl" rotWithShape="0">
-              <a:srgbClr val="333333">
-                <a:alpha val="65000"/>
-              </a:srgbClr>
-            </a:outerShdw>
-          </a:effectLst>
-        </p:spPr>
-      </p:pic>
+            <a:endParaRPr lang="ru-RU" dirty="0"/>
+          </a:p>
+        </p:txBody>
+      </p:sp>
     </p:spTree>
     <p:extLst>
       <p:ext uri="{BB962C8B-B14F-4D97-AF65-F5344CB8AC3E}">
-        <p14:creationId xmlns:p14="http://schemas.microsoft.com/office/powerpoint/2010/main" val="2169155448"/>
+        <p14:creationId xmlns:p14="http://schemas.microsoft.com/office/powerpoint/2010/main" val="1547769373"/>
       </p:ext>
     </p:extLst>
   </p:cSld>
@@ -11547,373 +11421,55 @@
       </p:grpSpPr>
       <p:sp>
         <p:nvSpPr>
-          <p:cNvPr id="3" name="Заголовок 4"/>
-          <p:cNvSpPr>
-            <a:spLocks noGrp="1"/>
-          </p:cNvSpPr>
-          <p:nvPr>
-            <p:ph type="title"/>
-          </p:nvPr>
-        </p:nvSpPr>
-        <p:spPr>
-          <a:xfrm>
-            <a:off x="0" y="404664"/>
-            <a:ext cx="12192000" cy="864096"/>
-          </a:xfrm>
-        </p:spPr>
-        <p:txBody>
-          <a:bodyPr>
-            <a:normAutofit/>
-          </a:bodyPr>
-          <a:lstStyle/>
-          <a:p>
-            <a:r>
-              <a:rPr lang="ru-RU" sz="3200" b="1" dirty="0" err="1"/>
-              <a:t>Полезнейщие</a:t>
-            </a:r>
-            <a:r>
-              <a:rPr lang="ru-RU" sz="3200" b="1" dirty="0"/>
-              <a:t> методы преобразования массивов</a:t>
-            </a:r>
-            <a:endParaRPr lang="uk-UA" sz="3200" b="1" dirty="0"/>
-          </a:p>
-        </p:txBody>
-      </p:sp>
-      <p:sp>
-        <p:nvSpPr>
-          <p:cNvPr id="6" name="Номер слайда 36"/>
-          <p:cNvSpPr txBox="1">
-            <a:spLocks/>
-          </p:cNvSpPr>
+          <p:cNvPr id="5" name="Прямоугольник 4"/>
+          <p:cNvSpPr/>
           <p:nvPr/>
         </p:nvSpPr>
         <p:spPr>
           <a:xfrm>
-            <a:off x="11064552" y="6165305"/>
-            <a:ext cx="648072" cy="432048"/>
-          </a:xfrm>
-          <a:prstGeom prst="roundRect">
+            <a:off x="0" y="0"/>
+            <a:ext cx="12192000" cy="6858000"/>
+          </a:xfrm>
+          <a:prstGeom prst="rect">
             <a:avLst/>
           </a:prstGeom>
-          <a:ln w="25400" cap="flat" cmpd="sng" algn="ctr">
-            <a:solidFill>
-              <a:schemeClr val="tx2">
-                <a:lumMod val="60000"/>
-                <a:lumOff val="40000"/>
-              </a:schemeClr>
-            </a:solidFill>
-            <a:prstDash val="solid"/>
-          </a:ln>
+          <a:solidFill>
+            <a:srgbClr val="002060"/>
+          </a:solidFill>
         </p:spPr>
         <p:style>
           <a:lnRef idx="2">
-            <a:schemeClr val="accent1"/>
+            <a:schemeClr val="accent1">
+              <a:shade val="50000"/>
+            </a:schemeClr>
           </a:lnRef>
           <a:fillRef idx="1">
-            <a:schemeClr val="lt1"/>
+            <a:schemeClr val="accent1"/>
           </a:fillRef>
           <a:effectRef idx="0">
             <a:schemeClr val="accent1"/>
           </a:effectRef>
           <a:fontRef idx="minor">
-            <a:schemeClr val="dk1"/>
+            <a:schemeClr val="lt1"/>
           </a:fontRef>
         </p:style>
         <p:txBody>
-          <a:bodyPr vert="horz" lIns="91440" tIns="45720" rIns="91440" bIns="45720" rtlCol="0" anchor="ctr"/>
-          <a:lstStyle/>
-          <a:p>
-            <a:pPr algn="ctr">
-              <a:defRPr/>
-            </a:pPr>
-            <a:fld id="{6389AA22-90B4-448C-8B6B-C699140D38B9}" type="slidenum">
-              <a:rPr lang="uk-UA" sz="2400" b="1">
-                <a:solidFill>
-                  <a:schemeClr val="bg1">
-                    <a:lumMod val="50000"/>
-                  </a:schemeClr>
-                </a:solidFill>
-              </a:rPr>
-              <a:pPr algn="ctr">
-                <a:defRPr/>
-              </a:pPr>
-              <a:t>32</a:t>
-            </a:fld>
-            <a:endParaRPr lang="uk-UA" sz="2400" b="1" dirty="0">
-              <a:solidFill>
-                <a:schemeClr val="bg1">
-                  <a:lumMod val="50000"/>
-                </a:schemeClr>
-              </a:solidFill>
-            </a:endParaRPr>
-          </a:p>
-        </p:txBody>
-      </p:sp>
-      <p:sp>
-        <p:nvSpPr>
-          <p:cNvPr id="9" name="TextBox 8"/>
-          <p:cNvSpPr txBox="1"/>
-          <p:nvPr/>
-        </p:nvSpPr>
-        <p:spPr>
-          <a:xfrm>
-            <a:off x="0" y="6053226"/>
-            <a:ext cx="12192000" cy="400110"/>
-          </a:xfrm>
-          <a:prstGeom prst="rect">
-            <a:avLst/>
-          </a:prstGeom>
-          <a:noFill/>
-        </p:spPr>
-        <p:txBody>
-          <a:bodyPr wrap="square" rtlCol="0">
-            <a:spAutoFit/>
-          </a:bodyPr>
+          <a:bodyPr rtlCol="0" anchor="ctr"/>
           <a:lstStyle/>
           <a:p>
             <a:pPr algn="ctr"/>
             <a:r>
-              <a:rPr lang="ru-RU" sz="2000" b="1" dirty="0"/>
-              <a:t>Подробнее: </a:t>
-            </a:r>
-            <a:r>
-              <a:rPr lang="en-US" sz="2000" b="1" dirty="0">
-                <a:hlinkClick r:id="rId2"/>
-              </a:rPr>
-              <a:t>https://learn.javascript.ru/array-methods#preobrazovanie-massiva</a:t>
-            </a:r>
-            <a:endParaRPr lang="en-US" sz="2000" b="1" dirty="0"/>
-          </a:p>
-        </p:txBody>
-      </p:sp>
-      <p:sp>
-        <p:nvSpPr>
-          <p:cNvPr id="5" name="TextBox 4"/>
-          <p:cNvSpPr txBox="1"/>
-          <p:nvPr/>
-        </p:nvSpPr>
-        <p:spPr>
-          <a:xfrm>
-            <a:off x="335360" y="1556792"/>
-            <a:ext cx="4296048" cy="3785652"/>
-          </a:xfrm>
-          <a:prstGeom prst="rect">
-            <a:avLst/>
-          </a:prstGeom>
-          <a:noFill/>
-        </p:spPr>
-        <p:txBody>
-          <a:bodyPr wrap="none" rtlCol="0">
-            <a:spAutoFit/>
-          </a:bodyPr>
-          <a:lstStyle/>
-          <a:p>
-            <a:r>
-              <a:rPr lang="it-IT" sz="8000" b="1" dirty="0">
-                <a:solidFill>
-                  <a:schemeClr val="accent6">
-                    <a:lumMod val="75000"/>
-                  </a:schemeClr>
-                </a:solidFill>
-              </a:rPr>
-              <a:t>.filter();</a:t>
-            </a:r>
-          </a:p>
-          <a:p>
-            <a:r>
-              <a:rPr lang="it-IT" sz="8000" b="1" dirty="0">
-                <a:solidFill>
-                  <a:srgbClr val="00B050"/>
-                </a:solidFill>
-              </a:rPr>
-              <a:t>.map();</a:t>
-            </a:r>
-          </a:p>
-          <a:p>
-            <a:r>
-              <a:rPr lang="it-IT" sz="8000" b="1" dirty="0">
-                <a:solidFill>
-                  <a:srgbClr val="7030A0"/>
-                </a:solidFill>
-              </a:rPr>
-              <a:t>.reduce(</a:t>
-            </a:r>
-            <a:r>
-              <a:rPr lang="en-US" sz="8000" b="1" dirty="0">
-                <a:solidFill>
-                  <a:srgbClr val="7030A0"/>
-                </a:solidFill>
-              </a:rPr>
-              <a:t>);</a:t>
-            </a:r>
-            <a:endParaRPr lang="ru-RU" sz="8000" b="1" dirty="0">
-              <a:solidFill>
-                <a:srgbClr val="7030A0"/>
-              </a:solidFill>
-            </a:endParaRPr>
-          </a:p>
-        </p:txBody>
-      </p:sp>
-      <p:sp>
-        <p:nvSpPr>
-          <p:cNvPr id="10" name="TextBox 9"/>
-          <p:cNvSpPr txBox="1"/>
-          <p:nvPr/>
-        </p:nvSpPr>
-        <p:spPr>
-          <a:xfrm>
-            <a:off x="4703416" y="1412776"/>
-            <a:ext cx="6361136" cy="923330"/>
-          </a:xfrm>
-          <a:prstGeom prst="rect">
-            <a:avLst/>
-          </a:prstGeom>
-          <a:noFill/>
-        </p:spPr>
-        <p:txBody>
-          <a:bodyPr wrap="square" rtlCol="0">
-            <a:spAutoFit/>
-          </a:bodyPr>
-          <a:lstStyle/>
-          <a:p>
-            <a:r>
-              <a:rPr lang="ru-RU" dirty="0"/>
-              <a:t>Метод </a:t>
-            </a:r>
-            <a:r>
-              <a:rPr lang="en-US" b="1" dirty="0">
-                <a:solidFill>
-                  <a:schemeClr val="accent6">
-                    <a:lumMod val="75000"/>
-                  </a:schemeClr>
-                </a:solidFill>
-              </a:rPr>
-              <a:t>.filter() </a:t>
-            </a:r>
-            <a:r>
-              <a:rPr lang="ru-RU" dirty="0"/>
-              <a:t>формирует новый массив занося в него элементы из старого, но только те которые «одобрит» функция переданная методу в качестве параметра.</a:t>
-            </a:r>
-          </a:p>
-        </p:txBody>
-      </p:sp>
-      <p:sp>
-        <p:nvSpPr>
-          <p:cNvPr id="7" name="Прямоугольник 6"/>
-          <p:cNvSpPr/>
-          <p:nvPr/>
-        </p:nvSpPr>
-        <p:spPr>
-          <a:xfrm>
-            <a:off x="4655840" y="2636912"/>
-            <a:ext cx="6984776" cy="1200329"/>
-          </a:xfrm>
-          <a:prstGeom prst="rect">
-            <a:avLst/>
-          </a:prstGeom>
-        </p:spPr>
-        <p:txBody>
-          <a:bodyPr wrap="square">
-            <a:spAutoFit/>
-          </a:bodyPr>
-          <a:lstStyle/>
-          <a:p>
-            <a:r>
-              <a:rPr lang="ru-RU" dirty="0"/>
-              <a:t>Метод </a:t>
-            </a:r>
-            <a:r>
-              <a:rPr lang="en-US" b="1" dirty="0">
-                <a:solidFill>
-                  <a:srgbClr val="00B050"/>
-                </a:solidFill>
-              </a:rPr>
-              <a:t>.map() </a:t>
-            </a:r>
-            <a:r>
-              <a:rPr lang="ru-RU" dirty="0"/>
-              <a:t>формирует новый массив занося в него элементы из старого, но предварительно пропуская каждый элемент через функцию переданную методу в качестве параметра. Эта функция может любым образом преобразовать элемент. </a:t>
-            </a:r>
-          </a:p>
-        </p:txBody>
-      </p:sp>
-      <p:sp>
-        <p:nvSpPr>
-          <p:cNvPr id="12" name="TextBox 11"/>
-          <p:cNvSpPr txBox="1"/>
-          <p:nvPr/>
-        </p:nvSpPr>
-        <p:spPr>
-          <a:xfrm>
-            <a:off x="4655840" y="4098558"/>
-            <a:ext cx="7848871" cy="1754326"/>
-          </a:xfrm>
-          <a:prstGeom prst="rect">
-            <a:avLst/>
-          </a:prstGeom>
-          <a:noFill/>
-        </p:spPr>
-        <p:txBody>
-          <a:bodyPr wrap="square" rtlCol="0">
-            <a:spAutoFit/>
-          </a:bodyPr>
-          <a:lstStyle/>
-          <a:p>
-            <a:r>
-              <a:rPr lang="ru-RU" dirty="0"/>
-              <a:t>Метод </a:t>
-            </a:r>
-            <a:r>
-              <a:rPr lang="en-US" b="1" dirty="0">
-                <a:solidFill>
-                  <a:srgbClr val="7030A0"/>
-                </a:solidFill>
-              </a:rPr>
-              <a:t>.reduce()</a:t>
-            </a:r>
-            <a:r>
-              <a:rPr lang="ru-RU" b="1" dirty="0">
-                <a:solidFill>
-                  <a:srgbClr val="7030A0"/>
-                </a:solidFill>
-              </a:rPr>
-              <a:t> </a:t>
-            </a:r>
-            <a:r>
-              <a:rPr lang="ru-RU" dirty="0"/>
-              <a:t>позволяет хранить при переборе элементов какое-либо промежуточное значение, оно передаётся в первом параметре функции (передаваемой методу). При каждом вызову то что возвращает функция становится этим самым «промежуточным» значением для следующего вызова функции. В результате</a:t>
-            </a:r>
-            <a:r>
-              <a:rPr lang="en-US" dirty="0"/>
-              <a:t> </a:t>
-            </a:r>
-            <a:r>
-              <a:rPr lang="en-US" b="1" dirty="0">
-                <a:solidFill>
-                  <a:srgbClr val="7030A0"/>
-                </a:solidFill>
-              </a:rPr>
-              <a:t>.reduce()</a:t>
-            </a:r>
-            <a:r>
-              <a:rPr lang="ru-RU" b="1" dirty="0">
-                <a:solidFill>
-                  <a:srgbClr val="7030A0"/>
-                </a:solidFill>
-              </a:rPr>
-              <a:t> </a:t>
-            </a:r>
-            <a:r>
-              <a:rPr lang="ru-RU" dirty="0"/>
-              <a:t>возвращает самое последнее «промежуточное значение» </a:t>
-            </a:r>
+              <a:rPr lang="ru-RU" sz="6000" b="1" dirty="0"/>
+              <a:t>К следующему занятию будет полезно почитать о…</a:t>
+            </a:r>
+            <a:endParaRPr lang="uk-UA" sz="6000" b="1" dirty="0"/>
           </a:p>
         </p:txBody>
       </p:sp>
     </p:spTree>
     <p:extLst>
       <p:ext uri="{BB962C8B-B14F-4D97-AF65-F5344CB8AC3E}">
-        <p14:creationId xmlns:p14="http://schemas.microsoft.com/office/powerpoint/2010/main" val="3392204688"/>
+        <p14:creationId xmlns:p14="http://schemas.microsoft.com/office/powerpoint/2010/main" val="4058259034"/>
       </p:ext>
     </p:extLst>
   </p:cSld>
@@ -11942,55 +11498,162 @@
       </p:grpSpPr>
       <p:sp>
         <p:nvSpPr>
-          <p:cNvPr id="5" name="Прямоугольник 4"/>
-          <p:cNvSpPr/>
+          <p:cNvPr id="3" name="TextBox 2"/>
+          <p:cNvSpPr txBox="1"/>
           <p:nvPr/>
         </p:nvSpPr>
         <p:spPr>
           <a:xfrm>
-            <a:off x="0" y="0"/>
-            <a:ext cx="12192000" cy="6858000"/>
+            <a:off x="1127448" y="2348880"/>
+            <a:ext cx="9721080" cy="2862322"/>
           </a:xfrm>
           <a:prstGeom prst="rect">
             <a:avLst/>
           </a:prstGeom>
-          <a:solidFill>
-            <a:srgbClr val="002060"/>
-          </a:solidFill>
-        </p:spPr>
-        <p:style>
-          <a:lnRef idx="2">
-            <a:schemeClr val="accent1">
-              <a:shade val="50000"/>
-            </a:schemeClr>
-          </a:lnRef>
-          <a:fillRef idx="1">
-            <a:schemeClr val="accent1"/>
-          </a:fillRef>
-          <a:effectRef idx="0">
-            <a:schemeClr val="accent1"/>
-          </a:effectRef>
-          <a:fontRef idx="minor">
-            <a:schemeClr val="lt1"/>
-          </a:fontRef>
-        </p:style>
-        <p:txBody>
-          <a:bodyPr rtlCol="0" anchor="ctr"/>
+          <a:noFill/>
+        </p:spPr>
+        <p:txBody>
+          <a:bodyPr wrap="square" rtlCol="0">
+            <a:spAutoFit/>
+          </a:bodyPr>
+          <a:lstStyle/>
+          <a:p>
+            <a:pPr marL="514350" indent="-514350">
+              <a:buAutoNum type="arabicPeriod"/>
+            </a:pPr>
+            <a:r>
+              <a:rPr lang="ru-RU" sz="3600" b="1" dirty="0"/>
+              <a:t> </a:t>
+            </a:r>
+            <a:r>
+              <a:rPr lang="ru-RU" sz="3600" b="1" dirty="0">
+                <a:solidFill>
+                  <a:srgbClr val="0070C0"/>
+                </a:solidFill>
+              </a:rPr>
+              <a:t>Объекты</a:t>
+            </a:r>
+            <a:r>
+              <a:rPr lang="ru-RU" sz="3600" b="1" dirty="0"/>
+              <a:t> и ключевое слово </a:t>
+            </a:r>
+            <a:r>
+              <a:rPr lang="en-US" sz="3600" b="1" dirty="0">
+                <a:solidFill>
+                  <a:schemeClr val="accent6">
+                    <a:lumMod val="75000"/>
+                  </a:schemeClr>
+                </a:solidFill>
+              </a:rPr>
+              <a:t>this</a:t>
+            </a:r>
+            <a:r>
+              <a:rPr lang="ru-RU" sz="3600" b="1" dirty="0"/>
+              <a:t>;</a:t>
+            </a:r>
+            <a:br>
+              <a:rPr lang="en-US" sz="3600" b="1" dirty="0"/>
+            </a:br>
+            <a:endParaRPr lang="ru-RU" sz="3600" b="1" dirty="0"/>
+          </a:p>
+          <a:p>
+            <a:pPr marL="514350" indent="-514350">
+              <a:buAutoNum type="arabicPeriod"/>
+            </a:pPr>
+            <a:r>
+              <a:rPr lang="ru-RU" sz="3600" b="1" dirty="0"/>
+              <a:t> Функция</a:t>
+            </a:r>
+            <a:r>
+              <a:rPr lang="en-US" sz="3600" b="1" dirty="0"/>
+              <a:t>-</a:t>
+            </a:r>
+            <a:r>
+              <a:rPr lang="ru-RU" sz="3600" b="1" dirty="0">
+                <a:solidFill>
+                  <a:srgbClr val="00B050"/>
+                </a:solidFill>
+              </a:rPr>
+              <a:t>конструктор</a:t>
+            </a:r>
+            <a:r>
+              <a:rPr lang="ru-RU" sz="3600" b="1" dirty="0"/>
+              <a:t> объектов</a:t>
+            </a:r>
+            <a:r>
+              <a:rPr lang="en-US" sz="3600" b="1" dirty="0"/>
+              <a:t>;</a:t>
+            </a:r>
+            <a:br>
+              <a:rPr lang="en-US" sz="3600" b="1" dirty="0"/>
+            </a:br>
+            <a:endParaRPr lang="en-US" sz="3600" b="1" dirty="0"/>
+          </a:p>
+          <a:p>
+            <a:pPr marL="514350" indent="-514350">
+              <a:buAutoNum type="arabicPeriod"/>
+            </a:pPr>
+            <a:r>
+              <a:rPr lang="ru-RU" sz="3600" b="1" dirty="0"/>
+              <a:t> </a:t>
+            </a:r>
+            <a:r>
+              <a:rPr lang="ru-RU" sz="3600" b="1" dirty="0">
+                <a:solidFill>
+                  <a:srgbClr val="7030A0"/>
+                </a:solidFill>
+              </a:rPr>
+              <a:t>Классы</a:t>
+            </a:r>
+            <a:r>
+              <a:rPr lang="ru-RU" sz="3600" b="1" dirty="0"/>
+              <a:t> в </a:t>
+            </a:r>
+            <a:r>
+              <a:rPr lang="en-US" sz="3600" b="1" dirty="0"/>
+              <a:t>JavaScript</a:t>
+            </a:r>
+            <a:r>
+              <a:rPr lang="ru-RU" sz="3600" b="1" dirty="0"/>
+              <a:t>;</a:t>
+            </a:r>
+          </a:p>
+        </p:txBody>
+      </p:sp>
+      <p:sp>
+        <p:nvSpPr>
+          <p:cNvPr id="5" name="TextBox 4"/>
+          <p:cNvSpPr txBox="1"/>
+          <p:nvPr/>
+        </p:nvSpPr>
+        <p:spPr>
+          <a:xfrm>
+            <a:off x="0" y="908720"/>
+            <a:ext cx="12192000" cy="769441"/>
+          </a:xfrm>
+          <a:prstGeom prst="rect">
+            <a:avLst/>
+          </a:prstGeom>
+          <a:noFill/>
+        </p:spPr>
+        <p:txBody>
+          <a:bodyPr wrap="square" rtlCol="0">
+            <a:spAutoFit/>
+          </a:bodyPr>
           <a:lstStyle/>
           <a:p>
             <a:pPr algn="ctr"/>
             <a:r>
-              <a:rPr lang="ru-RU" sz="6000" b="1" dirty="0"/>
-              <a:t>Будет полезным</a:t>
-            </a:r>
-            <a:endParaRPr lang="uk-UA" sz="6000" b="1" dirty="0"/>
+              <a:rPr lang="ru-RU" sz="4400" b="1" dirty="0"/>
+              <a:t>К следующему занятию…</a:t>
+            </a:r>
           </a:p>
         </p:txBody>
       </p:sp>
     </p:spTree>
     <p:extLst>
       <p:ext uri="{BB962C8B-B14F-4D97-AF65-F5344CB8AC3E}">
-        <p14:creationId xmlns:p14="http://schemas.microsoft.com/office/powerpoint/2010/main" val="2310763663"/>
+        <p14:creationId xmlns:p14="http://schemas.microsoft.com/office/powerpoint/2010/main" val="3747052252"/>
       </p:ext>
     </p:extLst>
   </p:cSld>
@@ -12019,242 +11682,66 @@
       </p:grpSpPr>
       <p:sp>
         <p:nvSpPr>
-          <p:cNvPr id="6" name="Номер слайда 36"/>
-          <p:cNvSpPr txBox="1">
-            <a:spLocks/>
-          </p:cNvSpPr>
+          <p:cNvPr id="5" name="Прямоугольник 4"/>
+          <p:cNvSpPr/>
           <p:nvPr/>
         </p:nvSpPr>
         <p:spPr>
           <a:xfrm>
-            <a:off x="11208568" y="6165304"/>
-            <a:ext cx="648072" cy="432048"/>
-          </a:xfrm>
-          <a:prstGeom prst="roundRect">
+            <a:off x="0" y="0"/>
+            <a:ext cx="12192000" cy="6858000"/>
+          </a:xfrm>
+          <a:prstGeom prst="rect">
             <a:avLst/>
           </a:prstGeom>
-          <a:ln w="25400" cap="flat" cmpd="sng" algn="ctr">
-            <a:solidFill>
-              <a:schemeClr val="tx2">
-                <a:lumMod val="60000"/>
-                <a:lumOff val="40000"/>
-              </a:schemeClr>
-            </a:solidFill>
-            <a:prstDash val="solid"/>
-          </a:ln>
+          <a:solidFill>
+            <a:srgbClr val="002060"/>
+          </a:solidFill>
         </p:spPr>
         <p:style>
           <a:lnRef idx="2">
-            <a:schemeClr val="accent1"/>
+            <a:schemeClr val="accent1">
+              <a:shade val="50000"/>
+            </a:schemeClr>
           </a:lnRef>
           <a:fillRef idx="1">
-            <a:schemeClr val="lt1"/>
+            <a:schemeClr val="accent1"/>
           </a:fillRef>
           <a:effectRef idx="0">
             <a:schemeClr val="accent1"/>
           </a:effectRef>
           <a:fontRef idx="minor">
-            <a:schemeClr val="dk1"/>
+            <a:schemeClr val="lt1"/>
           </a:fontRef>
         </p:style>
         <p:txBody>
-          <a:bodyPr vert="horz" lIns="91440" tIns="45720" rIns="91440" bIns="45720" rtlCol="0" anchor="ctr"/>
-          <a:lstStyle/>
-          <a:p>
-            <a:pPr algn="ctr">
-              <a:defRPr/>
-            </a:pPr>
-            <a:fld id="{6389AA22-90B4-448C-8B6B-C699140D38B9}" type="slidenum">
-              <a:rPr lang="uk-UA" sz="2400" b="1">
-                <a:solidFill>
-                  <a:schemeClr val="bg1">
-                    <a:lumMod val="50000"/>
-                  </a:schemeClr>
+          <a:bodyPr rtlCol="0" anchor="ctr"/>
+          <a:lstStyle/>
+          <a:p>
+            <a:pPr algn="ctr"/>
+            <a:r>
+              <a:rPr lang="ru-RU" sz="6000" b="1" dirty="0">
+                <a:solidFill>
+                  <a:srgbClr val="FFC000"/>
                 </a:solidFill>
               </a:rPr>
-              <a:pPr algn="ctr">
-                <a:defRPr/>
-              </a:pPr>
-              <a:t>34</a:t>
-            </a:fld>
-            <a:endParaRPr lang="uk-UA" sz="2400" b="1" dirty="0">
-              <a:solidFill>
-                <a:schemeClr val="bg1">
-                  <a:lumMod val="50000"/>
-                </a:schemeClr>
-              </a:solidFill>
-            </a:endParaRPr>
-          </a:p>
-        </p:txBody>
-      </p:sp>
-      <p:sp>
-        <p:nvSpPr>
-          <p:cNvPr id="3" name="Заголовок 4"/>
-          <p:cNvSpPr>
-            <a:spLocks noGrp="1"/>
-          </p:cNvSpPr>
-          <p:nvPr>
-            <p:ph type="title"/>
-          </p:nvPr>
-        </p:nvSpPr>
-        <p:spPr>
-          <a:xfrm>
-            <a:off x="0" y="557808"/>
-            <a:ext cx="12192000" cy="710952"/>
-          </a:xfrm>
-        </p:spPr>
-        <p:txBody>
-          <a:bodyPr>
-            <a:normAutofit/>
-          </a:bodyPr>
-          <a:lstStyle/>
-          <a:p>
-            <a:r>
-              <a:rPr lang="ru-RU" sz="4000" b="1" dirty="0"/>
-              <a:t>Перебирающие методы</a:t>
-            </a:r>
-          </a:p>
-        </p:txBody>
-      </p:sp>
-      <p:sp>
-        <p:nvSpPr>
-          <p:cNvPr id="5" name="TextBox 4"/>
-          <p:cNvSpPr txBox="1"/>
-          <p:nvPr/>
-        </p:nvSpPr>
-        <p:spPr>
-          <a:xfrm>
-            <a:off x="1713802" y="2636912"/>
-            <a:ext cx="9505056" cy="1754326"/>
-          </a:xfrm>
-          <a:prstGeom prst="rect">
-            <a:avLst/>
-          </a:prstGeom>
-          <a:noFill/>
-        </p:spPr>
-        <p:txBody>
-          <a:bodyPr wrap="square" rtlCol="0">
-            <a:spAutoFit/>
-          </a:bodyPr>
-          <a:lstStyle/>
-          <a:p>
-            <a:r>
-              <a:rPr lang="ru-RU" sz="3600" dirty="0"/>
-              <a:t>В </a:t>
-            </a:r>
-            <a:r>
-              <a:rPr lang="en-US" sz="3600" b="1" dirty="0"/>
-              <a:t>JavaScript </a:t>
-            </a:r>
-            <a:r>
-              <a:rPr lang="ru-RU" sz="3600" dirty="0"/>
-              <a:t>есть еще ряд методов массивов, а именно: </a:t>
-            </a:r>
-            <a:r>
-              <a:rPr lang="en-US" sz="3600" b="1" dirty="0">
-                <a:solidFill>
-                  <a:srgbClr val="0070C0"/>
-                </a:solidFill>
-              </a:rPr>
-              <a:t>.every()</a:t>
-            </a:r>
-            <a:r>
-              <a:rPr lang="ru-RU" sz="3600" b="1" dirty="0"/>
-              <a:t>,</a:t>
-            </a:r>
-            <a:r>
-              <a:rPr lang="en-US" sz="3600" b="1" dirty="0"/>
-              <a:t> </a:t>
-            </a:r>
-            <a:r>
-              <a:rPr lang="en-US" sz="3600" b="1" dirty="0">
-                <a:solidFill>
-                  <a:srgbClr val="00B050"/>
-                </a:solidFill>
-              </a:rPr>
-              <a:t>.some()</a:t>
-            </a:r>
-            <a:r>
-              <a:rPr lang="ru-RU" sz="3600" b="1" dirty="0"/>
-              <a:t>, </a:t>
-            </a:r>
-            <a:r>
-              <a:rPr lang="en-US" sz="3600" b="1" dirty="0">
-                <a:solidFill>
-                  <a:schemeClr val="accent6"/>
-                </a:solidFill>
-              </a:rPr>
-              <a:t>.find()</a:t>
-            </a:r>
-            <a:r>
-              <a:rPr lang="en-US" sz="3600" b="1" dirty="0"/>
-              <a:t>, </a:t>
-            </a:r>
-            <a:r>
-              <a:rPr lang="en-US" sz="3600" b="1" dirty="0">
-                <a:solidFill>
-                  <a:srgbClr val="7030A0"/>
-                </a:solidFill>
-              </a:rPr>
-              <a:t>.</a:t>
-            </a:r>
-            <a:r>
-              <a:rPr lang="en-US" sz="3600" b="1" dirty="0" err="1">
-                <a:solidFill>
-                  <a:srgbClr val="7030A0"/>
-                </a:solidFill>
-              </a:rPr>
-              <a:t>findIndex</a:t>
-            </a:r>
-            <a:r>
-              <a:rPr lang="en-US" sz="3600" b="1" dirty="0">
-                <a:solidFill>
-                  <a:srgbClr val="7030A0"/>
-                </a:solidFill>
-              </a:rPr>
-              <a:t>() </a:t>
-            </a:r>
-            <a:r>
-              <a:rPr lang="ru-RU" sz="3600" dirty="0"/>
-              <a:t>узнайте чем они могут быть полезны</a:t>
-            </a:r>
-            <a:r>
-              <a:rPr lang="ru-RU" sz="3600" i="1" dirty="0"/>
-              <a:t>. </a:t>
-            </a:r>
-          </a:p>
-        </p:txBody>
-      </p:sp>
-      <p:sp>
-        <p:nvSpPr>
-          <p:cNvPr id="7" name="TextBox 6"/>
-          <p:cNvSpPr txBox="1"/>
-          <p:nvPr/>
-        </p:nvSpPr>
-        <p:spPr>
-          <a:xfrm>
-            <a:off x="3935761" y="1628800"/>
-            <a:ext cx="184731" cy="369332"/>
-          </a:xfrm>
-          <a:prstGeom prst="rect">
-            <a:avLst/>
-          </a:prstGeom>
-          <a:noFill/>
-        </p:spPr>
-        <p:txBody>
-          <a:bodyPr wrap="none" rtlCol="0">
-            <a:spAutoFit/>
-          </a:bodyPr>
-          <a:lstStyle/>
-          <a:p>
-            <a:endParaRPr lang="ru-RU" dirty="0"/>
+              <a:t>Домашнее задание </a:t>
+            </a:r>
+          </a:p>
+          <a:p>
+            <a:pPr algn="ctr"/>
+            <a:r>
+              <a:rPr lang="ru-RU" sz="6000" b="1" dirty="0"/>
+              <a:t>/сделать</a:t>
+            </a:r>
+            <a:endParaRPr lang="uk-UA" sz="6000" b="1" dirty="0"/>
           </a:p>
         </p:txBody>
       </p:sp>
     </p:spTree>
     <p:extLst>
       <p:ext uri="{BB962C8B-B14F-4D97-AF65-F5344CB8AC3E}">
-        <p14:creationId xmlns:p14="http://schemas.microsoft.com/office/powerpoint/2010/main" val="1547769373"/>
+        <p14:creationId xmlns:p14="http://schemas.microsoft.com/office/powerpoint/2010/main" val="2824575547"/>
       </p:ext>
     </p:extLst>
   </p:cSld>
@@ -12283,55 +11770,327 @@
       </p:grpSpPr>
       <p:sp>
         <p:nvSpPr>
-          <p:cNvPr id="5" name="Прямоугольник 4"/>
-          <p:cNvSpPr/>
+          <p:cNvPr id="5" name="Номер слайда 36"/>
+          <p:cNvSpPr txBox="1">
+            <a:spLocks/>
+          </p:cNvSpPr>
           <p:nvPr/>
         </p:nvSpPr>
         <p:spPr>
           <a:xfrm>
-            <a:off x="0" y="0"/>
-            <a:ext cx="12192000" cy="6858000"/>
-          </a:xfrm>
-          <a:prstGeom prst="rect">
+            <a:off x="11214029" y="6237312"/>
+            <a:ext cx="648072" cy="432048"/>
+          </a:xfrm>
+          <a:prstGeom prst="roundRect">
             <a:avLst/>
           </a:prstGeom>
-          <a:solidFill>
-            <a:srgbClr val="002060"/>
-          </a:solidFill>
+          <a:ln w="25400" cap="flat" cmpd="sng" algn="ctr">
+            <a:solidFill>
+              <a:schemeClr val="tx2">
+                <a:lumMod val="60000"/>
+                <a:lumOff val="40000"/>
+              </a:schemeClr>
+            </a:solidFill>
+            <a:prstDash val="solid"/>
+          </a:ln>
         </p:spPr>
         <p:style>
           <a:lnRef idx="2">
-            <a:schemeClr val="accent1">
-              <a:shade val="50000"/>
-            </a:schemeClr>
+            <a:schemeClr val="accent1"/>
           </a:lnRef>
           <a:fillRef idx="1">
-            <a:schemeClr val="accent1"/>
+            <a:schemeClr val="lt1"/>
           </a:fillRef>
           <a:effectRef idx="0">
             <a:schemeClr val="accent1"/>
           </a:effectRef>
           <a:fontRef idx="minor">
-            <a:schemeClr val="lt1"/>
+            <a:schemeClr val="dk1"/>
           </a:fontRef>
         </p:style>
         <p:txBody>
-          <a:bodyPr rtlCol="0" anchor="ctr"/>
+          <a:bodyPr vert="horz" lIns="91440" tIns="45720" rIns="91440" bIns="45720" rtlCol="0" anchor="ctr"/>
+          <a:lstStyle/>
+          <a:p>
+            <a:pPr algn="ctr">
+              <a:defRPr/>
+            </a:pPr>
+            <a:fld id="{6389AA22-90B4-448C-8B6B-C699140D38B9}" type="slidenum">
+              <a:rPr lang="uk-UA" sz="2400" b="1">
+                <a:solidFill>
+                  <a:schemeClr val="bg1">
+                    <a:lumMod val="50000"/>
+                  </a:schemeClr>
+                </a:solidFill>
+              </a:rPr>
+              <a:pPr algn="ctr">
+                <a:defRPr/>
+              </a:pPr>
+              <a:t>35</a:t>
+            </a:fld>
+            <a:endParaRPr lang="uk-UA" sz="2400" b="1" dirty="0">
+              <a:solidFill>
+                <a:schemeClr val="bg1">
+                  <a:lumMod val="50000"/>
+                </a:schemeClr>
+              </a:solidFill>
+            </a:endParaRPr>
+          </a:p>
+        </p:txBody>
+      </p:sp>
+      <p:sp>
+        <p:nvSpPr>
+          <p:cNvPr id="6" name="Заголовок 20"/>
+          <p:cNvSpPr>
+            <a:spLocks noGrp="1"/>
+          </p:cNvSpPr>
+          <p:nvPr>
+            <p:ph type="title"/>
+          </p:nvPr>
+        </p:nvSpPr>
+        <p:spPr>
+          <a:xfrm>
+            <a:off x="0" y="0"/>
+            <a:ext cx="12192000" cy="1196752"/>
+          </a:xfrm>
+        </p:spPr>
+        <p:txBody>
+          <a:bodyPr>
+            <a:noAutofit/>
+          </a:bodyPr>
           <a:lstStyle/>
           <a:p>
             <a:pPr algn="ctr"/>
             <a:r>
-              <a:rPr lang="ru-RU" sz="6000" b="1" dirty="0"/>
-              <a:t>К следующему занятию будет полезно почитать о…</a:t>
-            </a:r>
-            <a:endParaRPr lang="uk-UA" sz="6000" b="1" dirty="0"/>
-          </a:p>
-        </p:txBody>
-      </p:sp>
+              <a:rPr lang="ru-RU" sz="4000" b="1" dirty="0">
+                <a:latin typeface="+mn-lt"/>
+              </a:rPr>
+              <a:t>Домашнее задание</a:t>
+            </a:r>
+            <a:r>
+              <a:rPr lang="en-US" sz="4000" b="1" dirty="0">
+                <a:latin typeface="+mn-lt"/>
+              </a:rPr>
+              <a:t> </a:t>
+            </a:r>
+            <a:r>
+              <a:rPr lang="en-US" sz="4000" b="1" dirty="0">
+                <a:solidFill>
+                  <a:srgbClr val="00B050"/>
+                </a:solidFill>
+                <a:latin typeface="+mn-lt"/>
+              </a:rPr>
+              <a:t>#B.1</a:t>
+            </a:r>
+            <a:endParaRPr lang="uk-UA" sz="4000" b="1" dirty="0">
+              <a:solidFill>
+                <a:srgbClr val="00B050"/>
+              </a:solidFill>
+              <a:latin typeface="+mn-lt"/>
+            </a:endParaRPr>
+          </a:p>
+        </p:txBody>
+      </p:sp>
+      <p:sp>
+        <p:nvSpPr>
+          <p:cNvPr id="7" name="Прямоугольник 6"/>
+          <p:cNvSpPr/>
+          <p:nvPr/>
+        </p:nvSpPr>
+        <p:spPr>
+          <a:xfrm>
+            <a:off x="5735960" y="1052736"/>
+            <a:ext cx="5991414" cy="5632311"/>
+          </a:xfrm>
+          <a:prstGeom prst="rect">
+            <a:avLst/>
+          </a:prstGeom>
+        </p:spPr>
+        <p:txBody>
+          <a:bodyPr wrap="square">
+            <a:spAutoFit/>
+          </a:bodyPr>
+          <a:lstStyle/>
+          <a:p>
+            <a:r>
+              <a:rPr lang="ru-RU" sz="2000" dirty="0"/>
+              <a:t>«Азбука пилотов» (или официально </a:t>
+            </a:r>
+            <a:r>
+              <a:rPr lang="ru-RU" sz="2000" b="1" dirty="0"/>
+              <a:t>фонетический алфавит ИКАО</a:t>
+            </a:r>
+            <a:r>
+              <a:rPr lang="ru-RU" sz="2000" dirty="0"/>
+              <a:t>) - стандартизированный способ прочтения букв алфавита английского языка в авиации. Каждая буква кодируется словом, которое при плохой связи позволяет с высокой вероятностью распознать букву которая передаётся. Ваша задача, написать скрипт, который будет переводить буквенно-цифровую комбинацию в набор слов из «азбуки пилотов». </a:t>
+            </a:r>
+          </a:p>
+          <a:p>
+            <a:endParaRPr lang="ru-RU" sz="2000" dirty="0"/>
+          </a:p>
+          <a:p>
+            <a:r>
+              <a:rPr lang="ru-RU" sz="2000" b="1" dirty="0"/>
+              <a:t>Например:</a:t>
+            </a:r>
+            <a:r>
+              <a:rPr lang="ru-RU" sz="2000" dirty="0"/>
+              <a:t> пользователь вводит комбинацию буквенно-цифровую, (буквы </a:t>
+            </a:r>
+            <a:r>
+              <a:rPr lang="ru-RU" sz="2000" b="1" dirty="0"/>
+              <a:t>только латинские</a:t>
+            </a:r>
+            <a:r>
+              <a:rPr lang="ru-RU" sz="2000" dirty="0"/>
+              <a:t>) (</a:t>
+            </a:r>
+            <a:r>
+              <a:rPr lang="ru-RU" sz="2000" b="1" dirty="0"/>
+              <a:t>например</a:t>
+            </a:r>
+            <a:r>
+              <a:rPr lang="ru-RU" sz="2000" dirty="0"/>
+              <a:t>: </a:t>
+            </a:r>
+            <a:r>
+              <a:rPr lang="en-US" sz="2000" b="1" dirty="0">
+                <a:solidFill>
+                  <a:srgbClr val="0070C0"/>
+                </a:solidFill>
+              </a:rPr>
+              <a:t>KL138</a:t>
+            </a:r>
+            <a:r>
+              <a:rPr lang="ru-RU" sz="2000" b="1" dirty="0">
+                <a:solidFill>
+                  <a:srgbClr val="0070C0"/>
+                </a:solidFill>
+              </a:rPr>
+              <a:t>6</a:t>
+            </a:r>
+            <a:r>
+              <a:rPr lang="ru-RU" sz="2000" dirty="0"/>
+              <a:t>),</a:t>
+            </a:r>
+            <a:r>
+              <a:rPr lang="en-US" sz="2000" b="1" dirty="0"/>
+              <a:t> </a:t>
+            </a:r>
+            <a:r>
+              <a:rPr lang="ru-RU" sz="2000" dirty="0"/>
+              <a:t>а скрипт выдает «расшифровку» в соответствии с алфавитом (</a:t>
+            </a:r>
+            <a:r>
+              <a:rPr lang="ru-RU" sz="2000" b="1" dirty="0"/>
+              <a:t>например</a:t>
+            </a:r>
+            <a:r>
+              <a:rPr lang="ru-RU" sz="2000" dirty="0"/>
+              <a:t>: </a:t>
+            </a:r>
+            <a:r>
+              <a:rPr lang="en-US" sz="2000" b="1" dirty="0">
+                <a:solidFill>
+                  <a:schemeClr val="accent6">
+                    <a:lumMod val="75000"/>
+                  </a:schemeClr>
+                </a:solidFill>
+              </a:rPr>
+              <a:t>Kilo Lima One Three</a:t>
+            </a:r>
+            <a:r>
+              <a:rPr lang="ru-RU" sz="2000" b="1" dirty="0">
+                <a:solidFill>
+                  <a:schemeClr val="accent6">
+                    <a:lumMod val="75000"/>
+                  </a:schemeClr>
+                </a:solidFill>
+              </a:rPr>
+              <a:t> </a:t>
+            </a:r>
+            <a:r>
+              <a:rPr lang="en-US" sz="2000" b="1" dirty="0">
+                <a:solidFill>
+                  <a:schemeClr val="accent6">
+                    <a:lumMod val="75000"/>
+                  </a:schemeClr>
+                </a:solidFill>
+              </a:rPr>
+              <a:t>Eight</a:t>
+            </a:r>
+            <a:r>
+              <a:rPr lang="ru-RU" sz="2000" b="1" dirty="0">
+                <a:solidFill>
+                  <a:schemeClr val="accent6">
+                    <a:lumMod val="75000"/>
+                  </a:schemeClr>
+                </a:solidFill>
+              </a:rPr>
+              <a:t> </a:t>
+            </a:r>
+            <a:r>
+              <a:rPr lang="en-US" sz="2000" b="1" dirty="0">
+                <a:solidFill>
+                  <a:schemeClr val="accent6">
+                    <a:lumMod val="75000"/>
+                  </a:schemeClr>
+                </a:solidFill>
+              </a:rPr>
+              <a:t>Six</a:t>
+            </a:r>
+            <a:r>
+              <a:rPr lang="ru-RU" sz="2000" dirty="0"/>
+              <a:t>). Регистр вводимой комбинации не должен влиять на результат (т.е. большие и маленькие буквы дают один и тот же результат).</a:t>
+            </a:r>
+          </a:p>
+        </p:txBody>
+      </p:sp>
+      <p:pic>
+        <p:nvPicPr>
+          <p:cNvPr id="4" name="Picture 2" descr="https://res.cloudinary.com/teepublic/image/private/s--K-Y9GIRh--/t_Preview/b_rgb:ffffff,c_limit,f_jpg,h_630,q_90,w_630/v1555171676/production/designs/4632302_0.jpg"/>
+          <p:cNvPicPr>
+            <a:picLocks noChangeAspect="1" noChangeArrowheads="1"/>
+          </p:cNvPicPr>
+          <p:nvPr/>
+        </p:nvPicPr>
+        <p:blipFill>
+          <a:blip r:embed="rId2">
+            <a:extLst>
+              <a:ext uri="{28A0092B-C50C-407E-A947-70E740481C1C}">
+                <a14:useLocalDpi xmlns:a14="http://schemas.microsoft.com/office/drawing/2010/main" val="0"/>
+              </a:ext>
+            </a:extLst>
+          </a:blip>
+          <a:srcRect/>
+          <a:stretch>
+            <a:fillRect/>
+          </a:stretch>
+        </p:blipFill>
+        <p:spPr bwMode="auto">
+          <a:xfrm>
+            <a:off x="335359" y="1067484"/>
+            <a:ext cx="5457859" cy="5457859"/>
+          </a:xfrm>
+          <a:prstGeom prst="rect">
+            <a:avLst/>
+          </a:prstGeom>
+          <a:noFill/>
+          <a:extLst>
+            <a:ext uri="{909E8E84-426E-40DD-AFC4-6F175D3DCCD1}">
+              <a14:hiddenFill xmlns:a14="http://schemas.microsoft.com/office/drawing/2010/main">
+                <a:solidFill>
+                  <a:srgbClr val="FFFFFF"/>
+                </a:solidFill>
+              </a14:hiddenFill>
+            </a:ext>
+          </a:extLst>
+        </p:spPr>
+      </p:pic>
     </p:spTree>
     <p:extLst>
       <p:ext uri="{BB962C8B-B14F-4D97-AF65-F5344CB8AC3E}">
-        <p14:creationId xmlns:p14="http://schemas.microsoft.com/office/powerpoint/2010/main" val="4058259034"/>
+        <p14:creationId xmlns:p14="http://schemas.microsoft.com/office/powerpoint/2010/main" val="452571319"/>
       </p:ext>
     </p:extLst>
   </p:cSld>
@@ -12360,162 +12119,355 @@
       </p:grpSpPr>
       <p:sp>
         <p:nvSpPr>
-          <p:cNvPr id="3" name="TextBox 2"/>
-          <p:cNvSpPr txBox="1"/>
+          <p:cNvPr id="15" name="Номер слайда 36"/>
+          <p:cNvSpPr txBox="1">
+            <a:spLocks/>
+          </p:cNvSpPr>
           <p:nvPr/>
         </p:nvSpPr>
         <p:spPr>
           <a:xfrm>
-            <a:off x="1127448" y="2348880"/>
-            <a:ext cx="9721080" cy="2862322"/>
+            <a:off x="11208568" y="6237311"/>
+            <a:ext cx="648072" cy="432048"/>
+          </a:xfrm>
+          <a:prstGeom prst="roundRect">
+            <a:avLst/>
+          </a:prstGeom>
+          <a:ln w="25400" cap="flat" cmpd="sng" algn="ctr">
+            <a:solidFill>
+              <a:schemeClr val="tx2">
+                <a:lumMod val="60000"/>
+                <a:lumOff val="40000"/>
+              </a:schemeClr>
+            </a:solidFill>
+            <a:prstDash val="solid"/>
+          </a:ln>
+        </p:spPr>
+        <p:style>
+          <a:lnRef idx="2">
+            <a:schemeClr val="accent1"/>
+          </a:lnRef>
+          <a:fillRef idx="1">
+            <a:schemeClr val="lt1"/>
+          </a:fillRef>
+          <a:effectRef idx="0">
+            <a:schemeClr val="accent1"/>
+          </a:effectRef>
+          <a:fontRef idx="minor">
+            <a:schemeClr val="dk1"/>
+          </a:fontRef>
+        </p:style>
+        <p:txBody>
+          <a:bodyPr vert="horz" lIns="91440" tIns="45720" rIns="91440" bIns="45720" rtlCol="0" anchor="ctr"/>
+          <a:lstStyle/>
+          <a:p>
+            <a:pPr algn="ctr">
+              <a:defRPr/>
+            </a:pPr>
+            <a:fld id="{6389AA22-90B4-448C-8B6B-C699140D38B9}" type="slidenum">
+              <a:rPr lang="uk-UA" sz="2400" b="1">
+                <a:solidFill>
+                  <a:schemeClr val="bg1">
+                    <a:lumMod val="50000"/>
+                  </a:schemeClr>
+                </a:solidFill>
+              </a:rPr>
+              <a:pPr algn="ctr">
+                <a:defRPr/>
+              </a:pPr>
+              <a:t>36</a:t>
+            </a:fld>
+            <a:endParaRPr lang="uk-UA" sz="2400" b="1" dirty="0">
+              <a:solidFill>
+                <a:schemeClr val="bg1">
+                  <a:lumMod val="50000"/>
+                </a:schemeClr>
+              </a:solidFill>
+            </a:endParaRPr>
+          </a:p>
+        </p:txBody>
+      </p:sp>
+      <p:sp>
+        <p:nvSpPr>
+          <p:cNvPr id="5" name="Заголовок 4"/>
+          <p:cNvSpPr>
+            <a:spLocks noGrp="1"/>
+          </p:cNvSpPr>
+          <p:nvPr>
+            <p:ph type="title"/>
+          </p:nvPr>
+        </p:nvSpPr>
+        <p:spPr>
+          <a:xfrm>
+            <a:off x="0" y="269776"/>
+            <a:ext cx="12192000" cy="710952"/>
+          </a:xfrm>
+        </p:spPr>
+        <p:txBody>
+          <a:bodyPr>
+            <a:normAutofit/>
+          </a:bodyPr>
+          <a:lstStyle/>
+          <a:p>
+            <a:r>
+              <a:rPr lang="ru-RU" sz="4000" b="1" dirty="0"/>
+              <a:t>Домашнее задание </a:t>
+            </a:r>
+            <a:r>
+              <a:rPr lang="en-US" sz="4000" b="1" dirty="0">
+                <a:solidFill>
+                  <a:srgbClr val="00B050"/>
+                </a:solidFill>
+              </a:rPr>
+              <a:t>#B.2</a:t>
+            </a:r>
+            <a:endParaRPr lang="ru-RU" sz="4000" b="1" dirty="0">
+              <a:solidFill>
+                <a:schemeClr val="accent6">
+                  <a:lumMod val="75000"/>
+                </a:schemeClr>
+              </a:solidFill>
+            </a:endParaRPr>
+          </a:p>
+        </p:txBody>
+      </p:sp>
+      <p:sp>
+        <p:nvSpPr>
+          <p:cNvPr id="2" name="Прямоугольник 1"/>
+          <p:cNvSpPr/>
+          <p:nvPr/>
+        </p:nvSpPr>
+        <p:spPr>
+          <a:xfrm>
+            <a:off x="4943872" y="1196752"/>
+            <a:ext cx="6552728" cy="3539430"/>
           </a:xfrm>
           <a:prstGeom prst="rect">
             <a:avLst/>
           </a:prstGeom>
-          <a:noFill/>
-        </p:spPr>
+        </p:spPr>
+        <p:txBody>
+          <a:bodyPr wrap="square">
+            <a:spAutoFit/>
+          </a:bodyPr>
+          <a:lstStyle/>
+          <a:p>
+            <a:r>
+              <a:rPr lang="ru-RU" sz="2800" dirty="0"/>
+              <a:t>Написать скрипт которые будет словами записывать сумму заданную числом которое ввёл пользователь в пределах от 1 до 999</a:t>
+            </a:r>
+            <a:r>
+              <a:rPr lang="en-US" sz="2800" dirty="0"/>
+              <a:t> (</a:t>
+            </a:r>
+            <a:r>
+              <a:rPr lang="ru-RU" sz="2800" dirty="0"/>
+              <a:t>включительно</a:t>
+            </a:r>
+            <a:r>
+              <a:rPr lang="en-US" sz="2800" dirty="0"/>
+              <a:t>)</a:t>
+            </a:r>
+            <a:r>
+              <a:rPr lang="ru-RU" sz="2800" dirty="0"/>
+              <a:t>. Например </a:t>
+            </a:r>
+            <a:r>
+              <a:rPr lang="ru-RU" sz="2800" b="1" dirty="0">
+                <a:solidFill>
+                  <a:srgbClr val="0070C0"/>
+                </a:solidFill>
+              </a:rPr>
+              <a:t>643</a:t>
+            </a:r>
+            <a:r>
+              <a:rPr lang="ru-RU" sz="2800" dirty="0"/>
+              <a:t> =</a:t>
+            </a:r>
+            <a:r>
+              <a:rPr lang="en-US" sz="2800" dirty="0"/>
+              <a:t>&gt; </a:t>
+            </a:r>
+            <a:r>
+              <a:rPr lang="ru-RU" sz="2800" dirty="0"/>
+              <a:t>«</a:t>
+            </a:r>
+            <a:r>
+              <a:rPr lang="ru-RU" sz="2800" b="1" dirty="0">
+                <a:solidFill>
+                  <a:srgbClr val="00B050"/>
+                </a:solidFill>
+              </a:rPr>
+              <a:t>шестьсот сорок три</a:t>
+            </a:r>
+            <a:r>
+              <a:rPr lang="en-US" sz="2800" b="1" dirty="0">
+                <a:solidFill>
+                  <a:srgbClr val="00B050"/>
+                </a:solidFill>
+              </a:rPr>
+              <a:t> </a:t>
+            </a:r>
+            <a:r>
+              <a:rPr lang="ru-RU" sz="2800" b="1" dirty="0">
+                <a:solidFill>
+                  <a:srgbClr val="00B050"/>
+                </a:solidFill>
+              </a:rPr>
+              <a:t>гривны</a:t>
+            </a:r>
+            <a:r>
+              <a:rPr lang="ru-RU" sz="2800" dirty="0"/>
+              <a:t>»  </a:t>
+            </a:r>
+            <a:r>
+              <a:rPr lang="ru-RU" sz="2800" i="1" dirty="0"/>
+              <a:t>(не забывая добавлять слово </a:t>
+            </a:r>
+            <a:r>
+              <a:rPr lang="ru-RU" sz="2800" b="1" i="1" dirty="0"/>
+              <a:t>гривен</a:t>
+            </a:r>
+            <a:r>
+              <a:rPr lang="ru-RU" sz="2800" i="1" dirty="0"/>
+              <a:t>, </a:t>
+            </a:r>
+            <a:r>
+              <a:rPr lang="ru-RU" sz="2800" b="1" i="1" dirty="0"/>
+              <a:t>гривна</a:t>
+            </a:r>
+            <a:r>
+              <a:rPr lang="ru-RU" sz="2800" i="1" dirty="0"/>
+              <a:t> и т.д. в зависимости от необходимого склонения).</a:t>
+            </a:r>
+          </a:p>
+        </p:txBody>
+      </p:sp>
+      <p:pic>
+        <p:nvPicPr>
+          <p:cNvPr id="3076" name="Picture 4" descr="https://scontent.fdnk3-2.fna.fbcdn.net/v/t1.0-9/20621100_1631429633535214_6800378863909335045_n.jpg?_nc_cat=108&amp;_nc_ohc=bLA3_ufcjZQAQmyLlGIYeJM5SjNBuLX3nI7DjccFy4NJvqIiV1JXwP1yA&amp;_nc_ht=scontent.fdnk3-2.fna&amp;oh=63da0686bbc4684db6d8427f65657ff7&amp;oe=5E439A27"/>
+          <p:cNvPicPr>
+            <a:picLocks noChangeAspect="1" noChangeArrowheads="1"/>
+          </p:cNvPicPr>
+          <p:nvPr/>
+        </p:nvPicPr>
+        <p:blipFill rotWithShape="1">
+          <a:blip r:embed="rId2">
+            <a:extLst>
+              <a:ext uri="{28A0092B-C50C-407E-A947-70E740481C1C}">
+                <a14:useLocalDpi xmlns:a14="http://schemas.microsoft.com/office/drawing/2010/main" val="0"/>
+              </a:ext>
+            </a:extLst>
+          </a:blip>
+          <a:srcRect r="46072"/>
+          <a:stretch/>
+        </p:blipFill>
+        <p:spPr bwMode="auto">
+          <a:xfrm>
+            <a:off x="767408" y="1124743"/>
+            <a:ext cx="3734571" cy="4896544"/>
+          </a:xfrm>
+          <a:prstGeom prst="rect">
+            <a:avLst/>
+          </a:prstGeom>
+          <a:ln>
+            <a:solidFill>
+              <a:srgbClr val="92D050"/>
+            </a:solidFill>
+          </a:ln>
+          <a:effectLst>
+            <a:outerShdw blurRad="292100" dist="139700" dir="2700000" algn="tl" rotWithShape="0">
+              <a:srgbClr val="333333">
+                <a:alpha val="65000"/>
+              </a:srgbClr>
+            </a:outerShdw>
+          </a:effectLst>
+          <a:extLst>
+            <a:ext uri="{909E8E84-426E-40DD-AFC4-6F175D3DCCD1}">
+              <a14:hiddenFill xmlns:a14="http://schemas.microsoft.com/office/drawing/2010/main">
+                <a:solidFill>
+                  <a:srgbClr val="FFFFFF"/>
+                </a:solidFill>
+              </a14:hiddenFill>
+            </a:ext>
+          </a:extLst>
+        </p:spPr>
+      </p:pic>
+      <p:sp>
+        <p:nvSpPr>
+          <p:cNvPr id="3" name="TextBox 2">
+            <a:extLst>
+              <a:ext uri="{FF2B5EF4-FFF2-40B4-BE49-F238E27FC236}">
+                <a16:creationId xmlns:a16="http://schemas.microsoft.com/office/drawing/2014/main" id="{F253B2DA-6B2A-4BE0-BA3F-92AEE9284C05}"/>
+              </a:ext>
+            </a:extLst>
+          </p:cNvPr>
+          <p:cNvSpPr txBox="1"/>
+          <p:nvPr/>
+        </p:nvSpPr>
+        <p:spPr>
+          <a:xfrm>
+            <a:off x="5015881" y="5013176"/>
+            <a:ext cx="5832648" cy="1200329"/>
+          </a:xfrm>
+          <a:prstGeom prst="rect">
+            <a:avLst/>
+          </a:prstGeom>
+          <a:solidFill>
+            <a:schemeClr val="accent6">
+              <a:lumMod val="20000"/>
+              <a:lumOff val="80000"/>
+            </a:schemeClr>
+          </a:solidFill>
+        </p:spPr>
+        <p:style>
+          <a:lnRef idx="2">
+            <a:schemeClr val="accent6"/>
+          </a:lnRef>
+          <a:fillRef idx="1">
+            <a:schemeClr val="lt1"/>
+          </a:fillRef>
+          <a:effectRef idx="0">
+            <a:schemeClr val="accent6"/>
+          </a:effectRef>
+          <a:fontRef idx="minor">
+            <a:schemeClr val="dk1"/>
+          </a:fontRef>
+        </p:style>
         <p:txBody>
           <a:bodyPr wrap="square" rtlCol="0">
             <a:spAutoFit/>
           </a:bodyPr>
           <a:lstStyle/>
           <a:p>
-            <a:pPr marL="514350" indent="-514350">
-              <a:buAutoNum type="arabicPeriod"/>
-            </a:pPr>
-            <a:r>
-              <a:rPr lang="ru-RU" sz="3600" b="1" dirty="0"/>
-              <a:t> </a:t>
-            </a:r>
-            <a:r>
-              <a:rPr lang="ru-RU" sz="3600" b="1" dirty="0">
-                <a:solidFill>
-                  <a:srgbClr val="0070C0"/>
-                </a:solidFill>
-              </a:rPr>
-              <a:t>Объекты</a:t>
-            </a:r>
-            <a:r>
-              <a:rPr lang="ru-RU" sz="3600" b="1" dirty="0"/>
-              <a:t> и ключевое слово </a:t>
-            </a:r>
-            <a:r>
-              <a:rPr lang="en-US" sz="3600" b="1" dirty="0">
-                <a:solidFill>
-                  <a:schemeClr val="accent6">
-                    <a:lumMod val="75000"/>
-                  </a:schemeClr>
-                </a:solidFill>
-              </a:rPr>
-              <a:t>this</a:t>
-            </a:r>
-            <a:r>
-              <a:rPr lang="ru-RU" sz="3600" b="1" dirty="0"/>
-              <a:t>;</a:t>
-            </a:r>
-            <a:br>
-              <a:rPr lang="en-US" sz="3600" b="1" dirty="0"/>
-            </a:br>
-            <a:endParaRPr lang="ru-RU" sz="3600" b="1" dirty="0"/>
-          </a:p>
-          <a:p>
-            <a:pPr marL="514350" indent="-514350">
-              <a:buAutoNum type="arabicPeriod"/>
-            </a:pPr>
-            <a:r>
-              <a:rPr lang="ru-RU" sz="3600" b="1" dirty="0"/>
-              <a:t> Функция</a:t>
-            </a:r>
-            <a:r>
-              <a:rPr lang="en-US" sz="3600" b="1" dirty="0"/>
-              <a:t>-</a:t>
-            </a:r>
-            <a:r>
-              <a:rPr lang="ru-RU" sz="3600" b="1" dirty="0">
-                <a:solidFill>
-                  <a:srgbClr val="00B050"/>
-                </a:solidFill>
-              </a:rPr>
-              <a:t>конструктор</a:t>
-            </a:r>
-            <a:r>
-              <a:rPr lang="ru-RU" sz="3600" b="1" dirty="0"/>
-              <a:t> объектов</a:t>
-            </a:r>
-            <a:r>
-              <a:rPr lang="en-US" sz="3600" b="1" dirty="0"/>
-              <a:t>;</a:t>
-            </a:r>
-            <a:br>
-              <a:rPr lang="en-US" sz="3600" b="1" dirty="0"/>
-            </a:br>
-            <a:endParaRPr lang="en-US" sz="3600" b="1" dirty="0"/>
-          </a:p>
-          <a:p>
-            <a:pPr marL="514350" indent="-514350">
-              <a:buAutoNum type="arabicPeriod"/>
-            </a:pPr>
-            <a:r>
-              <a:rPr lang="ru-RU" sz="3600" b="1" dirty="0"/>
-              <a:t> </a:t>
-            </a:r>
-            <a:r>
-              <a:rPr lang="ru-RU" sz="3600" b="1" dirty="0">
-                <a:solidFill>
-                  <a:srgbClr val="7030A0"/>
-                </a:solidFill>
-              </a:rPr>
-              <a:t>Классы</a:t>
-            </a:r>
-            <a:r>
-              <a:rPr lang="ru-RU" sz="3600" b="1" dirty="0"/>
-              <a:t> в </a:t>
-            </a:r>
-            <a:r>
-              <a:rPr lang="en-US" sz="3600" b="1" dirty="0"/>
-              <a:t>JavaScript</a:t>
-            </a:r>
-            <a:r>
-              <a:rPr lang="ru-RU" sz="3600" b="1" dirty="0"/>
-              <a:t>;</a:t>
-            </a:r>
-          </a:p>
-        </p:txBody>
-      </p:sp>
-      <p:sp>
-        <p:nvSpPr>
-          <p:cNvPr id="5" name="TextBox 4"/>
-          <p:cNvSpPr txBox="1"/>
-          <p:nvPr/>
-        </p:nvSpPr>
-        <p:spPr>
-          <a:xfrm>
-            <a:off x="0" y="908720"/>
-            <a:ext cx="12192000" cy="769441"/>
-          </a:xfrm>
-          <a:prstGeom prst="rect">
-            <a:avLst/>
-          </a:prstGeom>
-          <a:noFill/>
-        </p:spPr>
-        <p:txBody>
-          <a:bodyPr wrap="square" rtlCol="0">
-            <a:spAutoFit/>
-          </a:bodyPr>
-          <a:lstStyle/>
-          <a:p>
-            <a:pPr algn="ctr"/>
-            <a:r>
-              <a:rPr lang="ru-RU" sz="4400" b="1" dirty="0"/>
-              <a:t>К следующему занятию…</a:t>
-            </a:r>
+            <a:r>
+              <a:rPr lang="ru-RU" sz="2400" dirty="0"/>
+              <a:t>Если задача решилась быстро и просто, то – расширяем диапазон от </a:t>
+            </a:r>
+            <a:r>
+              <a:rPr lang="ru-RU" sz="2400" b="1" dirty="0"/>
+              <a:t>1</a:t>
+            </a:r>
+            <a:r>
+              <a:rPr lang="ru-RU" sz="2400" dirty="0"/>
+              <a:t> до </a:t>
+            </a:r>
+            <a:r>
+              <a:rPr lang="ru-RU" sz="2400" b="1" dirty="0"/>
+              <a:t>999 999 999 гривен</a:t>
+            </a:r>
+            <a:r>
+              <a:rPr lang="ru-RU" sz="2400" dirty="0"/>
+              <a:t>.</a:t>
+            </a:r>
+            <a:endParaRPr lang="uk-UA" sz="2400" dirty="0"/>
           </a:p>
         </p:txBody>
       </p:sp>
     </p:spTree>
     <p:extLst>
       <p:ext uri="{BB962C8B-B14F-4D97-AF65-F5344CB8AC3E}">
-        <p14:creationId xmlns:p14="http://schemas.microsoft.com/office/powerpoint/2010/main" val="3747052252"/>
+        <p14:creationId xmlns:p14="http://schemas.microsoft.com/office/powerpoint/2010/main" val="1072141460"/>
       </p:ext>
     </p:extLst>
   </p:cSld>
@@ -12544,66 +12496,343 @@
       </p:grpSpPr>
       <p:sp>
         <p:nvSpPr>
-          <p:cNvPr id="5" name="Прямоугольник 4"/>
-          <p:cNvSpPr/>
+          <p:cNvPr id="6" name="Номер слайда 36"/>
+          <p:cNvSpPr txBox="1">
+            <a:spLocks/>
+          </p:cNvSpPr>
           <p:nvPr/>
         </p:nvSpPr>
         <p:spPr>
           <a:xfrm>
-            <a:off x="0" y="0"/>
-            <a:ext cx="12192000" cy="6858000"/>
-          </a:xfrm>
-          <a:prstGeom prst="rect">
+            <a:off x="11111880" y="6205954"/>
+            <a:ext cx="648072" cy="432048"/>
+          </a:xfrm>
+          <a:prstGeom prst="roundRect">
             <a:avLst/>
           </a:prstGeom>
-          <a:solidFill>
-            <a:srgbClr val="002060"/>
-          </a:solidFill>
+          <a:ln w="25400" cap="flat" cmpd="sng" algn="ctr">
+            <a:solidFill>
+              <a:schemeClr val="tx2">
+                <a:lumMod val="60000"/>
+                <a:lumOff val="40000"/>
+              </a:schemeClr>
+            </a:solidFill>
+            <a:prstDash val="solid"/>
+          </a:ln>
         </p:spPr>
         <p:style>
           <a:lnRef idx="2">
-            <a:schemeClr val="accent1">
-              <a:shade val="50000"/>
-            </a:schemeClr>
+            <a:schemeClr val="accent1"/>
           </a:lnRef>
           <a:fillRef idx="1">
-            <a:schemeClr val="accent1"/>
+            <a:schemeClr val="lt1"/>
           </a:fillRef>
           <a:effectRef idx="0">
             <a:schemeClr val="accent1"/>
           </a:effectRef>
           <a:fontRef idx="minor">
-            <a:schemeClr val="lt1"/>
+            <a:schemeClr val="dk1"/>
           </a:fontRef>
         </p:style>
         <p:txBody>
-          <a:bodyPr rtlCol="0" anchor="ctr"/>
+          <a:bodyPr vert="horz" lIns="91440" tIns="45720" rIns="91440" bIns="45720" rtlCol="0" anchor="ctr"/>
+          <a:lstStyle/>
+          <a:p>
+            <a:pPr algn="ctr">
+              <a:defRPr/>
+            </a:pPr>
+            <a:fld id="{6389AA22-90B4-448C-8B6B-C699140D38B9}" type="slidenum">
+              <a:rPr lang="uk-UA" sz="2400" b="1">
+                <a:solidFill>
+                  <a:schemeClr val="bg1">
+                    <a:lumMod val="50000"/>
+                  </a:schemeClr>
+                </a:solidFill>
+              </a:rPr>
+              <a:pPr algn="ctr">
+                <a:defRPr/>
+              </a:pPr>
+              <a:t>37</a:t>
+            </a:fld>
+            <a:endParaRPr lang="uk-UA" sz="2400" b="1" dirty="0">
+              <a:solidFill>
+                <a:schemeClr val="bg1">
+                  <a:lumMod val="50000"/>
+                </a:schemeClr>
+              </a:solidFill>
+            </a:endParaRPr>
+          </a:p>
+        </p:txBody>
+      </p:sp>
+      <p:pic>
+        <p:nvPicPr>
+          <p:cNvPr id="1026" name="Picture 2" descr="http://rewards.mastercard.ua/uploads/picture/pK4EUgwiN3yd5GnL6qp8_1678/master_blue.png"/>
+          <p:cNvPicPr>
+            <a:picLocks noChangeAspect="1" noChangeArrowheads="1"/>
+          </p:cNvPicPr>
+          <p:nvPr/>
+        </p:nvPicPr>
+        <p:blipFill>
+          <a:blip r:embed="rId2">
+            <a:extLst>
+              <a:ext uri="{28A0092B-C50C-407E-A947-70E740481C1C}">
+                <a14:useLocalDpi xmlns:a14="http://schemas.microsoft.com/office/drawing/2010/main" val="0"/>
+              </a:ext>
+            </a:extLst>
+          </a:blip>
+          <a:srcRect/>
+          <a:stretch>
+            <a:fillRect/>
+          </a:stretch>
+        </p:blipFill>
+        <p:spPr bwMode="auto">
+          <a:xfrm>
+            <a:off x="505168" y="1335205"/>
+            <a:ext cx="3142559" cy="2021787"/>
+          </a:xfrm>
+          <a:prstGeom prst="rect">
+            <a:avLst/>
+          </a:prstGeom>
+          <a:noFill/>
+          <a:extLst>
+            <a:ext uri="{909E8E84-426E-40DD-AFC4-6F175D3DCCD1}">
+              <a14:hiddenFill xmlns:a14="http://schemas.microsoft.com/office/drawing/2010/main">
+                <a:solidFill>
+                  <a:srgbClr val="FFFFFF"/>
+                </a:solidFill>
+              </a14:hiddenFill>
+            </a:ext>
+          </a:extLst>
+        </p:spPr>
+      </p:pic>
+      <p:sp>
+        <p:nvSpPr>
+          <p:cNvPr id="7" name="TextBox 6"/>
+          <p:cNvSpPr txBox="1"/>
+          <p:nvPr/>
+        </p:nvSpPr>
+        <p:spPr>
+          <a:xfrm>
+            <a:off x="4439816" y="1628800"/>
+            <a:ext cx="6264696" cy="4401205"/>
+          </a:xfrm>
+          <a:prstGeom prst="rect">
+            <a:avLst/>
+          </a:prstGeom>
+          <a:noFill/>
+        </p:spPr>
+        <p:txBody>
+          <a:bodyPr wrap="square" rtlCol="0">
+            <a:spAutoFit/>
+          </a:bodyPr>
+          <a:lstStyle/>
+          <a:p>
+            <a:r>
+              <a:rPr lang="ru-RU" sz="2800" b="1" dirty="0">
+                <a:solidFill>
+                  <a:srgbClr val="0070C0"/>
+                </a:solidFill>
+              </a:rPr>
+              <a:t>Задача: </a:t>
+            </a:r>
+            <a:r>
+              <a:rPr lang="ru-RU" sz="2800" dirty="0"/>
+              <a:t>Пользователь вводит </a:t>
+            </a:r>
+            <a:r>
+              <a:rPr lang="ru-RU" sz="2800" b="1" dirty="0"/>
+              <a:t>номер банковской карты</a:t>
+            </a:r>
+            <a:r>
+              <a:rPr lang="ru-RU" sz="2800" dirty="0"/>
+              <a:t>, необходимо проверить </a:t>
+            </a:r>
+            <a:r>
+              <a:rPr lang="ru-RU" sz="2800" b="1" dirty="0"/>
+              <a:t>корректный он или нет</a:t>
+            </a:r>
+            <a:r>
+              <a:rPr lang="ru-RU" sz="2800" dirty="0"/>
+              <a:t>. И определить тип платёжной системы: </a:t>
+            </a:r>
+            <a:r>
+              <a:rPr lang="en-US" sz="2800" b="1" dirty="0"/>
+              <a:t>Visa, Mastercard, Maestro</a:t>
+            </a:r>
+            <a:r>
+              <a:rPr lang="ru-RU" sz="2800" b="1" dirty="0"/>
+              <a:t> или Другая</a:t>
+            </a:r>
+            <a:r>
+              <a:rPr lang="ru-RU" sz="2800" dirty="0"/>
+              <a:t>.</a:t>
+            </a:r>
+          </a:p>
+          <a:p>
+            <a:endParaRPr lang="ru-RU" sz="2800" dirty="0"/>
+          </a:p>
+          <a:p>
+            <a:r>
+              <a:rPr lang="ru-RU" sz="2800" b="1" dirty="0">
+                <a:solidFill>
+                  <a:schemeClr val="accent6">
+                    <a:lumMod val="75000"/>
+                  </a:schemeClr>
+                </a:solidFill>
+              </a:rPr>
+              <a:t>Подсказки:</a:t>
+            </a:r>
+            <a:r>
+              <a:rPr lang="en-US" sz="2800" b="1" dirty="0">
+                <a:solidFill>
+                  <a:schemeClr val="accent6">
+                    <a:lumMod val="75000"/>
+                  </a:schemeClr>
+                </a:solidFill>
+              </a:rPr>
+              <a:t> </a:t>
+            </a:r>
+            <a:endParaRPr lang="ru-RU" sz="2800" b="1" dirty="0">
+              <a:solidFill>
+                <a:schemeClr val="accent6">
+                  <a:lumMod val="75000"/>
+                </a:schemeClr>
+              </a:solidFill>
+            </a:endParaRPr>
+          </a:p>
+          <a:p>
+            <a:pPr marL="514350" indent="-514350">
+              <a:buAutoNum type="arabicParenR"/>
+            </a:pPr>
+            <a:r>
+              <a:rPr lang="ru-RU" sz="2800" dirty="0"/>
+              <a:t> Алгоритм Луна;</a:t>
+            </a:r>
+          </a:p>
+          <a:p>
+            <a:pPr marL="514350" indent="-514350">
+              <a:buAutoNum type="arabicParenR"/>
+            </a:pPr>
+            <a:r>
+              <a:rPr lang="ru-RU" sz="2800" dirty="0"/>
+              <a:t> </a:t>
+            </a:r>
+            <a:r>
+              <a:rPr lang="en-US" b="1" dirty="0">
+                <a:hlinkClick r:id="rId3"/>
+              </a:rPr>
+              <a:t>https://en.wikipedia.org/wiki/Payment_card_number</a:t>
+            </a:r>
+            <a:endParaRPr lang="ru-RU" b="1" dirty="0"/>
+          </a:p>
+          <a:p>
+            <a:pPr marL="514350" indent="-514350">
+              <a:buAutoNum type="arabicParenR"/>
+            </a:pPr>
+            <a:endParaRPr lang="ru-RU" sz="2800" b="1" dirty="0"/>
+          </a:p>
+        </p:txBody>
+      </p:sp>
+      <p:sp>
+        <p:nvSpPr>
+          <p:cNvPr id="10" name="TextBox 9"/>
+          <p:cNvSpPr txBox="1"/>
+          <p:nvPr/>
+        </p:nvSpPr>
+        <p:spPr>
+          <a:xfrm>
+            <a:off x="0" y="260648"/>
+            <a:ext cx="12192000" cy="646331"/>
+          </a:xfrm>
+          <a:prstGeom prst="rect">
+            <a:avLst/>
+          </a:prstGeom>
+          <a:noFill/>
+        </p:spPr>
+        <p:txBody>
+          <a:bodyPr wrap="square" rtlCol="0">
+            <a:spAutoFit/>
+          </a:bodyPr>
           <a:lstStyle/>
           <a:p>
             <a:pPr algn="ctr"/>
             <a:r>
-              <a:rPr lang="ru-RU" sz="6000" b="1" dirty="0">
-                <a:solidFill>
-                  <a:srgbClr val="FFC000"/>
+              <a:rPr lang="ru-RU" sz="3600" b="1" dirty="0"/>
+              <a:t>Домашнее задание </a:t>
+            </a:r>
+            <a:r>
+              <a:rPr lang="en-US" sz="3600" b="1" dirty="0">
+                <a:solidFill>
+                  <a:srgbClr val="00B050"/>
                 </a:solidFill>
               </a:rPr>
-              <a:t>Домашнее задание </a:t>
-            </a:r>
-          </a:p>
-          <a:p>
-            <a:pPr algn="ctr"/>
-            <a:r>
-              <a:rPr lang="ru-RU" sz="6000" b="1" dirty="0"/>
-              <a:t>/сделать</a:t>
-            </a:r>
-            <a:endParaRPr lang="uk-UA" sz="6000" b="1" dirty="0"/>
-          </a:p>
-        </p:txBody>
-      </p:sp>
+              <a:t>#B.3</a:t>
+            </a:r>
+            <a:r>
+              <a:rPr lang="en-US" sz="3600" b="1" dirty="0">
+                <a:solidFill>
+                  <a:schemeClr val="accent6">
+                    <a:lumMod val="75000"/>
+                  </a:schemeClr>
+                </a:solidFill>
+              </a:rPr>
+              <a:t> </a:t>
+            </a:r>
+            <a:r>
+              <a:rPr lang="en-US" sz="3600" b="1" dirty="0"/>
+              <a:t>|  </a:t>
+            </a:r>
+            <a:r>
+              <a:rPr lang="ru-RU" sz="3600" b="1" dirty="0"/>
+              <a:t>«Проверка номера карты»</a:t>
+            </a:r>
+            <a:endParaRPr lang="uk-UA" sz="3600" b="1" dirty="0"/>
+          </a:p>
+        </p:txBody>
+      </p:sp>
+      <p:pic>
+        <p:nvPicPr>
+          <p:cNvPr id="2" name="Picture 2" descr="Ð ÐµÐ·ÑÐ»ÑÑÐ°Ñ Ð¿Ð¾ÑÑÐºÑ Ð·Ð¾Ð±ÑÐ°Ð¶ÐµÐ½Ñ Ð·Ð° Ð·Ð°Ð¿Ð¸ÑÐ¾Ð¼ &quot;visa card&quot;"/>
+          <p:cNvPicPr>
+            <a:picLocks noChangeAspect="1" noChangeArrowheads="1"/>
+          </p:cNvPicPr>
+          <p:nvPr/>
+        </p:nvPicPr>
+        <p:blipFill rotWithShape="1">
+          <a:blip r:embed="rId4">
+            <a:extLst>
+              <a:ext uri="{28A0092B-C50C-407E-A947-70E740481C1C}">
+                <a14:useLocalDpi xmlns:a14="http://schemas.microsoft.com/office/drawing/2010/main" val="0"/>
+              </a:ext>
+            </a:extLst>
+          </a:blip>
+          <a:srcRect r="9844"/>
+          <a:stretch/>
+        </p:blipFill>
+        <p:spPr bwMode="auto">
+          <a:xfrm>
+            <a:off x="601878" y="3717032"/>
+            <a:ext cx="2999635" cy="1871527"/>
+          </a:xfrm>
+          <a:prstGeom prst="rect">
+            <a:avLst/>
+          </a:prstGeom>
+          <a:noFill/>
+          <a:extLst>
+            <a:ext uri="{909E8E84-426E-40DD-AFC4-6F175D3DCCD1}">
+              <a14:hiddenFill xmlns:a14="http://schemas.microsoft.com/office/drawing/2010/main">
+                <a:solidFill>
+                  <a:srgbClr val="FFFFFF"/>
+                </a:solidFill>
+              </a14:hiddenFill>
+            </a:ext>
+          </a:extLst>
+        </p:spPr>
+      </p:pic>
     </p:spTree>
     <p:extLst>
       <p:ext uri="{BB962C8B-B14F-4D97-AF65-F5344CB8AC3E}">
-        <p14:creationId xmlns:p14="http://schemas.microsoft.com/office/powerpoint/2010/main" val="2824575547"/>
+        <p14:creationId xmlns:p14="http://schemas.microsoft.com/office/powerpoint/2010/main" val="1809769971"/>
       </p:ext>
     </p:extLst>
   </p:cSld>
@@ -12632,7 +12861,41 @@
       </p:grpSpPr>
       <p:sp>
         <p:nvSpPr>
-          <p:cNvPr id="5" name="Номер слайда 36"/>
+          <p:cNvPr id="3" name="Заголовок 4"/>
+          <p:cNvSpPr>
+            <a:spLocks noGrp="1"/>
+          </p:cNvSpPr>
+          <p:nvPr>
+            <p:ph type="title"/>
+          </p:nvPr>
+        </p:nvSpPr>
+        <p:spPr>
+          <a:xfrm>
+            <a:off x="0" y="404664"/>
+            <a:ext cx="12192000" cy="1008112"/>
+          </a:xfrm>
+        </p:spPr>
+        <p:txBody>
+          <a:bodyPr>
+            <a:normAutofit/>
+          </a:bodyPr>
+          <a:lstStyle/>
+          <a:p>
+            <a:r>
+              <a:rPr lang="ru-RU" sz="3600" b="1" dirty="0"/>
+              <a:t>К домашнему заданию </a:t>
+            </a:r>
+            <a:r>
+              <a:rPr lang="en-US" sz="3600" b="1" dirty="0"/>
+              <a:t>#B.3</a:t>
+            </a:r>
+            <a:endParaRPr lang="uk-UA" sz="3600" b="1" dirty="0"/>
+          </a:p>
+        </p:txBody>
+      </p:sp>
+      <p:sp>
+        <p:nvSpPr>
+          <p:cNvPr id="6" name="Номер слайда 36"/>
           <p:cNvSpPr txBox="1">
             <a:spLocks/>
           </p:cNvSpPr>
@@ -12640,7 +12903,7 @@
         </p:nvSpPr>
         <p:spPr>
           <a:xfrm>
-            <a:off x="11214029" y="6237312"/>
+            <a:off x="11208568" y="6190853"/>
             <a:ext cx="648072" cy="432048"/>
           </a:xfrm>
           <a:prstGeom prst="roundRect">
@@ -12702,67 +12965,14 @@
       </p:sp>
       <p:sp>
         <p:nvSpPr>
-          <p:cNvPr id="6" name="Заголовок 20"/>
-          <p:cNvSpPr>
-            <a:spLocks noGrp="1"/>
-          </p:cNvSpPr>
-          <p:nvPr>
-            <p:ph type="title"/>
-          </p:nvPr>
-        </p:nvSpPr>
-        <p:spPr>
-          <a:xfrm>
-            <a:off x="0" y="0"/>
-            <a:ext cx="12192000" cy="1196752"/>
-          </a:xfrm>
-        </p:spPr>
-        <p:txBody>
-          <a:bodyPr>
-            <a:noAutofit/>
-          </a:bodyPr>
-          <a:lstStyle/>
-          <a:p>
-            <a:pPr algn="ctr"/>
-            <a:r>
-              <a:rPr lang="ru-RU" sz="4000" b="1" dirty="0">
-                <a:latin typeface="+mn-lt"/>
-              </a:rPr>
-              <a:t>Домашнее задание</a:t>
-            </a:r>
-            <a:r>
-              <a:rPr lang="en-US" sz="4000" b="1" dirty="0">
-                <a:latin typeface="+mn-lt"/>
-              </a:rPr>
-              <a:t> </a:t>
-            </a:r>
-            <a:r>
-              <a:rPr lang="en-US" sz="4000" b="1" dirty="0">
-                <a:solidFill>
-                  <a:srgbClr val="00B050"/>
-                </a:solidFill>
-                <a:latin typeface="+mn-lt"/>
-              </a:rPr>
-              <a:t>#B.1</a:t>
-            </a:r>
-            <a:endParaRPr lang="uk-UA" sz="4000" b="1" dirty="0">
-              <a:solidFill>
-                <a:srgbClr val="00B050"/>
-              </a:solidFill>
-              <a:latin typeface="+mn-lt"/>
-            </a:endParaRPr>
-          </a:p>
-        </p:txBody>
-      </p:sp>
-      <p:sp>
-        <p:nvSpPr>
-          <p:cNvPr id="7" name="Прямоугольник 6"/>
+          <p:cNvPr id="11" name="Прямоугольник 10"/>
           <p:cNvSpPr/>
           <p:nvPr/>
         </p:nvSpPr>
         <p:spPr>
           <a:xfrm>
-            <a:off x="5735960" y="1052736"/>
-            <a:ext cx="5991414" cy="5632311"/>
+            <a:off x="839416" y="4853406"/>
+            <a:ext cx="10801200" cy="1569660"/>
           </a:xfrm>
           <a:prstGeom prst="rect">
             <a:avLst/>
@@ -12772,470 +12982,183 @@
           <a:bodyPr wrap="square">
             <a:spAutoFit/>
           </a:bodyPr>
-          <a:lstStyle/>
-          <a:p>
-            <a:r>
-              <a:rPr lang="ru-RU" sz="2000" dirty="0"/>
-              <a:t>«Азбука пилотов» (или официально </a:t>
-            </a:r>
-            <a:r>
-              <a:rPr lang="ru-RU" sz="2000" b="1" dirty="0"/>
-              <a:t>фонетический алфавит ИКАО</a:t>
-            </a:r>
-            <a:r>
-              <a:rPr lang="ru-RU" sz="2000" dirty="0"/>
-              <a:t>) - стандартизированный способ прочтения букв алфавита английского языка в авиации. Каждая буква кодируется словом, которое при плохой связи позволяет с высокой вероятностью распознать букву которая передаётся. Ваша задача, написать скрипт, который будет переводить буквенно-цифровую комбинацию в набор слов из «азбуки пилотов». </a:t>
-            </a:r>
-          </a:p>
-          <a:p>
-            <a:endParaRPr lang="ru-RU" sz="2000" dirty="0"/>
-          </a:p>
-          <a:p>
-            <a:r>
-              <a:rPr lang="ru-RU" sz="2000" b="1" dirty="0"/>
-              <a:t>Например:</a:t>
-            </a:r>
-            <a:r>
-              <a:rPr lang="ru-RU" sz="2000" dirty="0"/>
-              <a:t> пользователь вводит комбинацию буквенно-цифровую, (буквы </a:t>
-            </a:r>
-            <a:r>
-              <a:rPr lang="ru-RU" sz="2000" b="1" dirty="0"/>
-              <a:t>только латинские</a:t>
-            </a:r>
-            <a:r>
-              <a:rPr lang="ru-RU" sz="2000" dirty="0"/>
-              <a:t>) (</a:t>
-            </a:r>
-            <a:r>
-              <a:rPr lang="ru-RU" sz="2000" b="1" dirty="0"/>
-              <a:t>например</a:t>
-            </a:r>
-            <a:r>
-              <a:rPr lang="ru-RU" sz="2000" dirty="0"/>
-              <a:t>: </a:t>
-            </a:r>
-            <a:r>
-              <a:rPr lang="en-US" sz="2000" b="1" dirty="0">
-                <a:solidFill>
-                  <a:srgbClr val="0070C0"/>
+          <a:lstStyle>
+            <a:defPPr>
+              <a:defRPr lang="uk-UA"/>
+            </a:defPPr>
+            <a:lvl1pPr marL="0" algn="l" defTabSz="914400" rtl="0" eaLnBrk="1" latinLnBrk="0" hangingPunct="1">
+              <a:defRPr sz="1800" kern="1200">
+                <a:solidFill>
+                  <a:schemeClr val="tx1"/>
+                </a:solidFill>
+                <a:latin typeface="+mn-lt"/>
+                <a:ea typeface="+mn-ea"/>
+                <a:cs typeface="+mn-cs"/>
+              </a:defRPr>
+            </a:lvl1pPr>
+            <a:lvl2pPr marL="457200" algn="l" defTabSz="914400" rtl="0" eaLnBrk="1" latinLnBrk="0" hangingPunct="1">
+              <a:defRPr sz="1800" kern="1200">
+                <a:solidFill>
+                  <a:schemeClr val="tx1"/>
+                </a:solidFill>
+                <a:latin typeface="+mn-lt"/>
+                <a:ea typeface="+mn-ea"/>
+                <a:cs typeface="+mn-cs"/>
+              </a:defRPr>
+            </a:lvl2pPr>
+            <a:lvl3pPr marL="914400" algn="l" defTabSz="914400" rtl="0" eaLnBrk="1" latinLnBrk="0" hangingPunct="1">
+              <a:defRPr sz="1800" kern="1200">
+                <a:solidFill>
+                  <a:schemeClr val="tx1"/>
+                </a:solidFill>
+                <a:latin typeface="+mn-lt"/>
+                <a:ea typeface="+mn-ea"/>
+                <a:cs typeface="+mn-cs"/>
+              </a:defRPr>
+            </a:lvl3pPr>
+            <a:lvl4pPr marL="1371600" algn="l" defTabSz="914400" rtl="0" eaLnBrk="1" latinLnBrk="0" hangingPunct="1">
+              <a:defRPr sz="1800" kern="1200">
+                <a:solidFill>
+                  <a:schemeClr val="tx1"/>
+                </a:solidFill>
+                <a:latin typeface="+mn-lt"/>
+                <a:ea typeface="+mn-ea"/>
+                <a:cs typeface="+mn-cs"/>
+              </a:defRPr>
+            </a:lvl4pPr>
+            <a:lvl5pPr marL="1828800" algn="l" defTabSz="914400" rtl="0" eaLnBrk="1" latinLnBrk="0" hangingPunct="1">
+              <a:defRPr sz="1800" kern="1200">
+                <a:solidFill>
+                  <a:schemeClr val="tx1"/>
+                </a:solidFill>
+                <a:latin typeface="+mn-lt"/>
+                <a:ea typeface="+mn-ea"/>
+                <a:cs typeface="+mn-cs"/>
+              </a:defRPr>
+            </a:lvl5pPr>
+            <a:lvl6pPr marL="2286000" algn="l" defTabSz="914400" rtl="0" eaLnBrk="1" latinLnBrk="0" hangingPunct="1">
+              <a:defRPr sz="1800" kern="1200">
+                <a:solidFill>
+                  <a:schemeClr val="tx1"/>
+                </a:solidFill>
+                <a:latin typeface="+mn-lt"/>
+                <a:ea typeface="+mn-ea"/>
+                <a:cs typeface="+mn-cs"/>
+              </a:defRPr>
+            </a:lvl6pPr>
+            <a:lvl7pPr marL="2743200" algn="l" defTabSz="914400" rtl="0" eaLnBrk="1" latinLnBrk="0" hangingPunct="1">
+              <a:defRPr sz="1800" kern="1200">
+                <a:solidFill>
+                  <a:schemeClr val="tx1"/>
+                </a:solidFill>
+                <a:latin typeface="+mn-lt"/>
+                <a:ea typeface="+mn-ea"/>
+                <a:cs typeface="+mn-cs"/>
+              </a:defRPr>
+            </a:lvl7pPr>
+            <a:lvl8pPr marL="3200400" algn="l" defTabSz="914400" rtl="0" eaLnBrk="1" latinLnBrk="0" hangingPunct="1">
+              <a:defRPr sz="1800" kern="1200">
+                <a:solidFill>
+                  <a:schemeClr val="tx1"/>
+                </a:solidFill>
+                <a:latin typeface="+mn-lt"/>
+                <a:ea typeface="+mn-ea"/>
+                <a:cs typeface="+mn-cs"/>
+              </a:defRPr>
+            </a:lvl8pPr>
+            <a:lvl9pPr marL="3657600" algn="l" defTabSz="914400" rtl="0" eaLnBrk="1" latinLnBrk="0" hangingPunct="1">
+              <a:defRPr sz="1800" kern="1200">
+                <a:solidFill>
+                  <a:schemeClr val="tx1"/>
+                </a:solidFill>
+                <a:latin typeface="+mn-lt"/>
+                <a:ea typeface="+mn-ea"/>
+                <a:cs typeface="+mn-cs"/>
+              </a:defRPr>
+            </a:lvl9pPr>
+          </a:lstStyle>
+          <a:p>
+            <a:r>
+              <a:rPr lang="ru-RU" sz="2400" b="1" dirty="0"/>
+              <a:t>В помощь</a:t>
+            </a:r>
+            <a:r>
+              <a:rPr lang="en-US" sz="2400" b="1" dirty="0"/>
+              <a:t>,</a:t>
+            </a:r>
+            <a:r>
+              <a:rPr lang="ru-RU" sz="2400" b="1" dirty="0"/>
+              <a:t> </a:t>
+            </a:r>
+            <a:r>
+              <a:rPr lang="ru-RU" sz="2400" dirty="0"/>
+              <a:t>генератор номеров банковских карт (</a:t>
+            </a:r>
+            <a:r>
+              <a:rPr lang="ru-RU" sz="2400" b="1" dirty="0">
+                <a:solidFill>
+                  <a:srgbClr val="FF0000"/>
                 </a:solidFill>
               </a:rPr>
-              <a:t>KL138</a:t>
-            </a:r>
-            <a:r>
-              <a:rPr lang="ru-RU" sz="2000" b="1" dirty="0">
-                <a:solidFill>
-                  <a:srgbClr val="0070C0"/>
-                </a:solidFill>
-              </a:rPr>
-              <a:t>6</a:t>
-            </a:r>
-            <a:r>
-              <a:rPr lang="ru-RU" sz="2000" dirty="0"/>
-              <a:t>),</a:t>
-            </a:r>
-            <a:r>
-              <a:rPr lang="en-US" sz="2000" b="1" dirty="0"/>
-              <a:t> </a:t>
-            </a:r>
-            <a:r>
-              <a:rPr lang="ru-RU" sz="2000" dirty="0"/>
-              <a:t>а скрипт выдает «расшифровку» в соответствии с алфавитом (</a:t>
-            </a:r>
-            <a:r>
-              <a:rPr lang="ru-RU" sz="2000" b="1" dirty="0"/>
-              <a:t>например</a:t>
-            </a:r>
-            <a:r>
-              <a:rPr lang="ru-RU" sz="2000" dirty="0"/>
-              <a:t>: </a:t>
-            </a:r>
-            <a:r>
-              <a:rPr lang="en-US" sz="2000" b="1" dirty="0">
-                <a:solidFill>
-                  <a:schemeClr val="accent6">
-                    <a:lumMod val="75000"/>
-                  </a:schemeClr>
-                </a:solidFill>
-              </a:rPr>
-              <a:t>Kilo Lima One Three</a:t>
-            </a:r>
-            <a:r>
-              <a:rPr lang="ru-RU" sz="2000" b="1" dirty="0">
-                <a:solidFill>
-                  <a:schemeClr val="accent6">
-                    <a:lumMod val="75000"/>
-                  </a:schemeClr>
+              <a:t>используйте для проверки</a:t>
+            </a:r>
+            <a:r>
+              <a:rPr lang="en-US" sz="2400" b="1" dirty="0">
+                <a:solidFill>
+                  <a:srgbClr val="FF0000"/>
                 </a:solidFill>
               </a:rPr>
               <a:t> </a:t>
             </a:r>
             <a:r>
-              <a:rPr lang="en-US" sz="2000" b="1" dirty="0">
-                <a:solidFill>
-                  <a:schemeClr val="accent6">
-                    <a:lumMod val="75000"/>
-                  </a:schemeClr>
+              <a:rPr lang="ru-RU" sz="2400" b="1" dirty="0">
+                <a:solidFill>
+                  <a:srgbClr val="FF0000"/>
                 </a:solidFill>
               </a:rPr>
-              <a:t>Eight</a:t>
-            </a:r>
-            <a:r>
-              <a:rPr lang="ru-RU" sz="2000" b="1" dirty="0">
-                <a:solidFill>
-                  <a:schemeClr val="accent6">
-                    <a:lumMod val="75000"/>
-                  </a:schemeClr>
-                </a:solidFill>
+              <a:t>работы вашего скрипта</a:t>
+            </a:r>
+            <a:r>
+              <a:rPr lang="ru-RU" sz="2400" dirty="0"/>
+              <a:t>): </a:t>
+            </a:r>
+            <a:r>
+              <a:rPr lang="en-US" sz="2400" b="1" dirty="0">
+                <a:hlinkClick r:id="rId2"/>
               </a:rPr>
-              <a:t> </a:t>
-            </a:r>
-            <a:r>
-              <a:rPr lang="en-US" sz="2000" b="1" dirty="0">
-                <a:solidFill>
-                  <a:schemeClr val="accent6">
-                    <a:lumMod val="75000"/>
-                  </a:schemeClr>
-                </a:solidFill>
-              </a:rPr>
-              <a:t>Six</a:t>
-            </a:r>
-            <a:r>
-              <a:rPr lang="ru-RU" sz="2000" dirty="0"/>
-              <a:t>). Регистр вводимой комбинации не должен влиять на результат (т.е. большие и маленькие буквы дают один и тот же результат).</a:t>
-            </a:r>
+              <a:t>https://www.freeformatter.com/credit-card-number-generator-validator.html</a:t>
+            </a:r>
+            <a:endParaRPr lang="en-US" sz="2400" b="1" dirty="0"/>
+          </a:p>
+          <a:p>
+            <a:endParaRPr lang="uk-UA" sz="2400" dirty="0"/>
           </a:p>
         </p:txBody>
       </p:sp>
       <p:pic>
         <p:nvPicPr>
-          <p:cNvPr id="4" name="Picture 2" descr="https://res.cloudinary.com/teepublic/image/private/s--K-Y9GIRh--/t_Preview/b_rgb:ffffff,c_limit,f_jpg,h_630,q_90,w_630/v1555171676/production/designs/4632302_0.jpg"/>
+          <p:cNvPr id="2" name="Рисунок 1"/>
           <p:cNvPicPr>
-            <a:picLocks noChangeAspect="1" noChangeArrowheads="1"/>
+            <a:picLocks noChangeAspect="1"/>
           </p:cNvPicPr>
           <p:nvPr/>
         </p:nvPicPr>
         <p:blipFill>
-          <a:blip r:embed="rId2">
-            <a:extLst>
-              <a:ext uri="{28A0092B-C50C-407E-A947-70E740481C1C}">
-                <a14:useLocalDpi xmlns:a14="http://schemas.microsoft.com/office/drawing/2010/main" val="0"/>
-              </a:ext>
-            </a:extLst>
-          </a:blip>
-          <a:srcRect/>
+          <a:blip r:embed="rId3"/>
           <a:stretch>
             <a:fillRect/>
           </a:stretch>
         </p:blipFill>
-        <p:spPr bwMode="auto">
-          <a:xfrm>
-            <a:off x="335359" y="1067484"/>
-            <a:ext cx="5457859" cy="5457859"/>
-          </a:xfrm>
-          <a:prstGeom prst="rect">
-            <a:avLst/>
-          </a:prstGeom>
-          <a:noFill/>
-          <a:extLst>
-            <a:ext uri="{909E8E84-426E-40DD-AFC4-6F175D3DCCD1}">
-              <a14:hiddenFill xmlns:a14="http://schemas.microsoft.com/office/drawing/2010/main">
-                <a:solidFill>
-                  <a:srgbClr val="FFFFFF"/>
-                </a:solidFill>
-              </a14:hiddenFill>
-            </a:ext>
-          </a:extLst>
-        </p:spPr>
-      </p:pic>
-    </p:spTree>
-    <p:extLst>
-      <p:ext uri="{BB962C8B-B14F-4D97-AF65-F5344CB8AC3E}">
-        <p14:creationId xmlns:p14="http://schemas.microsoft.com/office/powerpoint/2010/main" val="452571319"/>
-      </p:ext>
-    </p:extLst>
-  </p:cSld>
-  <p:clrMapOvr>
-    <a:masterClrMapping/>
-  </p:clrMapOvr>
-</p:sld>
-</file>
-
-<file path=ppt/slides/slide39.xml><?xml version="1.0" encoding="utf-8"?>
-<p:sld xmlns:a="http://schemas.openxmlformats.org/drawingml/2006/main" xmlns:r="http://schemas.openxmlformats.org/officeDocument/2006/relationships" xmlns:p="http://schemas.openxmlformats.org/presentationml/2006/main">
-  <p:cSld>
-    <p:spTree>
-      <p:nvGrpSpPr>
-        <p:cNvPr id="1" name=""/>
-        <p:cNvGrpSpPr/>
-        <p:nvPr/>
-      </p:nvGrpSpPr>
-      <p:grpSpPr>
-        <a:xfrm>
-          <a:off x="0" y="0"/>
-          <a:ext cx="0" cy="0"/>
-          <a:chOff x="0" y="0"/>
-          <a:chExt cx="0" cy="0"/>
-        </a:xfrm>
-      </p:grpSpPr>
-      <p:sp>
-        <p:nvSpPr>
-          <p:cNvPr id="15" name="Номер слайда 36"/>
-          <p:cNvSpPr txBox="1">
-            <a:spLocks/>
-          </p:cNvSpPr>
-          <p:nvPr/>
-        </p:nvSpPr>
-        <p:spPr>
-          <a:xfrm>
-            <a:off x="11208568" y="6237311"/>
-            <a:ext cx="648072" cy="432048"/>
-          </a:xfrm>
-          <a:prstGeom prst="roundRect">
-            <a:avLst/>
-          </a:prstGeom>
-          <a:ln w="25400" cap="flat" cmpd="sng" algn="ctr">
-            <a:solidFill>
-              <a:schemeClr val="tx2">
-                <a:lumMod val="60000"/>
-                <a:lumOff val="40000"/>
-              </a:schemeClr>
-            </a:solidFill>
-            <a:prstDash val="solid"/>
-          </a:ln>
-        </p:spPr>
-        <p:style>
-          <a:lnRef idx="2">
-            <a:schemeClr val="accent1"/>
-          </a:lnRef>
-          <a:fillRef idx="1">
-            <a:schemeClr val="lt1"/>
-          </a:fillRef>
-          <a:effectRef idx="0">
-            <a:schemeClr val="accent1"/>
-          </a:effectRef>
-          <a:fontRef idx="minor">
-            <a:schemeClr val="dk1"/>
-          </a:fontRef>
-        </p:style>
-        <p:txBody>
-          <a:bodyPr vert="horz" lIns="91440" tIns="45720" rIns="91440" bIns="45720" rtlCol="0" anchor="ctr"/>
-          <a:lstStyle/>
-          <a:p>
-            <a:pPr algn="ctr">
-              <a:defRPr/>
-            </a:pPr>
-            <a:fld id="{6389AA22-90B4-448C-8B6B-C699140D38B9}" type="slidenum">
-              <a:rPr lang="uk-UA" sz="2400" b="1">
-                <a:solidFill>
-                  <a:schemeClr val="bg1">
-                    <a:lumMod val="50000"/>
-                  </a:schemeClr>
-                </a:solidFill>
-              </a:rPr>
-              <a:pPr algn="ctr">
-                <a:defRPr/>
-              </a:pPr>
-              <a:t>39</a:t>
-            </a:fld>
-            <a:endParaRPr lang="uk-UA" sz="2400" b="1" dirty="0">
-              <a:solidFill>
-                <a:schemeClr val="bg1">
-                  <a:lumMod val="50000"/>
-                </a:schemeClr>
-              </a:solidFill>
-            </a:endParaRPr>
-          </a:p>
-        </p:txBody>
-      </p:sp>
-      <p:sp>
-        <p:nvSpPr>
-          <p:cNvPr id="5" name="Заголовок 4"/>
-          <p:cNvSpPr>
-            <a:spLocks noGrp="1"/>
-          </p:cNvSpPr>
-          <p:nvPr>
-            <p:ph type="title"/>
-          </p:nvPr>
-        </p:nvSpPr>
-        <p:spPr>
-          <a:xfrm>
-            <a:off x="0" y="269776"/>
-            <a:ext cx="12192000" cy="710952"/>
-          </a:xfrm>
-        </p:spPr>
-        <p:txBody>
-          <a:bodyPr>
-            <a:normAutofit/>
-          </a:bodyPr>
-          <a:lstStyle/>
-          <a:p>
-            <a:r>
-              <a:rPr lang="ru-RU" sz="4000" b="1" dirty="0"/>
-              <a:t>Домашнее задание </a:t>
-            </a:r>
-            <a:r>
-              <a:rPr lang="en-US" sz="4000" b="1" dirty="0">
-                <a:solidFill>
-                  <a:srgbClr val="00B050"/>
-                </a:solidFill>
-              </a:rPr>
-              <a:t>#B.2</a:t>
-            </a:r>
-            <a:endParaRPr lang="ru-RU" sz="4000" b="1" dirty="0">
-              <a:solidFill>
-                <a:schemeClr val="accent6">
-                  <a:lumMod val="75000"/>
-                </a:schemeClr>
-              </a:solidFill>
-            </a:endParaRPr>
-          </a:p>
-        </p:txBody>
-      </p:sp>
-      <p:sp>
-        <p:nvSpPr>
-          <p:cNvPr id="2" name="Прямоугольник 1"/>
-          <p:cNvSpPr/>
-          <p:nvPr/>
-        </p:nvSpPr>
-        <p:spPr>
-          <a:xfrm>
-            <a:off x="4943872" y="1196752"/>
-            <a:ext cx="6552728" cy="3539430"/>
-          </a:xfrm>
-          <a:prstGeom prst="rect">
-            <a:avLst/>
-          </a:prstGeom>
-        </p:spPr>
-        <p:txBody>
-          <a:bodyPr wrap="square">
-            <a:spAutoFit/>
-          </a:bodyPr>
-          <a:lstStyle/>
-          <a:p>
-            <a:r>
-              <a:rPr lang="ru-RU" sz="2800" dirty="0"/>
-              <a:t>Написать скрипт которые будет словами записывать сумму заданную числом которое ввёл пользователь в пределах от 1 до 999</a:t>
-            </a:r>
-            <a:r>
-              <a:rPr lang="en-US" sz="2800" dirty="0"/>
-              <a:t> (</a:t>
-            </a:r>
-            <a:r>
-              <a:rPr lang="ru-RU" sz="2800" dirty="0"/>
-              <a:t>включительно</a:t>
-            </a:r>
-            <a:r>
-              <a:rPr lang="en-US" sz="2800" dirty="0"/>
-              <a:t>)</a:t>
-            </a:r>
-            <a:r>
-              <a:rPr lang="ru-RU" sz="2800" dirty="0"/>
-              <a:t>. Например </a:t>
-            </a:r>
-            <a:r>
-              <a:rPr lang="ru-RU" sz="2800" b="1" dirty="0">
-                <a:solidFill>
-                  <a:srgbClr val="0070C0"/>
-                </a:solidFill>
-              </a:rPr>
-              <a:t>643</a:t>
-            </a:r>
-            <a:r>
-              <a:rPr lang="ru-RU" sz="2800" dirty="0"/>
-              <a:t> =</a:t>
-            </a:r>
-            <a:r>
-              <a:rPr lang="en-US" sz="2800" dirty="0"/>
-              <a:t>&gt; </a:t>
-            </a:r>
-            <a:r>
-              <a:rPr lang="ru-RU" sz="2800" dirty="0"/>
-              <a:t>«</a:t>
-            </a:r>
-            <a:r>
-              <a:rPr lang="ru-RU" sz="2800" b="1" dirty="0">
-                <a:solidFill>
-                  <a:srgbClr val="00B050"/>
-                </a:solidFill>
-              </a:rPr>
-              <a:t>шестьсот сорок три</a:t>
-            </a:r>
-            <a:r>
-              <a:rPr lang="en-US" sz="2800" b="1" dirty="0">
-                <a:solidFill>
-                  <a:srgbClr val="00B050"/>
-                </a:solidFill>
-              </a:rPr>
-              <a:t> </a:t>
-            </a:r>
-            <a:r>
-              <a:rPr lang="ru-RU" sz="2800" b="1" dirty="0">
-                <a:solidFill>
-                  <a:srgbClr val="00B050"/>
-                </a:solidFill>
-              </a:rPr>
-              <a:t>гривны</a:t>
-            </a:r>
-            <a:r>
-              <a:rPr lang="ru-RU" sz="2800" dirty="0"/>
-              <a:t>»  </a:t>
-            </a:r>
-            <a:r>
-              <a:rPr lang="ru-RU" sz="2800" i="1" dirty="0"/>
-              <a:t>(не забывая добавлять слово </a:t>
-            </a:r>
-            <a:r>
-              <a:rPr lang="ru-RU" sz="2800" b="1" i="1" dirty="0"/>
-              <a:t>гривен</a:t>
-            </a:r>
-            <a:r>
-              <a:rPr lang="ru-RU" sz="2800" i="1" dirty="0"/>
-              <a:t>, </a:t>
-            </a:r>
-            <a:r>
-              <a:rPr lang="ru-RU" sz="2800" b="1" i="1" dirty="0"/>
-              <a:t>гривна</a:t>
-            </a:r>
-            <a:r>
-              <a:rPr lang="ru-RU" sz="2800" i="1" dirty="0"/>
-              <a:t> и т.д. в зависимости от необходимого склонения).</a:t>
-            </a:r>
-          </a:p>
-        </p:txBody>
-      </p:sp>
-      <p:pic>
-        <p:nvPicPr>
-          <p:cNvPr id="3076" name="Picture 4" descr="https://scontent.fdnk3-2.fna.fbcdn.net/v/t1.0-9/20621100_1631429633535214_6800378863909335045_n.jpg?_nc_cat=108&amp;_nc_ohc=bLA3_ufcjZQAQmyLlGIYeJM5SjNBuLX3nI7DjccFy4NJvqIiV1JXwP1yA&amp;_nc_ht=scontent.fdnk3-2.fna&amp;oh=63da0686bbc4684db6d8427f65657ff7&amp;oe=5E439A27"/>
-          <p:cNvPicPr>
-            <a:picLocks noChangeAspect="1" noChangeArrowheads="1"/>
-          </p:cNvPicPr>
-          <p:nvPr/>
-        </p:nvPicPr>
-        <p:blipFill rotWithShape="1">
-          <a:blip r:embed="rId2">
-            <a:extLst>
-              <a:ext uri="{28A0092B-C50C-407E-A947-70E740481C1C}">
-                <a14:useLocalDpi xmlns:a14="http://schemas.microsoft.com/office/drawing/2010/main" val="0"/>
-              </a:ext>
-            </a:extLst>
-          </a:blip>
-          <a:srcRect r="46072"/>
-          <a:stretch/>
-        </p:blipFill>
-        <p:spPr bwMode="auto">
-          <a:xfrm>
-            <a:off x="767408" y="1124743"/>
-            <a:ext cx="3734571" cy="4896544"/>
+        <p:spPr>
+          <a:xfrm>
+            <a:off x="0" y="1772816"/>
+            <a:ext cx="12192000" cy="2592288"/>
           </a:xfrm>
           <a:prstGeom prst="rect">
             <a:avLst/>
           </a:prstGeom>
           <a:ln>
-            <a:solidFill>
-              <a:srgbClr val="92D050"/>
-            </a:solidFill>
+            <a:noFill/>
           </a:ln>
           <a:effectLst>
             <a:outerShdw blurRad="292100" dist="139700" dir="2700000" algn="tl" rotWithShape="0">
@@ -13244,92 +13167,12 @@
               </a:srgbClr>
             </a:outerShdw>
           </a:effectLst>
-          <a:extLst>
-            <a:ext uri="{909E8E84-426E-40DD-AFC4-6F175D3DCCD1}">
-              <a14:hiddenFill xmlns:a14="http://schemas.microsoft.com/office/drawing/2010/main">
-                <a:solidFill>
-                  <a:srgbClr val="FFFFFF"/>
-                </a:solidFill>
-              </a14:hiddenFill>
-            </a:ext>
-          </a:extLst>
         </p:spPr>
       </p:pic>
-      <p:sp>
-        <p:nvSpPr>
-          <p:cNvPr id="3" name="TextBox 2">
-            <a:extLst>
-              <a:ext uri="{FF2B5EF4-FFF2-40B4-BE49-F238E27FC236}">
-                <a16:creationId xmlns:a16="http://schemas.microsoft.com/office/drawing/2014/main" id="{F253B2DA-6B2A-4BE0-BA3F-92AEE9284C05}"/>
-              </a:ext>
-            </a:extLst>
-          </p:cNvPr>
-          <p:cNvSpPr txBox="1"/>
-          <p:nvPr/>
-        </p:nvSpPr>
-        <p:spPr>
-          <a:xfrm>
-            <a:off x="5015881" y="5013176"/>
-            <a:ext cx="5832648" cy="1200329"/>
-          </a:xfrm>
-          <a:prstGeom prst="rect">
-            <a:avLst/>
-          </a:prstGeom>
-          <a:solidFill>
-            <a:schemeClr val="accent6">
-              <a:lumMod val="20000"/>
-              <a:lumOff val="80000"/>
-            </a:schemeClr>
-          </a:solidFill>
-        </p:spPr>
-        <p:style>
-          <a:lnRef idx="2">
-            <a:schemeClr val="accent6"/>
-          </a:lnRef>
-          <a:fillRef idx="1">
-            <a:schemeClr val="lt1"/>
-          </a:fillRef>
-          <a:effectRef idx="0">
-            <a:schemeClr val="accent6"/>
-          </a:effectRef>
-          <a:fontRef idx="minor">
-            <a:schemeClr val="dk1"/>
-          </a:fontRef>
-        </p:style>
-        <p:txBody>
-          <a:bodyPr wrap="square" rtlCol="0">
-            <a:spAutoFit/>
-          </a:bodyPr>
-          <a:lstStyle/>
-          <a:p>
-            <a:r>
-              <a:rPr lang="ru-RU" sz="2400" dirty="0"/>
-              <a:t>Если задача решилась быстро и просто, то – расширяем диапазон от </a:t>
-            </a:r>
-            <a:r>
-              <a:rPr lang="ru-RU" sz="2400" b="1" dirty="0"/>
-              <a:t>1</a:t>
-            </a:r>
-            <a:r>
-              <a:rPr lang="ru-RU" sz="2400" dirty="0"/>
-              <a:t> до </a:t>
-            </a:r>
-            <a:r>
-              <a:rPr lang="ru-RU" sz="2400" b="1" dirty="0"/>
-              <a:t>999 999 999 гривен</a:t>
-            </a:r>
-            <a:r>
-              <a:rPr lang="ru-RU" sz="2400" dirty="0"/>
-              <a:t>.</a:t>
-            </a:r>
-            <a:endParaRPr lang="uk-UA" sz="2400" dirty="0"/>
-          </a:p>
-        </p:txBody>
-      </p:sp>
     </p:spTree>
     <p:extLst>
       <p:ext uri="{BB962C8B-B14F-4D97-AF65-F5344CB8AC3E}">
-        <p14:creationId xmlns:p14="http://schemas.microsoft.com/office/powerpoint/2010/main" val="1072141460"/>
+        <p14:creationId xmlns:p14="http://schemas.microsoft.com/office/powerpoint/2010/main" val="1245348439"/>
       </p:ext>
     </p:extLst>
   </p:cSld>
@@ -13639,711 +13482,6 @@
     <p:extLst>
       <p:ext uri="{BB962C8B-B14F-4D97-AF65-F5344CB8AC3E}">
         <p14:creationId xmlns:p14="http://schemas.microsoft.com/office/powerpoint/2010/main" val="2396747633"/>
-      </p:ext>
-    </p:extLst>
-  </p:cSld>
-  <p:clrMapOvr>
-    <a:masterClrMapping/>
-  </p:clrMapOvr>
-</p:sld>
-</file>
-
-<file path=ppt/slides/slide40.xml><?xml version="1.0" encoding="utf-8"?>
-<p:sld xmlns:a="http://schemas.openxmlformats.org/drawingml/2006/main" xmlns:r="http://schemas.openxmlformats.org/officeDocument/2006/relationships" xmlns:p="http://schemas.openxmlformats.org/presentationml/2006/main">
-  <p:cSld>
-    <p:spTree>
-      <p:nvGrpSpPr>
-        <p:cNvPr id="1" name=""/>
-        <p:cNvGrpSpPr/>
-        <p:nvPr/>
-      </p:nvGrpSpPr>
-      <p:grpSpPr>
-        <a:xfrm>
-          <a:off x="0" y="0"/>
-          <a:ext cx="0" cy="0"/>
-          <a:chOff x="0" y="0"/>
-          <a:chExt cx="0" cy="0"/>
-        </a:xfrm>
-      </p:grpSpPr>
-      <p:sp>
-        <p:nvSpPr>
-          <p:cNvPr id="6" name="Номер слайда 36"/>
-          <p:cNvSpPr txBox="1">
-            <a:spLocks/>
-          </p:cNvSpPr>
-          <p:nvPr/>
-        </p:nvSpPr>
-        <p:spPr>
-          <a:xfrm>
-            <a:off x="11111880" y="6205954"/>
-            <a:ext cx="648072" cy="432048"/>
-          </a:xfrm>
-          <a:prstGeom prst="roundRect">
-            <a:avLst/>
-          </a:prstGeom>
-          <a:ln w="25400" cap="flat" cmpd="sng" algn="ctr">
-            <a:solidFill>
-              <a:schemeClr val="tx2">
-                <a:lumMod val="60000"/>
-                <a:lumOff val="40000"/>
-              </a:schemeClr>
-            </a:solidFill>
-            <a:prstDash val="solid"/>
-          </a:ln>
-        </p:spPr>
-        <p:style>
-          <a:lnRef idx="2">
-            <a:schemeClr val="accent1"/>
-          </a:lnRef>
-          <a:fillRef idx="1">
-            <a:schemeClr val="lt1"/>
-          </a:fillRef>
-          <a:effectRef idx="0">
-            <a:schemeClr val="accent1"/>
-          </a:effectRef>
-          <a:fontRef idx="minor">
-            <a:schemeClr val="dk1"/>
-          </a:fontRef>
-        </p:style>
-        <p:txBody>
-          <a:bodyPr vert="horz" lIns="91440" tIns="45720" rIns="91440" bIns="45720" rtlCol="0" anchor="ctr"/>
-          <a:lstStyle/>
-          <a:p>
-            <a:pPr algn="ctr">
-              <a:defRPr/>
-            </a:pPr>
-            <a:fld id="{6389AA22-90B4-448C-8B6B-C699140D38B9}" type="slidenum">
-              <a:rPr lang="uk-UA" sz="2400" b="1">
-                <a:solidFill>
-                  <a:schemeClr val="bg1">
-                    <a:lumMod val="50000"/>
-                  </a:schemeClr>
-                </a:solidFill>
-              </a:rPr>
-              <a:pPr algn="ctr">
-                <a:defRPr/>
-              </a:pPr>
-              <a:t>40</a:t>
-            </a:fld>
-            <a:endParaRPr lang="uk-UA" sz="2400" b="1" dirty="0">
-              <a:solidFill>
-                <a:schemeClr val="bg1">
-                  <a:lumMod val="50000"/>
-                </a:schemeClr>
-              </a:solidFill>
-            </a:endParaRPr>
-          </a:p>
-        </p:txBody>
-      </p:sp>
-      <p:pic>
-        <p:nvPicPr>
-          <p:cNvPr id="1026" name="Picture 2" descr="http://rewards.mastercard.ua/uploads/picture/pK4EUgwiN3yd5GnL6qp8_1678/master_blue.png"/>
-          <p:cNvPicPr>
-            <a:picLocks noChangeAspect="1" noChangeArrowheads="1"/>
-          </p:cNvPicPr>
-          <p:nvPr/>
-        </p:nvPicPr>
-        <p:blipFill>
-          <a:blip r:embed="rId2">
-            <a:extLst>
-              <a:ext uri="{28A0092B-C50C-407E-A947-70E740481C1C}">
-                <a14:useLocalDpi xmlns:a14="http://schemas.microsoft.com/office/drawing/2010/main" val="0"/>
-              </a:ext>
-            </a:extLst>
-          </a:blip>
-          <a:srcRect/>
-          <a:stretch>
-            <a:fillRect/>
-          </a:stretch>
-        </p:blipFill>
-        <p:spPr bwMode="auto">
-          <a:xfrm>
-            <a:off x="505168" y="1335205"/>
-            <a:ext cx="3142559" cy="2021787"/>
-          </a:xfrm>
-          <a:prstGeom prst="rect">
-            <a:avLst/>
-          </a:prstGeom>
-          <a:noFill/>
-          <a:extLst>
-            <a:ext uri="{909E8E84-426E-40DD-AFC4-6F175D3DCCD1}">
-              <a14:hiddenFill xmlns:a14="http://schemas.microsoft.com/office/drawing/2010/main">
-                <a:solidFill>
-                  <a:srgbClr val="FFFFFF"/>
-                </a:solidFill>
-              </a14:hiddenFill>
-            </a:ext>
-          </a:extLst>
-        </p:spPr>
-      </p:pic>
-      <p:sp>
-        <p:nvSpPr>
-          <p:cNvPr id="7" name="TextBox 6"/>
-          <p:cNvSpPr txBox="1"/>
-          <p:nvPr/>
-        </p:nvSpPr>
-        <p:spPr>
-          <a:xfrm>
-            <a:off x="4439816" y="1628800"/>
-            <a:ext cx="6264696" cy="4401205"/>
-          </a:xfrm>
-          <a:prstGeom prst="rect">
-            <a:avLst/>
-          </a:prstGeom>
-          <a:noFill/>
-        </p:spPr>
-        <p:txBody>
-          <a:bodyPr wrap="square" rtlCol="0">
-            <a:spAutoFit/>
-          </a:bodyPr>
-          <a:lstStyle/>
-          <a:p>
-            <a:r>
-              <a:rPr lang="ru-RU" sz="2800" b="1" dirty="0">
-                <a:solidFill>
-                  <a:srgbClr val="0070C0"/>
-                </a:solidFill>
-              </a:rPr>
-              <a:t>Задача: </a:t>
-            </a:r>
-            <a:r>
-              <a:rPr lang="ru-RU" sz="2800" dirty="0"/>
-              <a:t>Пользователь вводит </a:t>
-            </a:r>
-            <a:r>
-              <a:rPr lang="ru-RU" sz="2800" b="1" dirty="0"/>
-              <a:t>номер банковской карты</a:t>
-            </a:r>
-            <a:r>
-              <a:rPr lang="ru-RU" sz="2800" dirty="0"/>
-              <a:t>, необходимо проверить </a:t>
-            </a:r>
-            <a:r>
-              <a:rPr lang="ru-RU" sz="2800" b="1" dirty="0"/>
-              <a:t>корректный он или нет</a:t>
-            </a:r>
-            <a:r>
-              <a:rPr lang="ru-RU" sz="2800" dirty="0"/>
-              <a:t>. И определить тип платёжной системы: </a:t>
-            </a:r>
-            <a:r>
-              <a:rPr lang="en-US" sz="2800" b="1" dirty="0"/>
-              <a:t>Visa, Mastercard, Maestro</a:t>
-            </a:r>
-            <a:r>
-              <a:rPr lang="ru-RU" sz="2800" b="1" dirty="0"/>
-              <a:t> или Другая</a:t>
-            </a:r>
-            <a:r>
-              <a:rPr lang="ru-RU" sz="2800" dirty="0"/>
-              <a:t>.</a:t>
-            </a:r>
-          </a:p>
-          <a:p>
-            <a:endParaRPr lang="ru-RU" sz="2800" dirty="0"/>
-          </a:p>
-          <a:p>
-            <a:r>
-              <a:rPr lang="ru-RU" sz="2800" b="1" dirty="0">
-                <a:solidFill>
-                  <a:schemeClr val="accent6">
-                    <a:lumMod val="75000"/>
-                  </a:schemeClr>
-                </a:solidFill>
-              </a:rPr>
-              <a:t>Подсказки:</a:t>
-            </a:r>
-            <a:r>
-              <a:rPr lang="en-US" sz="2800" b="1" dirty="0">
-                <a:solidFill>
-                  <a:schemeClr val="accent6">
-                    <a:lumMod val="75000"/>
-                  </a:schemeClr>
-                </a:solidFill>
-              </a:rPr>
-              <a:t> </a:t>
-            </a:r>
-            <a:endParaRPr lang="ru-RU" sz="2800" b="1" dirty="0">
-              <a:solidFill>
-                <a:schemeClr val="accent6">
-                  <a:lumMod val="75000"/>
-                </a:schemeClr>
-              </a:solidFill>
-            </a:endParaRPr>
-          </a:p>
-          <a:p>
-            <a:pPr marL="514350" indent="-514350">
-              <a:buAutoNum type="arabicParenR"/>
-            </a:pPr>
-            <a:r>
-              <a:rPr lang="ru-RU" sz="2800" dirty="0"/>
-              <a:t> Алгоритм Луна;</a:t>
-            </a:r>
-          </a:p>
-          <a:p>
-            <a:pPr marL="514350" indent="-514350">
-              <a:buAutoNum type="arabicParenR"/>
-            </a:pPr>
-            <a:r>
-              <a:rPr lang="ru-RU" sz="2800" dirty="0"/>
-              <a:t> </a:t>
-            </a:r>
-            <a:r>
-              <a:rPr lang="en-US" b="1" dirty="0">
-                <a:hlinkClick r:id="rId3"/>
-              </a:rPr>
-              <a:t>https://en.wikipedia.org/wiki/Payment_card_number</a:t>
-            </a:r>
-            <a:endParaRPr lang="ru-RU" b="1" dirty="0"/>
-          </a:p>
-          <a:p>
-            <a:pPr marL="514350" indent="-514350">
-              <a:buAutoNum type="arabicParenR"/>
-            </a:pPr>
-            <a:endParaRPr lang="ru-RU" sz="2800" b="1" dirty="0"/>
-          </a:p>
-        </p:txBody>
-      </p:sp>
-      <p:sp>
-        <p:nvSpPr>
-          <p:cNvPr id="10" name="TextBox 9"/>
-          <p:cNvSpPr txBox="1"/>
-          <p:nvPr/>
-        </p:nvSpPr>
-        <p:spPr>
-          <a:xfrm>
-            <a:off x="0" y="260648"/>
-            <a:ext cx="12192000" cy="646331"/>
-          </a:xfrm>
-          <a:prstGeom prst="rect">
-            <a:avLst/>
-          </a:prstGeom>
-          <a:noFill/>
-        </p:spPr>
-        <p:txBody>
-          <a:bodyPr wrap="square" rtlCol="0">
-            <a:spAutoFit/>
-          </a:bodyPr>
-          <a:lstStyle/>
-          <a:p>
-            <a:pPr algn="ctr"/>
-            <a:r>
-              <a:rPr lang="ru-RU" sz="3600" b="1" dirty="0"/>
-              <a:t>Домашнее задание </a:t>
-            </a:r>
-            <a:r>
-              <a:rPr lang="en-US" sz="3600" b="1" dirty="0">
-                <a:solidFill>
-                  <a:srgbClr val="00B050"/>
-                </a:solidFill>
-              </a:rPr>
-              <a:t>#B.3</a:t>
-            </a:r>
-            <a:r>
-              <a:rPr lang="en-US" sz="3600" b="1" dirty="0">
-                <a:solidFill>
-                  <a:schemeClr val="accent6">
-                    <a:lumMod val="75000"/>
-                  </a:schemeClr>
-                </a:solidFill>
-              </a:rPr>
-              <a:t> </a:t>
-            </a:r>
-            <a:r>
-              <a:rPr lang="en-US" sz="3600" b="1" dirty="0"/>
-              <a:t>|  </a:t>
-            </a:r>
-            <a:r>
-              <a:rPr lang="ru-RU" sz="3600" b="1" dirty="0"/>
-              <a:t>«Проверка номера карты»</a:t>
-            </a:r>
-            <a:endParaRPr lang="uk-UA" sz="3600" b="1" dirty="0"/>
-          </a:p>
-        </p:txBody>
-      </p:sp>
-      <p:pic>
-        <p:nvPicPr>
-          <p:cNvPr id="2" name="Picture 2" descr="Ð ÐµÐ·ÑÐ»ÑÑÐ°Ñ Ð¿Ð¾ÑÑÐºÑ Ð·Ð¾Ð±ÑÐ°Ð¶ÐµÐ½Ñ Ð·Ð° Ð·Ð°Ð¿Ð¸ÑÐ¾Ð¼ &quot;visa card&quot;"/>
-          <p:cNvPicPr>
-            <a:picLocks noChangeAspect="1" noChangeArrowheads="1"/>
-          </p:cNvPicPr>
-          <p:nvPr/>
-        </p:nvPicPr>
-        <p:blipFill rotWithShape="1">
-          <a:blip r:embed="rId4">
-            <a:extLst>
-              <a:ext uri="{28A0092B-C50C-407E-A947-70E740481C1C}">
-                <a14:useLocalDpi xmlns:a14="http://schemas.microsoft.com/office/drawing/2010/main" val="0"/>
-              </a:ext>
-            </a:extLst>
-          </a:blip>
-          <a:srcRect r="9844"/>
-          <a:stretch/>
-        </p:blipFill>
-        <p:spPr bwMode="auto">
-          <a:xfrm>
-            <a:off x="601878" y="3717032"/>
-            <a:ext cx="2999635" cy="1871527"/>
-          </a:xfrm>
-          <a:prstGeom prst="rect">
-            <a:avLst/>
-          </a:prstGeom>
-          <a:noFill/>
-          <a:extLst>
-            <a:ext uri="{909E8E84-426E-40DD-AFC4-6F175D3DCCD1}">
-              <a14:hiddenFill xmlns:a14="http://schemas.microsoft.com/office/drawing/2010/main">
-                <a:solidFill>
-                  <a:srgbClr val="FFFFFF"/>
-                </a:solidFill>
-              </a14:hiddenFill>
-            </a:ext>
-          </a:extLst>
-        </p:spPr>
-      </p:pic>
-    </p:spTree>
-    <p:extLst>
-      <p:ext uri="{BB962C8B-B14F-4D97-AF65-F5344CB8AC3E}">
-        <p14:creationId xmlns:p14="http://schemas.microsoft.com/office/powerpoint/2010/main" val="1809769971"/>
-      </p:ext>
-    </p:extLst>
-  </p:cSld>
-  <p:clrMapOvr>
-    <a:masterClrMapping/>
-  </p:clrMapOvr>
-</p:sld>
-</file>
-
-<file path=ppt/slides/slide41.xml><?xml version="1.0" encoding="utf-8"?>
-<p:sld xmlns:a="http://schemas.openxmlformats.org/drawingml/2006/main" xmlns:r="http://schemas.openxmlformats.org/officeDocument/2006/relationships" xmlns:p="http://schemas.openxmlformats.org/presentationml/2006/main">
-  <p:cSld>
-    <p:spTree>
-      <p:nvGrpSpPr>
-        <p:cNvPr id="1" name=""/>
-        <p:cNvGrpSpPr/>
-        <p:nvPr/>
-      </p:nvGrpSpPr>
-      <p:grpSpPr>
-        <a:xfrm>
-          <a:off x="0" y="0"/>
-          <a:ext cx="0" cy="0"/>
-          <a:chOff x="0" y="0"/>
-          <a:chExt cx="0" cy="0"/>
-        </a:xfrm>
-      </p:grpSpPr>
-      <p:sp>
-        <p:nvSpPr>
-          <p:cNvPr id="3" name="Заголовок 4"/>
-          <p:cNvSpPr>
-            <a:spLocks noGrp="1"/>
-          </p:cNvSpPr>
-          <p:nvPr>
-            <p:ph type="title"/>
-          </p:nvPr>
-        </p:nvSpPr>
-        <p:spPr>
-          <a:xfrm>
-            <a:off x="0" y="404664"/>
-            <a:ext cx="12192000" cy="1008112"/>
-          </a:xfrm>
-        </p:spPr>
-        <p:txBody>
-          <a:bodyPr>
-            <a:normAutofit/>
-          </a:bodyPr>
-          <a:lstStyle/>
-          <a:p>
-            <a:r>
-              <a:rPr lang="ru-RU" sz="3600" b="1" dirty="0"/>
-              <a:t>К домашнему заданию </a:t>
-            </a:r>
-            <a:r>
-              <a:rPr lang="en-US" sz="3600" b="1" dirty="0"/>
-              <a:t>#B.3</a:t>
-            </a:r>
-            <a:endParaRPr lang="uk-UA" sz="3600" b="1" dirty="0"/>
-          </a:p>
-        </p:txBody>
-      </p:sp>
-      <p:sp>
-        <p:nvSpPr>
-          <p:cNvPr id="6" name="Номер слайда 36"/>
-          <p:cNvSpPr txBox="1">
-            <a:spLocks/>
-          </p:cNvSpPr>
-          <p:nvPr/>
-        </p:nvSpPr>
-        <p:spPr>
-          <a:xfrm>
-            <a:off x="11208568" y="6190853"/>
-            <a:ext cx="648072" cy="432048"/>
-          </a:xfrm>
-          <a:prstGeom prst="roundRect">
-            <a:avLst/>
-          </a:prstGeom>
-          <a:ln w="25400" cap="flat" cmpd="sng" algn="ctr">
-            <a:solidFill>
-              <a:schemeClr val="tx2">
-                <a:lumMod val="60000"/>
-                <a:lumOff val="40000"/>
-              </a:schemeClr>
-            </a:solidFill>
-            <a:prstDash val="solid"/>
-          </a:ln>
-        </p:spPr>
-        <p:style>
-          <a:lnRef idx="2">
-            <a:schemeClr val="accent1"/>
-          </a:lnRef>
-          <a:fillRef idx="1">
-            <a:schemeClr val="lt1"/>
-          </a:fillRef>
-          <a:effectRef idx="0">
-            <a:schemeClr val="accent1"/>
-          </a:effectRef>
-          <a:fontRef idx="minor">
-            <a:schemeClr val="dk1"/>
-          </a:fontRef>
-        </p:style>
-        <p:txBody>
-          <a:bodyPr vert="horz" lIns="91440" tIns="45720" rIns="91440" bIns="45720" rtlCol="0" anchor="ctr"/>
-          <a:lstStyle/>
-          <a:p>
-            <a:pPr algn="ctr">
-              <a:defRPr/>
-            </a:pPr>
-            <a:fld id="{6389AA22-90B4-448C-8B6B-C699140D38B9}" type="slidenum">
-              <a:rPr lang="uk-UA" sz="2400" b="1">
-                <a:solidFill>
-                  <a:schemeClr val="bg1">
-                    <a:lumMod val="50000"/>
-                  </a:schemeClr>
-                </a:solidFill>
-              </a:rPr>
-              <a:pPr algn="ctr">
-                <a:defRPr/>
-              </a:pPr>
-              <a:t>41</a:t>
-            </a:fld>
-            <a:endParaRPr lang="uk-UA" sz="2400" b="1" dirty="0">
-              <a:solidFill>
-                <a:schemeClr val="bg1">
-                  <a:lumMod val="50000"/>
-                </a:schemeClr>
-              </a:solidFill>
-            </a:endParaRPr>
-          </a:p>
-        </p:txBody>
-      </p:sp>
-      <p:sp>
-        <p:nvSpPr>
-          <p:cNvPr id="11" name="Прямоугольник 10"/>
-          <p:cNvSpPr/>
-          <p:nvPr/>
-        </p:nvSpPr>
-        <p:spPr>
-          <a:xfrm>
-            <a:off x="839416" y="4853406"/>
-            <a:ext cx="10801200" cy="1569660"/>
-          </a:xfrm>
-          <a:prstGeom prst="rect">
-            <a:avLst/>
-          </a:prstGeom>
-        </p:spPr>
-        <p:txBody>
-          <a:bodyPr wrap="square">
-            <a:spAutoFit/>
-          </a:bodyPr>
-          <a:lstStyle>
-            <a:defPPr>
-              <a:defRPr lang="uk-UA"/>
-            </a:defPPr>
-            <a:lvl1pPr marL="0" algn="l" defTabSz="914400" rtl="0" eaLnBrk="1" latinLnBrk="0" hangingPunct="1">
-              <a:defRPr sz="1800" kern="1200">
-                <a:solidFill>
-                  <a:schemeClr val="tx1"/>
-                </a:solidFill>
-                <a:latin typeface="+mn-lt"/>
-                <a:ea typeface="+mn-ea"/>
-                <a:cs typeface="+mn-cs"/>
-              </a:defRPr>
-            </a:lvl1pPr>
-            <a:lvl2pPr marL="457200" algn="l" defTabSz="914400" rtl="0" eaLnBrk="1" latinLnBrk="0" hangingPunct="1">
-              <a:defRPr sz="1800" kern="1200">
-                <a:solidFill>
-                  <a:schemeClr val="tx1"/>
-                </a:solidFill>
-                <a:latin typeface="+mn-lt"/>
-                <a:ea typeface="+mn-ea"/>
-                <a:cs typeface="+mn-cs"/>
-              </a:defRPr>
-            </a:lvl2pPr>
-            <a:lvl3pPr marL="914400" algn="l" defTabSz="914400" rtl="0" eaLnBrk="1" latinLnBrk="0" hangingPunct="1">
-              <a:defRPr sz="1800" kern="1200">
-                <a:solidFill>
-                  <a:schemeClr val="tx1"/>
-                </a:solidFill>
-                <a:latin typeface="+mn-lt"/>
-                <a:ea typeface="+mn-ea"/>
-                <a:cs typeface="+mn-cs"/>
-              </a:defRPr>
-            </a:lvl3pPr>
-            <a:lvl4pPr marL="1371600" algn="l" defTabSz="914400" rtl="0" eaLnBrk="1" latinLnBrk="0" hangingPunct="1">
-              <a:defRPr sz="1800" kern="1200">
-                <a:solidFill>
-                  <a:schemeClr val="tx1"/>
-                </a:solidFill>
-                <a:latin typeface="+mn-lt"/>
-                <a:ea typeface="+mn-ea"/>
-                <a:cs typeface="+mn-cs"/>
-              </a:defRPr>
-            </a:lvl4pPr>
-            <a:lvl5pPr marL="1828800" algn="l" defTabSz="914400" rtl="0" eaLnBrk="1" latinLnBrk="0" hangingPunct="1">
-              <a:defRPr sz="1800" kern="1200">
-                <a:solidFill>
-                  <a:schemeClr val="tx1"/>
-                </a:solidFill>
-                <a:latin typeface="+mn-lt"/>
-                <a:ea typeface="+mn-ea"/>
-                <a:cs typeface="+mn-cs"/>
-              </a:defRPr>
-            </a:lvl5pPr>
-            <a:lvl6pPr marL="2286000" algn="l" defTabSz="914400" rtl="0" eaLnBrk="1" latinLnBrk="0" hangingPunct="1">
-              <a:defRPr sz="1800" kern="1200">
-                <a:solidFill>
-                  <a:schemeClr val="tx1"/>
-                </a:solidFill>
-                <a:latin typeface="+mn-lt"/>
-                <a:ea typeface="+mn-ea"/>
-                <a:cs typeface="+mn-cs"/>
-              </a:defRPr>
-            </a:lvl6pPr>
-            <a:lvl7pPr marL="2743200" algn="l" defTabSz="914400" rtl="0" eaLnBrk="1" latinLnBrk="0" hangingPunct="1">
-              <a:defRPr sz="1800" kern="1200">
-                <a:solidFill>
-                  <a:schemeClr val="tx1"/>
-                </a:solidFill>
-                <a:latin typeface="+mn-lt"/>
-                <a:ea typeface="+mn-ea"/>
-                <a:cs typeface="+mn-cs"/>
-              </a:defRPr>
-            </a:lvl7pPr>
-            <a:lvl8pPr marL="3200400" algn="l" defTabSz="914400" rtl="0" eaLnBrk="1" latinLnBrk="0" hangingPunct="1">
-              <a:defRPr sz="1800" kern="1200">
-                <a:solidFill>
-                  <a:schemeClr val="tx1"/>
-                </a:solidFill>
-                <a:latin typeface="+mn-lt"/>
-                <a:ea typeface="+mn-ea"/>
-                <a:cs typeface="+mn-cs"/>
-              </a:defRPr>
-            </a:lvl8pPr>
-            <a:lvl9pPr marL="3657600" algn="l" defTabSz="914400" rtl="0" eaLnBrk="1" latinLnBrk="0" hangingPunct="1">
-              <a:defRPr sz="1800" kern="1200">
-                <a:solidFill>
-                  <a:schemeClr val="tx1"/>
-                </a:solidFill>
-                <a:latin typeface="+mn-lt"/>
-                <a:ea typeface="+mn-ea"/>
-                <a:cs typeface="+mn-cs"/>
-              </a:defRPr>
-            </a:lvl9pPr>
-          </a:lstStyle>
-          <a:p>
-            <a:r>
-              <a:rPr lang="ru-RU" sz="2400" b="1" dirty="0"/>
-              <a:t>В помощь</a:t>
-            </a:r>
-            <a:r>
-              <a:rPr lang="en-US" sz="2400" b="1" dirty="0"/>
-              <a:t>,</a:t>
-            </a:r>
-            <a:r>
-              <a:rPr lang="ru-RU" sz="2400" b="1" dirty="0"/>
-              <a:t> </a:t>
-            </a:r>
-            <a:r>
-              <a:rPr lang="ru-RU" sz="2400" dirty="0"/>
-              <a:t>генератор номеров банковских карт (</a:t>
-            </a:r>
-            <a:r>
-              <a:rPr lang="ru-RU" sz="2400" b="1" dirty="0">
-                <a:solidFill>
-                  <a:srgbClr val="FF0000"/>
-                </a:solidFill>
-              </a:rPr>
-              <a:t>используйте для проверки</a:t>
-            </a:r>
-            <a:r>
-              <a:rPr lang="en-US" sz="2400" b="1" dirty="0">
-                <a:solidFill>
-                  <a:srgbClr val="FF0000"/>
-                </a:solidFill>
-              </a:rPr>
-              <a:t> </a:t>
-            </a:r>
-            <a:r>
-              <a:rPr lang="ru-RU" sz="2400" b="1" dirty="0">
-                <a:solidFill>
-                  <a:srgbClr val="FF0000"/>
-                </a:solidFill>
-              </a:rPr>
-              <a:t>работы вашего скрипта</a:t>
-            </a:r>
-            <a:r>
-              <a:rPr lang="ru-RU" sz="2400" dirty="0"/>
-              <a:t>): </a:t>
-            </a:r>
-            <a:r>
-              <a:rPr lang="en-US" sz="2400" b="1" dirty="0">
-                <a:hlinkClick r:id="rId2"/>
-              </a:rPr>
-              <a:t>https://www.freeformatter.com/credit-card-number-generator-validator.html</a:t>
-            </a:r>
-            <a:endParaRPr lang="en-US" sz="2400" b="1" dirty="0"/>
-          </a:p>
-          <a:p>
-            <a:endParaRPr lang="uk-UA" sz="2400" dirty="0"/>
-          </a:p>
-        </p:txBody>
-      </p:sp>
-      <p:pic>
-        <p:nvPicPr>
-          <p:cNvPr id="2" name="Рисунок 1"/>
-          <p:cNvPicPr>
-            <a:picLocks noChangeAspect="1"/>
-          </p:cNvPicPr>
-          <p:nvPr/>
-        </p:nvPicPr>
-        <p:blipFill>
-          <a:blip r:embed="rId3"/>
-          <a:stretch>
-            <a:fillRect/>
-          </a:stretch>
-        </p:blipFill>
-        <p:spPr>
-          <a:xfrm>
-            <a:off x="0" y="1772816"/>
-            <a:ext cx="12192000" cy="2592288"/>
-          </a:xfrm>
-          <a:prstGeom prst="rect">
-            <a:avLst/>
-          </a:prstGeom>
-          <a:ln>
-            <a:noFill/>
-          </a:ln>
-          <a:effectLst>
-            <a:outerShdw blurRad="292100" dist="139700" dir="2700000" algn="tl" rotWithShape="0">
-              <a:srgbClr val="333333">
-                <a:alpha val="65000"/>
-              </a:srgbClr>
-            </a:outerShdw>
-          </a:effectLst>
-        </p:spPr>
-      </p:pic>
-    </p:spTree>
-    <p:extLst>
-      <p:ext uri="{BB962C8B-B14F-4D97-AF65-F5344CB8AC3E}">
-        <p14:creationId xmlns:p14="http://schemas.microsoft.com/office/powerpoint/2010/main" val="1245348439"/>
       </p:ext>
     </p:extLst>
   </p:cSld>
